--- a/2022_tcfd-knowledge-hub/202212_tcfd-knowledge-hub.pptx
+++ b/2022_tcfd-knowledge-hub/202212_tcfd-knowledge-hub.pptx
@@ -22,9 +22,18 @@
     <p:sldId id="269" r:id="rId16"/>
     <p:sldId id="270" r:id="rId17"/>
     <p:sldId id="271" r:id="rId18"/>
-    <p:sldId id="273" r:id="rId19"/>
-    <p:sldId id="274" r:id="rId20"/>
-    <p:sldId id="275" r:id="rId21"/>
+    <p:sldId id="276" r:id="rId19"/>
+    <p:sldId id="278" r:id="rId20"/>
+    <p:sldId id="277" r:id="rId21"/>
+    <p:sldId id="280" r:id="rId22"/>
+    <p:sldId id="281" r:id="rId23"/>
+    <p:sldId id="282" r:id="rId24"/>
+    <p:sldId id="283" r:id="rId25"/>
+    <p:sldId id="284" r:id="rId26"/>
+    <p:sldId id="273" r:id="rId27"/>
+    <p:sldId id="279" r:id="rId28"/>
+    <p:sldId id="274" r:id="rId29"/>
+    <p:sldId id="275" r:id="rId30"/>
   </p:sldIdLst>
   <p:sldSz cx="12192000" cy="6858000"/>
   <p:notesSz cx="6858000" cy="9144000"/>
@@ -157,7 +166,24 @@
             <p14:sldId id="269"/>
             <p14:sldId id="270"/>
             <p14:sldId id="271"/>
+            <p14:sldId id="276"/>
+          </p14:sldIdLst>
+        </p14:section>
+        <p14:section name="Deep Dive into the Recommendations&#13;Deep Dive into the Recommendations&#13;" id="{8DC0BEB0-9ED4-D143-96CE-6C5474FC327A}">
+          <p14:sldIdLst>
+            <p14:sldId id="278"/>
+            <p14:sldId id="277"/>
+            <p14:sldId id="280"/>
+            <p14:sldId id="281"/>
+            <p14:sldId id="282"/>
+            <p14:sldId id="283"/>
+          </p14:sldIdLst>
+        </p14:section>
+        <p14:section name="Key Elements of Climate-Related Financial Disclosure" id="{AAAD5877-02C3-FB4F-82EC-A0D22641BB1D}">
+          <p14:sldIdLst>
+            <p14:sldId id="284"/>
             <p14:sldId id="273"/>
+            <p14:sldId id="279"/>
             <p14:sldId id="274"/>
             <p14:sldId id="275"/>
           </p14:sldIdLst>
@@ -320,7 +346,7 @@
           <a:p>
             <a:fld id="{2C0E8315-071A-144B-A16C-6CACD5DB9D81}" type="datetimeFigureOut">
               <a:rPr lang="en-US" smtClean="0"/>
-              <a:t>11/28/22</a:t>
+              <a:t>11/30/22</a:t>
             </a:fld>
             <a:endParaRPr lang="en-US"/>
           </a:p>
@@ -520,7 +546,7 @@
           <a:p>
             <a:fld id="{2C0E8315-071A-144B-A16C-6CACD5DB9D81}" type="datetimeFigureOut">
               <a:rPr lang="en-US" smtClean="0"/>
-              <a:t>11/28/22</a:t>
+              <a:t>11/30/22</a:t>
             </a:fld>
             <a:endParaRPr lang="en-US"/>
           </a:p>
@@ -730,7 +756,7 @@
           <a:p>
             <a:fld id="{2C0E8315-071A-144B-A16C-6CACD5DB9D81}" type="datetimeFigureOut">
               <a:rPr lang="en-US" smtClean="0"/>
-              <a:t>11/28/22</a:t>
+              <a:t>11/30/22</a:t>
             </a:fld>
             <a:endParaRPr lang="en-US"/>
           </a:p>
@@ -930,7 +956,7 @@
           <a:p>
             <a:fld id="{2C0E8315-071A-144B-A16C-6CACD5DB9D81}" type="datetimeFigureOut">
               <a:rPr lang="en-US" smtClean="0"/>
-              <a:t>11/28/22</a:t>
+              <a:t>11/30/22</a:t>
             </a:fld>
             <a:endParaRPr lang="en-US"/>
           </a:p>
@@ -1206,7 +1232,7 @@
           <a:p>
             <a:fld id="{2C0E8315-071A-144B-A16C-6CACD5DB9D81}" type="datetimeFigureOut">
               <a:rPr lang="en-US" smtClean="0"/>
-              <a:t>11/28/22</a:t>
+              <a:t>11/30/22</a:t>
             </a:fld>
             <a:endParaRPr lang="en-US"/>
           </a:p>
@@ -1474,7 +1500,7 @@
           <a:p>
             <a:fld id="{2C0E8315-071A-144B-A16C-6CACD5DB9D81}" type="datetimeFigureOut">
               <a:rPr lang="en-US" smtClean="0"/>
-              <a:t>11/28/22</a:t>
+              <a:t>11/30/22</a:t>
             </a:fld>
             <a:endParaRPr lang="en-US"/>
           </a:p>
@@ -1889,7 +1915,7 @@
           <a:p>
             <a:fld id="{2C0E8315-071A-144B-A16C-6CACD5DB9D81}" type="datetimeFigureOut">
               <a:rPr lang="en-US" smtClean="0"/>
-              <a:t>11/28/22</a:t>
+              <a:t>11/30/22</a:t>
             </a:fld>
             <a:endParaRPr lang="en-US"/>
           </a:p>
@@ -2031,7 +2057,7 @@
           <a:p>
             <a:fld id="{2C0E8315-071A-144B-A16C-6CACD5DB9D81}" type="datetimeFigureOut">
               <a:rPr lang="en-US" smtClean="0"/>
-              <a:t>11/28/22</a:t>
+              <a:t>11/30/22</a:t>
             </a:fld>
             <a:endParaRPr lang="en-US"/>
           </a:p>
@@ -2144,7 +2170,7 @@
           <a:p>
             <a:fld id="{2C0E8315-071A-144B-A16C-6CACD5DB9D81}" type="datetimeFigureOut">
               <a:rPr lang="en-US" smtClean="0"/>
-              <a:t>11/28/22</a:t>
+              <a:t>11/30/22</a:t>
             </a:fld>
             <a:endParaRPr lang="en-US"/>
           </a:p>
@@ -2457,7 +2483,7 @@
           <a:p>
             <a:fld id="{2C0E8315-071A-144B-A16C-6CACD5DB9D81}" type="datetimeFigureOut">
               <a:rPr lang="en-US" smtClean="0"/>
-              <a:t>11/28/22</a:t>
+              <a:t>11/30/22</a:t>
             </a:fld>
             <a:endParaRPr lang="en-US"/>
           </a:p>
@@ -2746,7 +2772,7 @@
           <a:p>
             <a:fld id="{2C0E8315-071A-144B-A16C-6CACD5DB9D81}" type="datetimeFigureOut">
               <a:rPr lang="en-US" smtClean="0"/>
-              <a:t>11/28/22</a:t>
+              <a:t>11/30/22</a:t>
             </a:fld>
             <a:endParaRPr lang="en-US"/>
           </a:p>
@@ -2989,7 +3015,7 @@
           <a:p>
             <a:fld id="{2C0E8315-071A-144B-A16C-6CACD5DB9D81}" type="datetimeFigureOut">
               <a:rPr lang="en-US" smtClean="0"/>
-              <a:t>11/28/22</a:t>
+              <a:t>11/30/22</a:t>
             </a:fld>
             <a:endParaRPr lang="en-US"/>
           </a:p>
@@ -4797,8 +4823,113 @@
           <a:p>
             <a:r>
               <a:rPr lang="en-US" dirty="0"/>
-              <a:t>TCFD provides guidance for all sectors + supplemental guidance for certain sectors</a:t>
-            </a:r>
+              <a:t>For each of the 4 core elements, TCFD provides</a:t>
+            </a:r>
+          </a:p>
+          <a:p>
+            <a:pPr lvl="1"/>
+            <a:r>
+              <a:rPr lang="en-US" dirty="0"/>
+              <a:t>guidance for all sectors</a:t>
+            </a:r>
+          </a:p>
+          <a:p>
+            <a:pPr lvl="1"/>
+            <a:r>
+              <a:rPr lang="en-US" dirty="0"/>
+              <a:t>supplemental guidance for certain sectors</a:t>
+            </a:r>
+          </a:p>
+          <a:p>
+            <a:pPr lvl="1"/>
+            <a:endParaRPr lang="en-US" dirty="0"/>
+          </a:p>
+          <a:p>
+            <a:r>
+              <a:rPr lang="en-US" dirty="0"/>
+              <a:t>7 principles of effective disclosure</a:t>
+            </a:r>
+          </a:p>
+          <a:p>
+            <a:pPr lvl="1"/>
+            <a:r>
+              <a:rPr lang="en-US" dirty="0"/>
+              <a:t>Relevant information</a:t>
+            </a:r>
+          </a:p>
+          <a:p>
+            <a:pPr lvl="1"/>
+            <a:r>
+              <a:rPr lang="en-US" dirty="0"/>
+              <a:t>Specific and complete</a:t>
+            </a:r>
+          </a:p>
+          <a:p>
+            <a:pPr lvl="1"/>
+            <a:r>
+              <a:rPr lang="en-US" dirty="0"/>
+              <a:t>Clear, balanced, and understandable</a:t>
+            </a:r>
+          </a:p>
+          <a:p>
+            <a:pPr lvl="1"/>
+            <a:r>
+              <a:rPr lang="en-US" dirty="0">
+                <a:solidFill>
+                  <a:schemeClr val="accent1"/>
+                </a:solidFill>
+              </a:rPr>
+              <a:t>Consistent over time</a:t>
+            </a:r>
+          </a:p>
+          <a:p>
+            <a:pPr lvl="1"/>
+            <a:r>
+              <a:rPr lang="en-US" dirty="0">
+                <a:solidFill>
+                  <a:schemeClr val="accent1"/>
+                </a:solidFill>
+              </a:rPr>
+              <a:t>Comparable</a:t>
+            </a:r>
+            <a:r>
+              <a:rPr lang="en-US" dirty="0"/>
+              <a:t> among companies within a sector / industry / portfolio</a:t>
+            </a:r>
+          </a:p>
+          <a:p>
+            <a:pPr lvl="1"/>
+            <a:r>
+              <a:rPr lang="en-US" dirty="0"/>
+              <a:t>Reliable, </a:t>
+            </a:r>
+            <a:r>
+              <a:rPr lang="en-US" dirty="0">
+                <a:solidFill>
+                  <a:schemeClr val="accent1"/>
+                </a:solidFill>
+              </a:rPr>
+              <a:t>verifiable</a:t>
+            </a:r>
+            <a:r>
+              <a:rPr lang="en-US" dirty="0"/>
+              <a:t>, objective</a:t>
+            </a:r>
+          </a:p>
+          <a:p>
+            <a:pPr lvl="1"/>
+            <a:r>
+              <a:rPr lang="en-US" dirty="0">
+                <a:solidFill>
+                  <a:schemeClr val="accent1"/>
+                </a:solidFill>
+              </a:rPr>
+              <a:t>Timely</a:t>
+            </a:r>
+          </a:p>
+          <a:p>
+            <a:pPr lvl="1"/>
+            <a:endParaRPr lang="en-US" dirty="0"/>
           </a:p>
         </p:txBody>
       </p:sp>
@@ -4862,7 +4993,7 @@
           <a:p>
             <a:r>
               <a:rPr lang="en-US" dirty="0"/>
-              <a:t>A</a:t>
+              <a:t>Who Should be Disclosing, and Where?</a:t>
             </a:r>
           </a:p>
         </p:txBody>
@@ -4895,7 +5026,191 @@
           <a:p>
             <a:r>
               <a:rPr lang="en-US" dirty="0"/>
-              <a:t>A</a:t>
+              <a:t>Who shall disclose?</a:t>
+            </a:r>
+          </a:p>
+          <a:p>
+            <a:pPr lvl="1"/>
+            <a:r>
+              <a:rPr lang="en-US" dirty="0">
+                <a:solidFill>
+                  <a:schemeClr val="accent1"/>
+                </a:solidFill>
+                <a:highlight>
+                  <a:srgbClr val="FFFF00"/>
+                </a:highlight>
+              </a:rPr>
+              <a:t>Financial sector </a:t>
+            </a:r>
+            <a:r>
+              <a:rPr lang="en-US" dirty="0"/>
+              <a:t>– banks, insurers, assets owners, asset managers</a:t>
+            </a:r>
+          </a:p>
+          <a:p>
+            <a:pPr lvl="1"/>
+            <a:r>
+              <a:rPr lang="en-US" dirty="0">
+                <a:solidFill>
+                  <a:schemeClr val="accent1"/>
+                </a:solidFill>
+                <a:highlight>
+                  <a:srgbClr val="FFFF00"/>
+                </a:highlight>
+              </a:rPr>
+              <a:t>Non-financial sector </a:t>
+            </a:r>
+            <a:r>
+              <a:rPr lang="en-US" dirty="0"/>
+              <a:t>with large </a:t>
+            </a:r>
+            <a:r>
+              <a:rPr lang="en-US" dirty="0">
+                <a:solidFill>
+                  <a:schemeClr val="accent1"/>
+                </a:solidFill>
+              </a:rPr>
+              <a:t>GHG emissions, energy usage and water usage</a:t>
+            </a:r>
+          </a:p>
+          <a:p>
+            <a:pPr lvl="2"/>
+            <a:r>
+              <a:rPr lang="en-US" dirty="0">
+                <a:solidFill>
+                  <a:schemeClr val="accent1"/>
+                </a:solidFill>
+              </a:rPr>
+              <a:t>Energy</a:t>
+            </a:r>
+            <a:r>
+              <a:rPr lang="en-US" dirty="0"/>
+              <a:t> – O&amp;G; coal; utilities</a:t>
+            </a:r>
+          </a:p>
+          <a:p>
+            <a:pPr lvl="2"/>
+            <a:r>
+              <a:rPr lang="en-US" dirty="0">
+                <a:solidFill>
+                  <a:schemeClr val="accent1"/>
+                </a:solidFill>
+              </a:rPr>
+              <a:t>Transportation</a:t>
+            </a:r>
+            <a:r>
+              <a:rPr lang="en-US" dirty="0"/>
+              <a:t> – air freight; passenger air transportation; maritime; rail; trucking; automobiles</a:t>
+            </a:r>
+          </a:p>
+          <a:p>
+            <a:pPr lvl="2"/>
+            <a:r>
+              <a:rPr lang="en-US" dirty="0">
+                <a:solidFill>
+                  <a:schemeClr val="accent1"/>
+                </a:solidFill>
+              </a:rPr>
+              <a:t>Materials</a:t>
+            </a:r>
+            <a:r>
+              <a:rPr lang="en-US" dirty="0"/>
+              <a:t> and </a:t>
+            </a:r>
+            <a:r>
+              <a:rPr lang="en-US" dirty="0">
+                <a:solidFill>
+                  <a:schemeClr val="accent1"/>
+                </a:solidFill>
+              </a:rPr>
+              <a:t>Buildings</a:t>
+            </a:r>
+          </a:p>
+          <a:p>
+            <a:pPr lvl="3"/>
+            <a:r>
+              <a:rPr lang="en-US" dirty="0"/>
+              <a:t>Metals &amp; Mining; chemicals; construction materials</a:t>
+            </a:r>
+          </a:p>
+          <a:p>
+            <a:pPr lvl="3"/>
+            <a:r>
+              <a:rPr lang="en-US" dirty="0"/>
+              <a:t>Real Estate management &amp; development; capital goods</a:t>
+            </a:r>
+          </a:p>
+          <a:p>
+            <a:pPr lvl="2"/>
+            <a:r>
+              <a:rPr lang="en-US" dirty="0">
+                <a:solidFill>
+                  <a:schemeClr val="accent1"/>
+                </a:solidFill>
+              </a:rPr>
+              <a:t>Agriculture</a:t>
+            </a:r>
+            <a:r>
+              <a:rPr lang="en-US" dirty="0"/>
+              <a:t>, </a:t>
+            </a:r>
+            <a:r>
+              <a:rPr lang="en-US" dirty="0">
+                <a:solidFill>
+                  <a:schemeClr val="accent1"/>
+                </a:solidFill>
+              </a:rPr>
+              <a:t>Food</a:t>
+            </a:r>
+            <a:r>
+              <a:rPr lang="en-US" dirty="0"/>
+              <a:t> and </a:t>
+            </a:r>
+            <a:r>
+              <a:rPr lang="en-US" dirty="0">
+                <a:solidFill>
+                  <a:schemeClr val="accent1"/>
+                </a:solidFill>
+              </a:rPr>
+              <a:t>Forest</a:t>
+            </a:r>
+            <a:r>
+              <a:rPr lang="en-US" dirty="0"/>
+              <a:t> Products</a:t>
+            </a:r>
+          </a:p>
+          <a:p>
+            <a:pPr lvl="3"/>
+            <a:r>
+              <a:rPr lang="en-US" dirty="0"/>
+              <a:t>Beverages; packaged foods and meats</a:t>
+            </a:r>
+          </a:p>
+          <a:p>
+            <a:pPr lvl="3"/>
+            <a:r>
+              <a:rPr lang="en-US" dirty="0"/>
+              <a:t>Agriculture; paper and forest products</a:t>
+            </a:r>
+          </a:p>
+          <a:p>
+            <a:r>
+              <a:rPr lang="en-US" dirty="0"/>
+              <a:t>Where to disclose information?</a:t>
+            </a:r>
+          </a:p>
+          <a:p>
+            <a:pPr lvl="1"/>
+            <a:r>
+              <a:rPr lang="en-US" dirty="0"/>
+              <a:t>Mainstream annual financial filings</a:t>
+            </a:r>
+          </a:p>
+          <a:p>
+            <a:pPr lvl="2"/>
+            <a:r>
+              <a:rPr lang="en-US" dirty="0"/>
+              <a:t>especially for companies with public debt / equity</a:t>
             </a:r>
           </a:p>
         </p:txBody>
@@ -4960,7 +5275,7 @@
           <a:p>
             <a:r>
               <a:rPr lang="en-US" dirty="0"/>
-              <a:t>A</a:t>
+              <a:t>What is Scenario Analysis</a:t>
             </a:r>
           </a:p>
         </p:txBody>
@@ -4993,7 +5308,36 @@
           <a:p>
             <a:r>
               <a:rPr lang="en-US" dirty="0"/>
-              <a:t>A</a:t>
+              <a:t>Organizations shall disclose the resilience of their strategy against a </a:t>
+            </a:r>
+            <a:r>
+              <a:rPr lang="en-US" dirty="0">
+                <a:solidFill>
+                  <a:schemeClr val="accent1"/>
+                </a:solidFill>
+              </a:rPr>
+              <a:t>2°C or lower scenario</a:t>
+            </a:r>
+          </a:p>
+          <a:p>
+            <a:pPr lvl="1"/>
+            <a:r>
+              <a:rPr lang="en-US" dirty="0"/>
+              <a:t>A tool for developing strategic plans that are more robust to a range of plausible future states</a:t>
+            </a:r>
+          </a:p>
+          <a:p>
+            <a:pPr lvl="1"/>
+            <a:r>
+              <a:rPr lang="en-US" dirty="0"/>
+              <a:t>Explore alternatives that may alter the basis for “business-as-usual” assumptions</a:t>
+            </a:r>
+          </a:p>
+          <a:p>
+            <a:pPr lvl="1"/>
+            <a:r>
+              <a:rPr lang="en-US" dirty="0"/>
+              <a:t>Hypothetical (stress testing) – not forecasts / predictions / sensitivity analysis</a:t>
             </a:r>
           </a:p>
         </p:txBody>
@@ -5001,7 +5345,7 @@
     </p:spTree>
     <p:extLst>
       <p:ext uri="{BB962C8B-B14F-4D97-AF65-F5344CB8AC3E}">
-        <p14:creationId xmlns:p14="http://schemas.microsoft.com/office/powerpoint/2010/main" val="3953346423"/>
+        <p14:creationId xmlns:p14="http://schemas.microsoft.com/office/powerpoint/2010/main" val="2283807399"/>
       </p:ext>
     </p:extLst>
   </p:cSld>
@@ -5033,65 +5377,69 @@
           <p:cNvPr id="2" name="Title 1">
             <a:extLst>
               <a:ext uri="{FF2B5EF4-FFF2-40B4-BE49-F238E27FC236}">
-                <a16:creationId xmlns:a16="http://schemas.microsoft.com/office/drawing/2014/main" id="{9BE75482-8AF5-3A23-003E-A2F11B1BA6E9}"/>
-              </a:ext>
-            </a:extLst>
-          </p:cNvPr>
-          <p:cNvSpPr>
-            <a:spLocks noGrp="1"/>
-          </p:cNvSpPr>
-          <p:nvPr>
-            <p:ph type="title"/>
-          </p:nvPr>
-        </p:nvSpPr>
-        <p:spPr>
-          <a:xfrm>
-            <a:off x="176049" y="165430"/>
-            <a:ext cx="11805744" cy="515608"/>
-          </a:xfrm>
-        </p:spPr>
+                <a16:creationId xmlns:a16="http://schemas.microsoft.com/office/drawing/2014/main" id="{37FF8D3B-D6C2-7C94-C08F-1BC8C54F9BAF}"/>
+              </a:ext>
+            </a:extLst>
+          </p:cNvPr>
+          <p:cNvSpPr>
+            <a:spLocks noGrp="1"/>
+          </p:cNvSpPr>
+          <p:nvPr>
+            <p:ph type="ctrTitle"/>
+          </p:nvPr>
+        </p:nvSpPr>
+        <p:spPr/>
         <p:txBody>
           <a:bodyPr>
-            <a:normAutofit fontScale="90000"/>
+            <a:normAutofit/>
           </a:bodyPr>
           <a:lstStyle/>
           <a:p>
             <a:r>
               <a:rPr lang="en-US" dirty="0"/>
-              <a:t>A</a:t>
-            </a:r>
-          </a:p>
-        </p:txBody>
-      </p:sp>
-      <p:sp>
-        <p:nvSpPr>
-          <p:cNvPr id="3" name="Content Placeholder 2">
-            <a:extLst>
-              <a:ext uri="{FF2B5EF4-FFF2-40B4-BE49-F238E27FC236}">
-                <a16:creationId xmlns:a16="http://schemas.microsoft.com/office/drawing/2014/main" id="{7A1FB08F-4171-23BE-F0AD-302986777063}"/>
-              </a:ext>
-            </a:extLst>
-          </p:cNvPr>
-          <p:cNvSpPr>
-            <a:spLocks noGrp="1"/>
-          </p:cNvSpPr>
-          <p:nvPr>
-            <p:ph idx="1"/>
-          </p:nvPr>
-        </p:nvSpPr>
-        <p:spPr>
-          <a:xfrm>
-            <a:off x="176048" y="764080"/>
-            <a:ext cx="11805743" cy="5928490"/>
-          </a:xfrm>
-        </p:spPr>
-        <p:txBody>
-          <a:bodyPr/>
-          <a:lstStyle/>
-          <a:p>
-            <a:r>
-              <a:rPr lang="en-US" dirty="0"/>
-              <a:t>A</a:t>
+              <a:t>Understanding the Recommendations of TCFD</a:t>
+            </a:r>
+          </a:p>
+        </p:txBody>
+      </p:sp>
+      <p:sp>
+        <p:nvSpPr>
+          <p:cNvPr id="3" name="Subtitle 2">
+            <a:extLst>
+              <a:ext uri="{FF2B5EF4-FFF2-40B4-BE49-F238E27FC236}">
+                <a16:creationId xmlns:a16="http://schemas.microsoft.com/office/drawing/2014/main" id="{39B2E270-BE53-C01C-1FC8-CFB240D1B7A2}"/>
+              </a:ext>
+            </a:extLst>
+          </p:cNvPr>
+          <p:cNvSpPr>
+            <a:spLocks noGrp="1"/>
+          </p:cNvSpPr>
+          <p:nvPr>
+            <p:ph type="subTitle" idx="1"/>
+          </p:nvPr>
+        </p:nvSpPr>
+        <p:spPr/>
+        <p:txBody>
+          <a:bodyPr>
+            <a:normAutofit lnSpcReduction="10000"/>
+          </a:bodyPr>
+          <a:lstStyle/>
+          <a:p>
+            <a:endParaRPr lang="en-US" dirty="0"/>
+          </a:p>
+          <a:p>
+            <a:r>
+              <a:rPr lang="en-US" dirty="0"/>
+              <a:t>Deep Dive into the Recommendations</a:t>
+            </a:r>
+          </a:p>
+          <a:p>
+            <a:endParaRPr lang="en-US" dirty="0"/>
+          </a:p>
+          <a:p>
+            <a:r>
+              <a:rPr lang="en-US" dirty="0"/>
+              <a:t>Dec 2022</a:t>
             </a:r>
           </a:p>
         </p:txBody>
@@ -5099,7 +5447,7 @@
     </p:spTree>
     <p:extLst>
       <p:ext uri="{BB962C8B-B14F-4D97-AF65-F5344CB8AC3E}">
-        <p14:creationId xmlns:p14="http://schemas.microsoft.com/office/powerpoint/2010/main" val="3413800633"/>
+        <p14:creationId xmlns:p14="http://schemas.microsoft.com/office/powerpoint/2010/main" val="2998216595"/>
       </p:ext>
     </p:extLst>
   </p:cSld>
@@ -5315,6 +5663,2017 @@
 </file>
 
 <file path=ppt/slides/slide20.xml><?xml version="1.0" encoding="utf-8"?>
+<p:sld xmlns:a="http://schemas.openxmlformats.org/drawingml/2006/main" xmlns:r="http://schemas.openxmlformats.org/officeDocument/2006/relationships" xmlns:p="http://schemas.openxmlformats.org/presentationml/2006/main">
+  <p:cSld>
+    <p:spTree>
+      <p:nvGrpSpPr>
+        <p:cNvPr id="1" name=""/>
+        <p:cNvGrpSpPr/>
+        <p:nvPr/>
+      </p:nvGrpSpPr>
+      <p:grpSpPr>
+        <a:xfrm>
+          <a:off x="0" y="0"/>
+          <a:ext cx="0" cy="0"/>
+          <a:chOff x="0" y="0"/>
+          <a:chExt cx="0" cy="0"/>
+        </a:xfrm>
+      </p:grpSpPr>
+      <p:sp>
+        <p:nvSpPr>
+          <p:cNvPr id="2" name="Title 1">
+            <a:extLst>
+              <a:ext uri="{FF2B5EF4-FFF2-40B4-BE49-F238E27FC236}">
+                <a16:creationId xmlns:a16="http://schemas.microsoft.com/office/drawing/2014/main" id="{9BE75482-8AF5-3A23-003E-A2F11B1BA6E9}"/>
+              </a:ext>
+            </a:extLst>
+          </p:cNvPr>
+          <p:cNvSpPr>
+            <a:spLocks noGrp="1"/>
+          </p:cNvSpPr>
+          <p:nvPr>
+            <p:ph type="title"/>
+          </p:nvPr>
+        </p:nvSpPr>
+        <p:spPr>
+          <a:xfrm>
+            <a:off x="176049" y="165430"/>
+            <a:ext cx="11805744" cy="515608"/>
+          </a:xfrm>
+        </p:spPr>
+        <p:txBody>
+          <a:bodyPr>
+            <a:normAutofit fontScale="90000"/>
+          </a:bodyPr>
+          <a:lstStyle/>
+          <a:p>
+            <a:r>
+              <a:rPr lang="en-US" dirty="0"/>
+              <a:t>Overview &amp; Governance</a:t>
+            </a:r>
+          </a:p>
+        </p:txBody>
+      </p:sp>
+      <p:sp>
+        <p:nvSpPr>
+          <p:cNvPr id="3" name="Content Placeholder 2">
+            <a:extLst>
+              <a:ext uri="{FF2B5EF4-FFF2-40B4-BE49-F238E27FC236}">
+                <a16:creationId xmlns:a16="http://schemas.microsoft.com/office/drawing/2014/main" id="{7A1FB08F-4171-23BE-F0AD-302986777063}"/>
+              </a:ext>
+            </a:extLst>
+          </p:cNvPr>
+          <p:cNvSpPr>
+            <a:spLocks noGrp="1"/>
+          </p:cNvSpPr>
+          <p:nvPr>
+            <p:ph idx="1"/>
+          </p:nvPr>
+        </p:nvSpPr>
+        <p:spPr>
+          <a:xfrm>
+            <a:off x="176048" y="764080"/>
+            <a:ext cx="11805743" cy="5928490"/>
+          </a:xfrm>
+        </p:spPr>
+        <p:txBody>
+          <a:bodyPr>
+            <a:normAutofit fontScale="92500" lnSpcReduction="20000"/>
+          </a:bodyPr>
+          <a:lstStyle/>
+          <a:p>
+            <a:r>
+              <a:rPr lang="en-US" dirty="0"/>
+              <a:t>4 core elements, 11 recommended disclosures</a:t>
+            </a:r>
+          </a:p>
+          <a:p>
+            <a:pPr lvl="1"/>
+            <a:r>
+              <a:rPr lang="en-US" dirty="0"/>
+              <a:t>Designed to interlink and inform one another</a:t>
+            </a:r>
+          </a:p>
+          <a:p>
+            <a:pPr lvl="1"/>
+            <a:r>
+              <a:rPr lang="en-US" dirty="0">
+                <a:hlinkClick r:id="rId2"/>
+              </a:rPr>
+              <a:t>TCFD Implementation Guide </a:t>
+            </a:r>
+            <a:r>
+              <a:rPr lang="en-US" dirty="0"/>
+              <a:t>by CDSB and SASB</a:t>
+            </a:r>
+          </a:p>
+          <a:p>
+            <a:r>
+              <a:rPr lang="en-US" b="1" dirty="0">
+                <a:solidFill>
+                  <a:schemeClr val="accent1"/>
+                </a:solidFill>
+              </a:rPr>
+              <a:t>Governance</a:t>
+            </a:r>
+          </a:p>
+          <a:p>
+            <a:pPr lvl="1"/>
+            <a:r>
+              <a:rPr lang="en-US" dirty="0">
+                <a:hlinkClick r:id="rId3"/>
+              </a:rPr>
+              <a:t>https://www.tcfdhub.org/governance/</a:t>
+            </a:r>
+            <a:endParaRPr lang="en-US" dirty="0"/>
+          </a:p>
+          <a:p>
+            <a:pPr lvl="1"/>
+            <a:r>
+              <a:rPr lang="en-US" dirty="0"/>
+              <a:t>How an organization’s governing body is involved in assessing and </a:t>
+            </a:r>
+            <a:br>
+              <a:rPr lang="en-US" dirty="0"/>
+            </a:br>
+            <a:r>
+              <a:rPr lang="en-US" dirty="0"/>
+              <a:t>managing and overseeing climate-related issues</a:t>
+            </a:r>
+          </a:p>
+          <a:p>
+            <a:pPr lvl="1"/>
+            <a:r>
+              <a:rPr lang="en-US" b="1" dirty="0">
+                <a:solidFill>
+                  <a:schemeClr val="accent1"/>
+                </a:solidFill>
+              </a:rPr>
+              <a:t>Board Oversight</a:t>
+            </a:r>
+          </a:p>
+          <a:p>
+            <a:pPr lvl="2"/>
+            <a:r>
+              <a:rPr lang="en-US" dirty="0"/>
+              <a:t>Processes and frequency by which board committees are </a:t>
+            </a:r>
+            <a:r>
+              <a:rPr lang="en-US" dirty="0">
+                <a:solidFill>
+                  <a:schemeClr val="accent1"/>
+                </a:solidFill>
+              </a:rPr>
+              <a:t>informed</a:t>
+            </a:r>
+            <a:r>
+              <a:rPr lang="en-US" dirty="0"/>
+              <a:t> about climate-related issues</a:t>
+            </a:r>
+          </a:p>
+          <a:p>
+            <a:pPr lvl="2"/>
+            <a:r>
+              <a:rPr lang="en-US" dirty="0"/>
+              <a:t>Whether the board </a:t>
+            </a:r>
+            <a:r>
+              <a:rPr lang="en-US" dirty="0">
+                <a:solidFill>
+                  <a:schemeClr val="accent1"/>
+                </a:solidFill>
+              </a:rPr>
+              <a:t>considers climate-related issues </a:t>
+            </a:r>
+            <a:r>
+              <a:rPr lang="en-US" dirty="0"/>
+              <a:t>when reviewing and guiding strategy, major plans of action, risk management policies, annual budgets, and business plans, as well as setting the organization's performance objectives, monitoring implementation and performance, and overseeing major capital expenditures, acquisitions, and divestitures.</a:t>
+            </a:r>
+          </a:p>
+          <a:p>
+            <a:pPr lvl="2"/>
+            <a:r>
+              <a:rPr lang="en-US" dirty="0"/>
+              <a:t>How the board monitors and </a:t>
+            </a:r>
+            <a:r>
+              <a:rPr lang="en-US" dirty="0">
+                <a:solidFill>
+                  <a:schemeClr val="accent1"/>
+                </a:solidFill>
+              </a:rPr>
+              <a:t>oversees progress </a:t>
+            </a:r>
+            <a:r>
+              <a:rPr lang="en-US" dirty="0"/>
+              <a:t>against goals and targets for addressing climate-related issues.</a:t>
+            </a:r>
+          </a:p>
+          <a:p>
+            <a:pPr lvl="1"/>
+            <a:r>
+              <a:rPr lang="en-US" b="1" dirty="0">
+                <a:solidFill>
+                  <a:schemeClr val="accent1"/>
+                </a:solidFill>
+              </a:rPr>
+              <a:t>Role of Management</a:t>
+            </a:r>
+          </a:p>
+          <a:p>
+            <a:pPr lvl="2"/>
+            <a:r>
+              <a:rPr lang="en-US" dirty="0"/>
+              <a:t>Whether </a:t>
+            </a:r>
+            <a:r>
+              <a:rPr lang="en-US" dirty="0">
+                <a:solidFill>
+                  <a:schemeClr val="accent1"/>
+                </a:solidFill>
+              </a:rPr>
+              <a:t>climate-related responsibilities are assigned to management-level positions</a:t>
+            </a:r>
+            <a:r>
+              <a:rPr lang="en-US" dirty="0"/>
+              <a:t>; whether such management positions report to the board; whether those responsibilities include assessing and managing climate-related issues.</a:t>
+            </a:r>
+          </a:p>
+          <a:p>
+            <a:pPr lvl="2"/>
+            <a:r>
+              <a:rPr lang="en-US" dirty="0"/>
+              <a:t>Associated </a:t>
+            </a:r>
+            <a:r>
+              <a:rPr lang="en-US" dirty="0">
+                <a:solidFill>
+                  <a:schemeClr val="accent1"/>
+                </a:solidFill>
+              </a:rPr>
+              <a:t>organizational structure(s)</a:t>
+            </a:r>
+          </a:p>
+          <a:p>
+            <a:pPr lvl="2"/>
+            <a:r>
+              <a:rPr lang="en-US" dirty="0"/>
+              <a:t>Processes by which management is </a:t>
+            </a:r>
+            <a:r>
+              <a:rPr lang="en-US" dirty="0">
+                <a:solidFill>
+                  <a:schemeClr val="accent1"/>
+                </a:solidFill>
+              </a:rPr>
+              <a:t>informed</a:t>
+            </a:r>
+            <a:r>
+              <a:rPr lang="en-US" dirty="0"/>
+              <a:t> about climate-related issues</a:t>
+            </a:r>
+          </a:p>
+          <a:p>
+            <a:pPr lvl="2"/>
+            <a:r>
+              <a:rPr lang="en-US" dirty="0"/>
+              <a:t>How management </a:t>
+            </a:r>
+            <a:r>
+              <a:rPr lang="en-US" dirty="0">
+                <a:solidFill>
+                  <a:schemeClr val="accent1"/>
+                </a:solidFill>
+              </a:rPr>
+              <a:t>monitors</a:t>
+            </a:r>
+            <a:r>
+              <a:rPr lang="en-US" dirty="0"/>
+              <a:t> climate-related issues.</a:t>
+            </a:r>
+          </a:p>
+        </p:txBody>
+      </p:sp>
+      <p:pic>
+        <p:nvPicPr>
+          <p:cNvPr id="5" name="Picture 4" descr="A picture containing text, electronics&#10;&#10;Description automatically generated">
+            <a:extLst>
+              <a:ext uri="{FF2B5EF4-FFF2-40B4-BE49-F238E27FC236}">
+                <a16:creationId xmlns:a16="http://schemas.microsoft.com/office/drawing/2014/main" id="{413DA993-B5FE-FA50-2D1C-B03DFAEB2B8F}"/>
+              </a:ext>
+            </a:extLst>
+          </p:cNvPr>
+          <p:cNvPicPr>
+            <a:picLocks noChangeAspect="1"/>
+          </p:cNvPicPr>
+          <p:nvPr/>
+        </p:nvPicPr>
+        <p:blipFill rotWithShape="1">
+          <a:blip r:embed="rId4"/>
+          <a:srcRect r="2365"/>
+          <a:stretch/>
+        </p:blipFill>
+        <p:spPr>
+          <a:xfrm>
+            <a:off x="9021451" y="0"/>
+            <a:ext cx="3170549" cy="3026979"/>
+          </a:xfrm>
+          <a:prstGeom prst="rect">
+            <a:avLst/>
+          </a:prstGeom>
+        </p:spPr>
+      </p:pic>
+    </p:spTree>
+    <p:extLst>
+      <p:ext uri="{BB962C8B-B14F-4D97-AF65-F5344CB8AC3E}">
+        <p14:creationId xmlns:p14="http://schemas.microsoft.com/office/powerpoint/2010/main" val="566452573"/>
+      </p:ext>
+    </p:extLst>
+  </p:cSld>
+  <p:clrMapOvr>
+    <a:masterClrMapping/>
+  </p:clrMapOvr>
+</p:sld>
+</file>
+
+<file path=ppt/slides/slide21.xml><?xml version="1.0" encoding="utf-8"?>
+<p:sld xmlns:a="http://schemas.openxmlformats.org/drawingml/2006/main" xmlns:r="http://schemas.openxmlformats.org/officeDocument/2006/relationships" xmlns:p="http://schemas.openxmlformats.org/presentationml/2006/main">
+  <p:cSld>
+    <p:spTree>
+      <p:nvGrpSpPr>
+        <p:cNvPr id="1" name=""/>
+        <p:cNvGrpSpPr/>
+        <p:nvPr/>
+      </p:nvGrpSpPr>
+      <p:grpSpPr>
+        <a:xfrm>
+          <a:off x="0" y="0"/>
+          <a:ext cx="0" cy="0"/>
+          <a:chOff x="0" y="0"/>
+          <a:chExt cx="0" cy="0"/>
+        </a:xfrm>
+      </p:grpSpPr>
+      <p:sp>
+        <p:nvSpPr>
+          <p:cNvPr id="2" name="Title 1">
+            <a:extLst>
+              <a:ext uri="{FF2B5EF4-FFF2-40B4-BE49-F238E27FC236}">
+                <a16:creationId xmlns:a16="http://schemas.microsoft.com/office/drawing/2014/main" id="{9BE75482-8AF5-3A23-003E-A2F11B1BA6E9}"/>
+              </a:ext>
+            </a:extLst>
+          </p:cNvPr>
+          <p:cNvSpPr>
+            <a:spLocks noGrp="1"/>
+          </p:cNvSpPr>
+          <p:nvPr>
+            <p:ph type="title"/>
+          </p:nvPr>
+        </p:nvSpPr>
+        <p:spPr>
+          <a:xfrm>
+            <a:off x="176049" y="165430"/>
+            <a:ext cx="11805744" cy="515608"/>
+          </a:xfrm>
+        </p:spPr>
+        <p:txBody>
+          <a:bodyPr>
+            <a:normAutofit fontScale="90000"/>
+          </a:bodyPr>
+          <a:lstStyle/>
+          <a:p>
+            <a:r>
+              <a:rPr lang="en-US" dirty="0"/>
+              <a:t>Strategy</a:t>
+            </a:r>
+          </a:p>
+        </p:txBody>
+      </p:sp>
+      <p:sp>
+        <p:nvSpPr>
+          <p:cNvPr id="3" name="Content Placeholder 2">
+            <a:extLst>
+              <a:ext uri="{FF2B5EF4-FFF2-40B4-BE49-F238E27FC236}">
+                <a16:creationId xmlns:a16="http://schemas.microsoft.com/office/drawing/2014/main" id="{7A1FB08F-4171-23BE-F0AD-302986777063}"/>
+              </a:ext>
+            </a:extLst>
+          </p:cNvPr>
+          <p:cNvSpPr>
+            <a:spLocks noGrp="1"/>
+          </p:cNvSpPr>
+          <p:nvPr>
+            <p:ph idx="1"/>
+          </p:nvPr>
+        </p:nvSpPr>
+        <p:spPr>
+          <a:xfrm>
+            <a:off x="176048" y="764080"/>
+            <a:ext cx="11805743" cy="5928490"/>
+          </a:xfrm>
+        </p:spPr>
+        <p:txBody>
+          <a:bodyPr/>
+          <a:lstStyle/>
+          <a:p>
+            <a:r>
+              <a:rPr lang="en-US" dirty="0"/>
+              <a:t>To understand the risks and opportunities an organization </a:t>
+            </a:r>
+            <a:br>
+              <a:rPr lang="en-US" dirty="0"/>
+            </a:br>
+            <a:r>
+              <a:rPr lang="en-US" dirty="0"/>
+              <a:t>faces in relation to climate change,  over different </a:t>
+            </a:r>
+            <a:br>
+              <a:rPr lang="en-US" dirty="0"/>
+            </a:br>
+            <a:r>
+              <a:rPr lang="en-US" dirty="0"/>
+              <a:t>time-scales</a:t>
+            </a:r>
+          </a:p>
+          <a:p>
+            <a:pPr lvl="1"/>
+            <a:r>
+              <a:rPr lang="en-US" dirty="0">
+                <a:hlinkClick r:id="rId2"/>
+              </a:rPr>
+              <a:t>https://www.tcfdhub.org/strategy/</a:t>
+            </a:r>
+            <a:endParaRPr lang="en-US" dirty="0"/>
+          </a:p>
+          <a:p>
+            <a:pPr lvl="1"/>
+            <a:r>
+              <a:rPr lang="en-US" dirty="0"/>
+              <a:t>What are the relevant </a:t>
+            </a:r>
+            <a:r>
+              <a:rPr lang="en-US" dirty="0">
+                <a:solidFill>
+                  <a:schemeClr val="accent1"/>
+                </a:solidFill>
+              </a:rPr>
+              <a:t>short-, medium-, and long-term time </a:t>
+            </a:r>
+            <a:br>
+              <a:rPr lang="en-US" dirty="0">
+                <a:solidFill>
+                  <a:schemeClr val="accent1"/>
+                </a:solidFill>
+              </a:rPr>
+            </a:br>
+            <a:r>
+              <a:rPr lang="en-US" dirty="0">
+                <a:solidFill>
+                  <a:schemeClr val="accent1"/>
+                </a:solidFill>
+              </a:rPr>
+              <a:t>horizons</a:t>
+            </a:r>
+            <a:r>
+              <a:rPr lang="en-US" dirty="0"/>
+              <a:t>, taking into consideration the useful life of the assets or </a:t>
+            </a:r>
+            <a:br>
+              <a:rPr lang="en-US" dirty="0"/>
+            </a:br>
+            <a:r>
+              <a:rPr lang="en-US" dirty="0"/>
+              <a:t>infrastructure. For example: </a:t>
+            </a:r>
+            <a:r>
+              <a:rPr lang="en-US" dirty="0">
+                <a:solidFill>
+                  <a:schemeClr val="accent1"/>
+                </a:solidFill>
+              </a:rPr>
+              <a:t>short (&lt;2 year), medium (2-5 year), long (5-10 year)</a:t>
+            </a:r>
+          </a:p>
+          <a:p>
+            <a:pPr lvl="1"/>
+            <a:r>
+              <a:rPr lang="en-US" dirty="0">
+                <a:solidFill>
+                  <a:schemeClr val="accent1"/>
+                </a:solidFill>
+              </a:rPr>
+              <a:t>Specific climate-related issues </a:t>
+            </a:r>
+            <a:r>
+              <a:rPr lang="en-US" dirty="0"/>
+              <a:t>for each time horizon (short, medium, and long term) that could have a material financial impact on the organization</a:t>
+            </a:r>
+          </a:p>
+          <a:p>
+            <a:pPr lvl="1"/>
+            <a:r>
+              <a:rPr lang="en-US" dirty="0"/>
+              <a:t>Processes used to determine which </a:t>
+            </a:r>
+            <a:r>
+              <a:rPr lang="en-US" dirty="0">
+                <a:solidFill>
+                  <a:schemeClr val="accent1"/>
+                </a:solidFill>
+              </a:rPr>
+              <a:t>risks and opportunities </a:t>
+            </a:r>
+            <a:r>
+              <a:rPr lang="en-US" dirty="0"/>
+              <a:t>could have a material financial impact on the organization.</a:t>
+            </a:r>
+          </a:p>
+          <a:p>
+            <a:pPr lvl="1"/>
+            <a:r>
+              <a:rPr lang="en-US" dirty="0"/>
+              <a:t>Describe risks and opportunities by </a:t>
+            </a:r>
+            <a:r>
+              <a:rPr lang="en-US" dirty="0">
+                <a:solidFill>
+                  <a:schemeClr val="accent1"/>
+                </a:solidFill>
+              </a:rPr>
+              <a:t>sector and/or geography</a:t>
+            </a:r>
+            <a:r>
+              <a:rPr lang="en-US" dirty="0"/>
+              <a:t>, as appropriate.</a:t>
+            </a:r>
+          </a:p>
+          <a:p>
+            <a:pPr lvl="1"/>
+            <a:r>
+              <a:rPr lang="en-US" dirty="0"/>
+              <a:t>(continue to next page)</a:t>
+            </a:r>
+          </a:p>
+        </p:txBody>
+      </p:sp>
+      <p:pic>
+        <p:nvPicPr>
+          <p:cNvPr id="4" name="Picture 3" descr="A picture containing text, electronics&#10;&#10;Description automatically generated">
+            <a:extLst>
+              <a:ext uri="{FF2B5EF4-FFF2-40B4-BE49-F238E27FC236}">
+                <a16:creationId xmlns:a16="http://schemas.microsoft.com/office/drawing/2014/main" id="{F4DF05F4-821D-042F-4C70-26885963D7A7}"/>
+              </a:ext>
+            </a:extLst>
+          </p:cNvPr>
+          <p:cNvPicPr>
+            <a:picLocks noChangeAspect="1"/>
+          </p:cNvPicPr>
+          <p:nvPr/>
+        </p:nvPicPr>
+        <p:blipFill rotWithShape="1">
+          <a:blip r:embed="rId3"/>
+          <a:srcRect r="2365"/>
+          <a:stretch/>
+        </p:blipFill>
+        <p:spPr>
+          <a:xfrm>
+            <a:off x="9021451" y="0"/>
+            <a:ext cx="3170549" cy="3026979"/>
+          </a:xfrm>
+          <a:prstGeom prst="rect">
+            <a:avLst/>
+          </a:prstGeom>
+        </p:spPr>
+      </p:pic>
+    </p:spTree>
+    <p:extLst>
+      <p:ext uri="{BB962C8B-B14F-4D97-AF65-F5344CB8AC3E}">
+        <p14:creationId xmlns:p14="http://schemas.microsoft.com/office/powerpoint/2010/main" val="1060721353"/>
+      </p:ext>
+    </p:extLst>
+  </p:cSld>
+  <p:clrMapOvr>
+    <a:masterClrMapping/>
+  </p:clrMapOvr>
+</p:sld>
+</file>
+
+<file path=ppt/slides/slide22.xml><?xml version="1.0" encoding="utf-8"?>
+<p:sld xmlns:a="http://schemas.openxmlformats.org/drawingml/2006/main" xmlns:r="http://schemas.openxmlformats.org/officeDocument/2006/relationships" xmlns:p="http://schemas.openxmlformats.org/presentationml/2006/main">
+  <p:cSld>
+    <p:spTree>
+      <p:nvGrpSpPr>
+        <p:cNvPr id="1" name=""/>
+        <p:cNvGrpSpPr/>
+        <p:nvPr/>
+      </p:nvGrpSpPr>
+      <p:grpSpPr>
+        <a:xfrm>
+          <a:off x="0" y="0"/>
+          <a:ext cx="0" cy="0"/>
+          <a:chOff x="0" y="0"/>
+          <a:chExt cx="0" cy="0"/>
+        </a:xfrm>
+      </p:grpSpPr>
+      <p:sp>
+        <p:nvSpPr>
+          <p:cNvPr id="2" name="Title 1">
+            <a:extLst>
+              <a:ext uri="{FF2B5EF4-FFF2-40B4-BE49-F238E27FC236}">
+                <a16:creationId xmlns:a16="http://schemas.microsoft.com/office/drawing/2014/main" id="{9BE75482-8AF5-3A23-003E-A2F11B1BA6E9}"/>
+              </a:ext>
+            </a:extLst>
+          </p:cNvPr>
+          <p:cNvSpPr>
+            <a:spLocks noGrp="1"/>
+          </p:cNvSpPr>
+          <p:nvPr>
+            <p:ph type="title"/>
+          </p:nvPr>
+        </p:nvSpPr>
+        <p:spPr>
+          <a:xfrm>
+            <a:off x="176049" y="165430"/>
+            <a:ext cx="11805744" cy="515608"/>
+          </a:xfrm>
+        </p:spPr>
+        <p:txBody>
+          <a:bodyPr>
+            <a:normAutofit fontScale="90000"/>
+          </a:bodyPr>
+          <a:lstStyle/>
+          <a:p>
+            <a:r>
+              <a:rPr lang="en-US" dirty="0"/>
+              <a:t>Strategy</a:t>
+            </a:r>
+          </a:p>
+        </p:txBody>
+      </p:sp>
+      <p:sp>
+        <p:nvSpPr>
+          <p:cNvPr id="3" name="Content Placeholder 2">
+            <a:extLst>
+              <a:ext uri="{FF2B5EF4-FFF2-40B4-BE49-F238E27FC236}">
+                <a16:creationId xmlns:a16="http://schemas.microsoft.com/office/drawing/2014/main" id="{7A1FB08F-4171-23BE-F0AD-302986777063}"/>
+              </a:ext>
+            </a:extLst>
+          </p:cNvPr>
+          <p:cNvSpPr>
+            <a:spLocks noGrp="1"/>
+          </p:cNvSpPr>
+          <p:nvPr>
+            <p:ph idx="1"/>
+          </p:nvPr>
+        </p:nvSpPr>
+        <p:spPr>
+          <a:xfrm>
+            <a:off x="176048" y="764080"/>
+            <a:ext cx="11805743" cy="5928490"/>
+          </a:xfrm>
+        </p:spPr>
+        <p:txBody>
+          <a:bodyPr>
+            <a:normAutofit fontScale="92500" lnSpcReduction="10000"/>
+          </a:bodyPr>
+          <a:lstStyle/>
+          <a:p>
+            <a:r>
+              <a:rPr lang="en-US" dirty="0"/>
+              <a:t>(from previous page) What to disclose</a:t>
+            </a:r>
+          </a:p>
+          <a:p>
+            <a:pPr lvl="1"/>
+            <a:r>
+              <a:rPr lang="en-US" dirty="0">
+                <a:solidFill>
+                  <a:schemeClr val="accent1"/>
+                </a:solidFill>
+              </a:rPr>
+              <a:t>Impact</a:t>
+            </a:r>
+            <a:r>
+              <a:rPr lang="en-US" dirty="0"/>
+              <a:t> of climate change on</a:t>
+            </a:r>
+          </a:p>
+          <a:p>
+            <a:pPr lvl="2"/>
+            <a:r>
+              <a:rPr lang="en-US" dirty="0"/>
+              <a:t>Products and services</a:t>
+            </a:r>
+          </a:p>
+          <a:p>
+            <a:pPr lvl="2"/>
+            <a:r>
+              <a:rPr lang="en-US" dirty="0"/>
+              <a:t>Supply chain and/or value chain</a:t>
+            </a:r>
+          </a:p>
+          <a:p>
+            <a:pPr lvl="2"/>
+            <a:r>
+              <a:rPr lang="en-US" dirty="0"/>
+              <a:t>Adaptation and mitigation activities</a:t>
+            </a:r>
+          </a:p>
+          <a:p>
+            <a:pPr lvl="2"/>
+            <a:r>
+              <a:rPr lang="en-US" dirty="0"/>
+              <a:t>Investment in research and development</a:t>
+            </a:r>
+          </a:p>
+          <a:p>
+            <a:pPr lvl="2"/>
+            <a:r>
+              <a:rPr lang="en-US" dirty="0"/>
+              <a:t>Operations (including types of operations and location of facilities)</a:t>
+            </a:r>
+          </a:p>
+          <a:p>
+            <a:pPr lvl="1"/>
+            <a:r>
+              <a:rPr lang="en-US" dirty="0"/>
+              <a:t>How climate-related issues serve as an </a:t>
+            </a:r>
+            <a:r>
+              <a:rPr lang="en-US" dirty="0">
+                <a:solidFill>
+                  <a:schemeClr val="accent1"/>
+                </a:solidFill>
+              </a:rPr>
+              <a:t>input to their financial planning </a:t>
+            </a:r>
+            <a:r>
+              <a:rPr lang="en-US" dirty="0"/>
+              <a:t>process, the time period(s) used, and how these risks and opportunities are prioritized</a:t>
+            </a:r>
+          </a:p>
+          <a:p>
+            <a:pPr lvl="2"/>
+            <a:r>
+              <a:rPr lang="en-US" dirty="0"/>
+              <a:t>Operating costs and revenues</a:t>
+            </a:r>
+          </a:p>
+          <a:p>
+            <a:pPr lvl="2"/>
+            <a:r>
+              <a:rPr lang="en-US" dirty="0"/>
+              <a:t>Capital expenditures and capital allocation</a:t>
+            </a:r>
+          </a:p>
+          <a:p>
+            <a:pPr lvl="2"/>
+            <a:r>
+              <a:rPr lang="en-US" dirty="0"/>
+              <a:t>Acquisitions or divestments</a:t>
+            </a:r>
+          </a:p>
+          <a:p>
+            <a:pPr lvl="2"/>
+            <a:r>
+              <a:rPr lang="en-US" dirty="0"/>
+              <a:t>Access to capital</a:t>
+            </a:r>
+          </a:p>
+          <a:p>
+            <a:pPr lvl="1"/>
+            <a:r>
+              <a:rPr lang="en-US" dirty="0">
+                <a:solidFill>
+                  <a:schemeClr val="accent1"/>
+                </a:solidFill>
+              </a:rPr>
+              <a:t>Climate-related scenarios </a:t>
+            </a:r>
+            <a:r>
+              <a:rPr lang="en-US" dirty="0"/>
+              <a:t>were used to inform the organization's strategy and financial planning</a:t>
+            </a:r>
+          </a:p>
+          <a:p>
+            <a:pPr lvl="1"/>
+            <a:r>
+              <a:rPr lang="en-US" dirty="0"/>
+              <a:t>How </a:t>
+            </a:r>
+            <a:r>
+              <a:rPr lang="en-US" dirty="0">
+                <a:solidFill>
+                  <a:schemeClr val="accent1"/>
+                </a:solidFill>
+              </a:rPr>
+              <a:t>resilient</a:t>
+            </a:r>
+            <a:r>
+              <a:rPr lang="en-US" dirty="0"/>
+              <a:t> their strategies are to climate-related risks and opportunities, taking into consideration a transition to a lower-carbon economy consistent with a </a:t>
+            </a:r>
+            <a:r>
+              <a:rPr lang="en-US" dirty="0">
+                <a:solidFill>
+                  <a:schemeClr val="accent1"/>
+                </a:solidFill>
+              </a:rPr>
+              <a:t>2°C or lower scenario</a:t>
+            </a:r>
+          </a:p>
+          <a:p>
+            <a:pPr lvl="2"/>
+            <a:r>
+              <a:rPr lang="en-US" dirty="0"/>
+              <a:t>Where their strategies may be affected by climate-related risks and opportunities;</a:t>
+            </a:r>
+          </a:p>
+          <a:p>
+            <a:pPr lvl="2"/>
+            <a:r>
+              <a:rPr lang="en-US" dirty="0"/>
+              <a:t>How their strategies might change to address such potential risks and opportunities;</a:t>
+            </a:r>
+          </a:p>
+          <a:p>
+            <a:pPr lvl="2"/>
+            <a:r>
+              <a:rPr lang="en-US" dirty="0"/>
+              <a:t>The climate-related scenarios and associated time horizon(s) considered.</a:t>
+            </a:r>
+          </a:p>
+        </p:txBody>
+      </p:sp>
+      <p:pic>
+        <p:nvPicPr>
+          <p:cNvPr id="4" name="Picture 3" descr="A picture containing text, electronics&#10;&#10;Description automatically generated">
+            <a:extLst>
+              <a:ext uri="{FF2B5EF4-FFF2-40B4-BE49-F238E27FC236}">
+                <a16:creationId xmlns:a16="http://schemas.microsoft.com/office/drawing/2014/main" id="{F4DF05F4-821D-042F-4C70-26885963D7A7}"/>
+              </a:ext>
+            </a:extLst>
+          </p:cNvPr>
+          <p:cNvPicPr>
+            <a:picLocks noChangeAspect="1"/>
+          </p:cNvPicPr>
+          <p:nvPr/>
+        </p:nvPicPr>
+        <p:blipFill rotWithShape="1">
+          <a:blip r:embed="rId2"/>
+          <a:srcRect r="2365"/>
+          <a:stretch/>
+        </p:blipFill>
+        <p:spPr>
+          <a:xfrm>
+            <a:off x="9021451" y="0"/>
+            <a:ext cx="3170549" cy="3026979"/>
+          </a:xfrm>
+          <a:prstGeom prst="rect">
+            <a:avLst/>
+          </a:prstGeom>
+        </p:spPr>
+      </p:pic>
+    </p:spTree>
+    <p:extLst>
+      <p:ext uri="{BB962C8B-B14F-4D97-AF65-F5344CB8AC3E}">
+        <p14:creationId xmlns:p14="http://schemas.microsoft.com/office/powerpoint/2010/main" val="894020560"/>
+      </p:ext>
+    </p:extLst>
+  </p:cSld>
+  <p:clrMapOvr>
+    <a:masterClrMapping/>
+  </p:clrMapOvr>
+</p:sld>
+</file>
+
+<file path=ppt/slides/slide23.xml><?xml version="1.0" encoding="utf-8"?>
+<p:sld xmlns:a="http://schemas.openxmlformats.org/drawingml/2006/main" xmlns:r="http://schemas.openxmlformats.org/officeDocument/2006/relationships" xmlns:p="http://schemas.openxmlformats.org/presentationml/2006/main">
+  <p:cSld>
+    <p:spTree>
+      <p:nvGrpSpPr>
+        <p:cNvPr id="1" name=""/>
+        <p:cNvGrpSpPr/>
+        <p:nvPr/>
+      </p:nvGrpSpPr>
+      <p:grpSpPr>
+        <a:xfrm>
+          <a:off x="0" y="0"/>
+          <a:ext cx="0" cy="0"/>
+          <a:chOff x="0" y="0"/>
+          <a:chExt cx="0" cy="0"/>
+        </a:xfrm>
+      </p:grpSpPr>
+      <p:sp>
+        <p:nvSpPr>
+          <p:cNvPr id="2" name="Title 1">
+            <a:extLst>
+              <a:ext uri="{FF2B5EF4-FFF2-40B4-BE49-F238E27FC236}">
+                <a16:creationId xmlns:a16="http://schemas.microsoft.com/office/drawing/2014/main" id="{9BE75482-8AF5-3A23-003E-A2F11B1BA6E9}"/>
+              </a:ext>
+            </a:extLst>
+          </p:cNvPr>
+          <p:cNvSpPr>
+            <a:spLocks noGrp="1"/>
+          </p:cNvSpPr>
+          <p:nvPr>
+            <p:ph type="title"/>
+          </p:nvPr>
+        </p:nvSpPr>
+        <p:spPr>
+          <a:xfrm>
+            <a:off x="176049" y="165430"/>
+            <a:ext cx="11805744" cy="515608"/>
+          </a:xfrm>
+        </p:spPr>
+        <p:txBody>
+          <a:bodyPr>
+            <a:normAutofit fontScale="90000"/>
+          </a:bodyPr>
+          <a:lstStyle/>
+          <a:p>
+            <a:r>
+              <a:rPr lang="en-US" dirty="0"/>
+              <a:t>Risk Management</a:t>
+            </a:r>
+          </a:p>
+        </p:txBody>
+      </p:sp>
+      <p:sp>
+        <p:nvSpPr>
+          <p:cNvPr id="3" name="Content Placeholder 2">
+            <a:extLst>
+              <a:ext uri="{FF2B5EF4-FFF2-40B4-BE49-F238E27FC236}">
+                <a16:creationId xmlns:a16="http://schemas.microsoft.com/office/drawing/2014/main" id="{7A1FB08F-4171-23BE-F0AD-302986777063}"/>
+              </a:ext>
+            </a:extLst>
+          </p:cNvPr>
+          <p:cNvSpPr>
+            <a:spLocks noGrp="1"/>
+          </p:cNvSpPr>
+          <p:nvPr>
+            <p:ph idx="1"/>
+          </p:nvPr>
+        </p:nvSpPr>
+        <p:spPr>
+          <a:xfrm>
+            <a:off x="176048" y="764080"/>
+            <a:ext cx="11805743" cy="5928490"/>
+          </a:xfrm>
+        </p:spPr>
+        <p:txBody>
+          <a:bodyPr>
+            <a:normAutofit/>
+          </a:bodyPr>
+          <a:lstStyle/>
+          <a:p>
+            <a:r>
+              <a:rPr lang="en-US" dirty="0"/>
+              <a:t>How organizations identify, assess and manage climate-</a:t>
+            </a:r>
+            <a:br>
+              <a:rPr lang="en-US" dirty="0"/>
+            </a:br>
+            <a:r>
+              <a:rPr lang="en-US" dirty="0"/>
+              <a:t>related risks</a:t>
+            </a:r>
+          </a:p>
+          <a:p>
+            <a:pPr lvl="1"/>
+            <a:r>
+              <a:rPr lang="en-US" dirty="0">
+                <a:hlinkClick r:id="rId2"/>
+              </a:rPr>
+              <a:t>https://www.tcfdhub.org/risk-management/</a:t>
+            </a:r>
+            <a:endParaRPr lang="en-US" dirty="0"/>
+          </a:p>
+          <a:p>
+            <a:pPr lvl="1"/>
+            <a:r>
+              <a:rPr lang="en-US" dirty="0"/>
+              <a:t>Risk management processes for identifying and assessing climate-</a:t>
+            </a:r>
+            <a:br>
+              <a:rPr lang="en-US" dirty="0"/>
+            </a:br>
+            <a:r>
+              <a:rPr lang="en-US" dirty="0"/>
+              <a:t>related risks, especially how </a:t>
+            </a:r>
+            <a:r>
+              <a:rPr lang="en-US" dirty="0">
+                <a:solidFill>
+                  <a:schemeClr val="accent1"/>
+                </a:solidFill>
+              </a:rPr>
+              <a:t>relative significance </a:t>
+            </a:r>
+            <a:r>
+              <a:rPr lang="en-US" dirty="0"/>
+              <a:t>is determined</a:t>
+            </a:r>
+          </a:p>
+          <a:p>
+            <a:pPr lvl="1"/>
+            <a:r>
+              <a:rPr lang="en-US" dirty="0"/>
+              <a:t>Whether they consider existing and emerging </a:t>
+            </a:r>
+            <a:r>
+              <a:rPr lang="en-US" dirty="0">
+                <a:solidFill>
+                  <a:schemeClr val="accent1"/>
+                </a:solidFill>
+              </a:rPr>
+              <a:t>regulatory </a:t>
+            </a:r>
+            <a:br>
+              <a:rPr lang="en-US" dirty="0">
+                <a:solidFill>
+                  <a:schemeClr val="accent1"/>
+                </a:solidFill>
+              </a:rPr>
+            </a:br>
+            <a:r>
+              <a:rPr lang="en-US" dirty="0">
+                <a:solidFill>
+                  <a:schemeClr val="accent1"/>
+                </a:solidFill>
+              </a:rPr>
+              <a:t>requirements </a:t>
+            </a:r>
+            <a:r>
+              <a:rPr lang="en-US" dirty="0"/>
+              <a:t>related to climate change (e.g., limits on emissions), </a:t>
+            </a:r>
+            <a:br>
+              <a:rPr lang="en-US" dirty="0"/>
+            </a:br>
+            <a:r>
+              <a:rPr lang="en-US" dirty="0"/>
+              <a:t>as well as other relevant factors</a:t>
+            </a:r>
+          </a:p>
+          <a:p>
+            <a:pPr lvl="1"/>
+            <a:r>
+              <a:rPr lang="en-US" dirty="0"/>
+              <a:t>Processes for assessing the potential </a:t>
+            </a:r>
+            <a:r>
+              <a:rPr lang="en-US" dirty="0">
+                <a:solidFill>
+                  <a:schemeClr val="accent1"/>
+                </a:solidFill>
+              </a:rPr>
+              <a:t>size and scope </a:t>
+            </a:r>
+            <a:r>
+              <a:rPr lang="en-US" dirty="0"/>
+              <a:t>of climate-related risks</a:t>
+            </a:r>
+          </a:p>
+          <a:p>
+            <a:pPr lvl="1"/>
+            <a:r>
+              <a:rPr lang="en-US" dirty="0"/>
+              <a:t>Definitions of </a:t>
+            </a:r>
+            <a:r>
+              <a:rPr lang="en-US" dirty="0">
+                <a:solidFill>
+                  <a:schemeClr val="accent1"/>
+                </a:solidFill>
+              </a:rPr>
+              <a:t>risk terminology </a:t>
+            </a:r>
+            <a:r>
+              <a:rPr lang="en-US" dirty="0"/>
+              <a:t>or </a:t>
+            </a:r>
+            <a:r>
+              <a:rPr lang="en-US" dirty="0">
+                <a:solidFill>
+                  <a:schemeClr val="accent1"/>
+                </a:solidFill>
+              </a:rPr>
+              <a:t>risk classification </a:t>
+            </a:r>
+            <a:r>
+              <a:rPr lang="en-US" dirty="0"/>
+              <a:t>frameworks used</a:t>
+            </a:r>
+          </a:p>
+          <a:p>
+            <a:pPr lvl="1"/>
+            <a:r>
+              <a:rPr lang="en-US" dirty="0"/>
+              <a:t>Processes for </a:t>
+            </a:r>
+            <a:r>
+              <a:rPr lang="en-US" dirty="0">
+                <a:solidFill>
+                  <a:schemeClr val="accent1"/>
+                </a:solidFill>
+              </a:rPr>
+              <a:t>managing</a:t>
+            </a:r>
+            <a:r>
+              <a:rPr lang="en-US" dirty="0"/>
+              <a:t> climate-related risks – how to mitigate, transfer, accept, or control</a:t>
+            </a:r>
+          </a:p>
+          <a:p>
+            <a:pPr lvl="1"/>
+            <a:r>
+              <a:rPr lang="en-US" dirty="0"/>
+              <a:t>Processes for </a:t>
+            </a:r>
+            <a:r>
+              <a:rPr lang="en-US" dirty="0">
+                <a:solidFill>
+                  <a:schemeClr val="accent1"/>
+                </a:solidFill>
+              </a:rPr>
+              <a:t>prioritizing</a:t>
+            </a:r>
+            <a:r>
+              <a:rPr lang="en-US" dirty="0"/>
+              <a:t> climate-related risks – how to determine </a:t>
+            </a:r>
+            <a:r>
+              <a:rPr lang="en-US" dirty="0">
+                <a:solidFill>
+                  <a:schemeClr val="accent1"/>
+                </a:solidFill>
+              </a:rPr>
+              <a:t>materiality</a:t>
+            </a:r>
+          </a:p>
+          <a:p>
+            <a:pPr lvl="1"/>
+            <a:r>
+              <a:rPr lang="en-US" dirty="0"/>
+              <a:t>how climate change is integrated into the organization’s overall </a:t>
+            </a:r>
+            <a:r>
+              <a:rPr lang="en-US" dirty="0">
+                <a:solidFill>
+                  <a:schemeClr val="accent1"/>
+                </a:solidFill>
+              </a:rPr>
+              <a:t>Enterprise Risk Management (ERM)</a:t>
+            </a:r>
+            <a:r>
+              <a:rPr lang="en-US" dirty="0"/>
+              <a:t> function</a:t>
+            </a:r>
+            <a:endParaRPr lang="en-US" dirty="0">
+              <a:solidFill>
+                <a:schemeClr val="accent1"/>
+              </a:solidFill>
+            </a:endParaRPr>
+          </a:p>
+        </p:txBody>
+      </p:sp>
+      <p:pic>
+        <p:nvPicPr>
+          <p:cNvPr id="4" name="Picture 3" descr="A picture containing text, electronics&#10;&#10;Description automatically generated">
+            <a:extLst>
+              <a:ext uri="{FF2B5EF4-FFF2-40B4-BE49-F238E27FC236}">
+                <a16:creationId xmlns:a16="http://schemas.microsoft.com/office/drawing/2014/main" id="{F4DF05F4-821D-042F-4C70-26885963D7A7}"/>
+              </a:ext>
+            </a:extLst>
+          </p:cNvPr>
+          <p:cNvPicPr>
+            <a:picLocks noChangeAspect="1"/>
+          </p:cNvPicPr>
+          <p:nvPr/>
+        </p:nvPicPr>
+        <p:blipFill rotWithShape="1">
+          <a:blip r:embed="rId3"/>
+          <a:srcRect r="2365"/>
+          <a:stretch/>
+        </p:blipFill>
+        <p:spPr>
+          <a:xfrm>
+            <a:off x="9021451" y="0"/>
+            <a:ext cx="3170549" cy="3026979"/>
+          </a:xfrm>
+          <a:prstGeom prst="rect">
+            <a:avLst/>
+          </a:prstGeom>
+        </p:spPr>
+      </p:pic>
+    </p:spTree>
+    <p:extLst>
+      <p:ext uri="{BB962C8B-B14F-4D97-AF65-F5344CB8AC3E}">
+        <p14:creationId xmlns:p14="http://schemas.microsoft.com/office/powerpoint/2010/main" val="450800130"/>
+      </p:ext>
+    </p:extLst>
+  </p:cSld>
+  <p:clrMapOvr>
+    <a:masterClrMapping/>
+  </p:clrMapOvr>
+</p:sld>
+</file>
+
+<file path=ppt/slides/slide24.xml><?xml version="1.0" encoding="utf-8"?>
+<p:sld xmlns:a="http://schemas.openxmlformats.org/drawingml/2006/main" xmlns:r="http://schemas.openxmlformats.org/officeDocument/2006/relationships" xmlns:p="http://schemas.openxmlformats.org/presentationml/2006/main">
+  <p:cSld>
+    <p:spTree>
+      <p:nvGrpSpPr>
+        <p:cNvPr id="1" name=""/>
+        <p:cNvGrpSpPr/>
+        <p:nvPr/>
+      </p:nvGrpSpPr>
+      <p:grpSpPr>
+        <a:xfrm>
+          <a:off x="0" y="0"/>
+          <a:ext cx="0" cy="0"/>
+          <a:chOff x="0" y="0"/>
+          <a:chExt cx="0" cy="0"/>
+        </a:xfrm>
+      </p:grpSpPr>
+      <p:sp>
+        <p:nvSpPr>
+          <p:cNvPr id="2" name="Title 1">
+            <a:extLst>
+              <a:ext uri="{FF2B5EF4-FFF2-40B4-BE49-F238E27FC236}">
+                <a16:creationId xmlns:a16="http://schemas.microsoft.com/office/drawing/2014/main" id="{9BE75482-8AF5-3A23-003E-A2F11B1BA6E9}"/>
+              </a:ext>
+            </a:extLst>
+          </p:cNvPr>
+          <p:cNvSpPr>
+            <a:spLocks noGrp="1"/>
+          </p:cNvSpPr>
+          <p:nvPr>
+            <p:ph type="title"/>
+          </p:nvPr>
+        </p:nvSpPr>
+        <p:spPr>
+          <a:xfrm>
+            <a:off x="176049" y="165430"/>
+            <a:ext cx="11805744" cy="515608"/>
+          </a:xfrm>
+        </p:spPr>
+        <p:txBody>
+          <a:bodyPr>
+            <a:normAutofit fontScale="90000"/>
+          </a:bodyPr>
+          <a:lstStyle/>
+          <a:p>
+            <a:r>
+              <a:rPr lang="en-US" dirty="0"/>
+              <a:t>Metrics and Targets</a:t>
+            </a:r>
+          </a:p>
+        </p:txBody>
+      </p:sp>
+      <p:sp>
+        <p:nvSpPr>
+          <p:cNvPr id="3" name="Content Placeholder 2">
+            <a:extLst>
+              <a:ext uri="{FF2B5EF4-FFF2-40B4-BE49-F238E27FC236}">
+                <a16:creationId xmlns:a16="http://schemas.microsoft.com/office/drawing/2014/main" id="{7A1FB08F-4171-23BE-F0AD-302986777063}"/>
+              </a:ext>
+            </a:extLst>
+          </p:cNvPr>
+          <p:cNvSpPr>
+            <a:spLocks noGrp="1"/>
+          </p:cNvSpPr>
+          <p:nvPr>
+            <p:ph idx="1"/>
+          </p:nvPr>
+        </p:nvSpPr>
+        <p:spPr>
+          <a:xfrm>
+            <a:off x="176048" y="764080"/>
+            <a:ext cx="11805743" cy="5928490"/>
+          </a:xfrm>
+        </p:spPr>
+        <p:txBody>
+          <a:bodyPr>
+            <a:normAutofit fontScale="92500" lnSpcReduction="20000"/>
+          </a:bodyPr>
+          <a:lstStyle/>
+          <a:p>
+            <a:r>
+              <a:rPr lang="en-US" dirty="0"/>
+              <a:t>Material metrics and targets used to assess and manage </a:t>
+            </a:r>
+            <a:br>
+              <a:rPr lang="en-US" dirty="0"/>
+            </a:br>
+            <a:r>
+              <a:rPr lang="en-US" dirty="0"/>
+              <a:t>climate-related risks and opportunities</a:t>
+            </a:r>
+          </a:p>
+          <a:p>
+            <a:pPr lvl="1"/>
+            <a:r>
+              <a:rPr lang="en-US" dirty="0">
+                <a:hlinkClick r:id="rId2"/>
+              </a:rPr>
+              <a:t>https://www.tcfdhub.org/metrics-and-targets/</a:t>
+            </a:r>
+            <a:endParaRPr lang="en-US" dirty="0"/>
+          </a:p>
+          <a:p>
+            <a:pPr lvl="1"/>
+            <a:r>
+              <a:rPr lang="en-US" b="1" dirty="0">
+                <a:solidFill>
+                  <a:schemeClr val="accent1"/>
+                </a:solidFill>
+              </a:rPr>
+              <a:t>Key metrics </a:t>
+            </a:r>
+            <a:r>
+              <a:rPr lang="en-US" dirty="0"/>
+              <a:t>related to </a:t>
+            </a:r>
+          </a:p>
+          <a:p>
+            <a:pPr marL="914400" lvl="2" indent="0">
+              <a:buNone/>
+            </a:pPr>
+            <a:r>
+              <a:rPr lang="en-US" dirty="0">
+                <a:solidFill>
+                  <a:schemeClr val="accent1"/>
+                </a:solidFill>
+              </a:rPr>
+              <a:t>water, energy, land use, waste </a:t>
+            </a:r>
+            <a:r>
+              <a:rPr lang="en-US" dirty="0"/>
+              <a:t>management, etc.</a:t>
+            </a:r>
+          </a:p>
+          <a:p>
+            <a:pPr lvl="2"/>
+            <a:r>
+              <a:rPr lang="en-US" dirty="0">
+                <a:solidFill>
+                  <a:schemeClr val="accent1"/>
+                </a:solidFill>
+              </a:rPr>
+              <a:t>Scope 1 , Scope 2 and Scope 3 </a:t>
+            </a:r>
+            <a:r>
+              <a:rPr lang="en-US" dirty="0"/>
+              <a:t>(if appropriate) GHG emissions</a:t>
+            </a:r>
+          </a:p>
+          <a:p>
+            <a:pPr lvl="3"/>
+            <a:r>
+              <a:rPr lang="en-US" dirty="0"/>
+              <a:t>In-line with </a:t>
+            </a:r>
+            <a:r>
+              <a:rPr lang="en-US" dirty="0">
+                <a:solidFill>
+                  <a:schemeClr val="accent1"/>
+                </a:solidFill>
+              </a:rPr>
+              <a:t>GHG Protocol </a:t>
+            </a:r>
+            <a:r>
+              <a:rPr lang="en-US" dirty="0"/>
+              <a:t>methodology – allow for aggregation and comparability</a:t>
+            </a:r>
+          </a:p>
+          <a:p>
+            <a:pPr lvl="3"/>
+            <a:r>
+              <a:rPr lang="en-US" dirty="0"/>
+              <a:t>Industry-specific </a:t>
+            </a:r>
+            <a:r>
+              <a:rPr lang="en-US" dirty="0">
+                <a:solidFill>
+                  <a:schemeClr val="accent1"/>
+                </a:solidFill>
+              </a:rPr>
+              <a:t>GHG efficiency ratios</a:t>
+            </a:r>
+          </a:p>
+          <a:p>
+            <a:pPr lvl="3"/>
+            <a:r>
+              <a:rPr lang="en-US" dirty="0">
+                <a:solidFill>
+                  <a:schemeClr val="accent1"/>
+                </a:solidFill>
+              </a:rPr>
+              <a:t>Historical data </a:t>
+            </a:r>
+            <a:r>
+              <a:rPr lang="en-US" dirty="0"/>
+              <a:t>in a comparable way; </a:t>
+            </a:r>
+            <a:r>
+              <a:rPr lang="en-US" dirty="0">
+                <a:solidFill>
+                  <a:schemeClr val="accent1"/>
+                </a:solidFill>
+              </a:rPr>
+              <a:t>trend analysis</a:t>
+            </a:r>
+          </a:p>
+          <a:p>
+            <a:pPr lvl="3"/>
+            <a:r>
+              <a:rPr lang="en-US" dirty="0">
+                <a:solidFill>
+                  <a:schemeClr val="accent1"/>
+                </a:solidFill>
+              </a:rPr>
+              <a:t>Methodologies </a:t>
+            </a:r>
+            <a:r>
+              <a:rPr lang="en-US" dirty="0"/>
+              <a:t>to calculate or estimate climate-related metrics</a:t>
+            </a:r>
+          </a:p>
+          <a:p>
+            <a:pPr lvl="1"/>
+            <a:r>
+              <a:rPr lang="en-US" dirty="0"/>
+              <a:t>How related performance metrics are incorporated into </a:t>
+            </a:r>
+            <a:r>
+              <a:rPr lang="en-US" dirty="0">
+                <a:solidFill>
+                  <a:schemeClr val="accent1"/>
+                </a:solidFill>
+              </a:rPr>
+              <a:t>remuneration policies</a:t>
+            </a:r>
+          </a:p>
+          <a:p>
+            <a:pPr lvl="1"/>
+            <a:r>
+              <a:rPr lang="en-US" dirty="0">
+                <a:solidFill>
+                  <a:schemeClr val="accent1"/>
+                </a:solidFill>
+              </a:rPr>
+              <a:t>Internal carbon prices</a:t>
+            </a:r>
+          </a:p>
+          <a:p>
+            <a:pPr lvl="1"/>
+            <a:r>
+              <a:rPr lang="en-US" dirty="0">
+                <a:solidFill>
+                  <a:schemeClr val="accent1"/>
+                </a:solidFill>
+              </a:rPr>
+              <a:t>Opportunity metrics – green revenue </a:t>
+            </a:r>
+            <a:r>
+              <a:rPr lang="en-US" dirty="0"/>
+              <a:t>from products and services designed for a lower-carbon economy</a:t>
+            </a:r>
+          </a:p>
+          <a:p>
+            <a:pPr lvl="1"/>
+            <a:r>
+              <a:rPr lang="en-US" b="1" dirty="0">
+                <a:solidFill>
+                  <a:schemeClr val="accent1"/>
+                </a:solidFill>
+              </a:rPr>
+              <a:t>Key targets</a:t>
+            </a:r>
+          </a:p>
+          <a:p>
+            <a:pPr lvl="2"/>
+            <a:r>
+              <a:rPr lang="en-US" dirty="0">
+                <a:solidFill>
+                  <a:schemeClr val="accent1"/>
+                </a:solidFill>
+              </a:rPr>
+              <a:t>Key performance indicators</a:t>
+            </a:r>
+            <a:r>
+              <a:rPr lang="en-US" dirty="0"/>
+              <a:t>: GHG emissions, water usage, energy usage, etc.</a:t>
+            </a:r>
+          </a:p>
+          <a:p>
+            <a:pPr lvl="2"/>
+            <a:r>
+              <a:rPr lang="en-US" dirty="0"/>
+              <a:t>Whether the target is </a:t>
+            </a:r>
+            <a:r>
+              <a:rPr lang="en-US" dirty="0">
+                <a:solidFill>
+                  <a:schemeClr val="accent1"/>
+                </a:solidFill>
+              </a:rPr>
+              <a:t>absolute-based or intensity-based</a:t>
+            </a:r>
+          </a:p>
+          <a:p>
+            <a:pPr lvl="2"/>
+            <a:r>
+              <a:rPr lang="en-US" dirty="0">
+                <a:solidFill>
+                  <a:schemeClr val="accent1"/>
+                </a:solidFill>
+              </a:rPr>
+              <a:t>Time frame </a:t>
+            </a:r>
+            <a:r>
+              <a:rPr lang="en-US" dirty="0"/>
+              <a:t>over which the target applies</a:t>
+            </a:r>
+          </a:p>
+          <a:p>
+            <a:pPr lvl="2"/>
+            <a:r>
+              <a:rPr lang="en-US" dirty="0">
+                <a:solidFill>
+                  <a:schemeClr val="accent1"/>
+                </a:solidFill>
+              </a:rPr>
+              <a:t>Base year </a:t>
+            </a:r>
+            <a:r>
+              <a:rPr lang="en-US" dirty="0"/>
+              <a:t>from which progress is measured</a:t>
+            </a:r>
+          </a:p>
+          <a:p>
+            <a:pPr lvl="2"/>
+            <a:r>
+              <a:rPr lang="en-US" dirty="0">
+                <a:solidFill>
+                  <a:schemeClr val="accent1"/>
+                </a:solidFill>
+              </a:rPr>
+              <a:t>Methodologies</a:t>
+            </a:r>
+            <a:r>
+              <a:rPr lang="en-US" dirty="0"/>
+              <a:t> used to calculate targets and measures</a:t>
+            </a:r>
+          </a:p>
+          <a:p>
+            <a:pPr lvl="2"/>
+            <a:r>
+              <a:rPr lang="en-US" dirty="0"/>
+              <a:t>Others: efficiency / financial goals, financial tolerances, avoided GHG emissions, net green revenue goals</a:t>
+            </a:r>
+          </a:p>
+        </p:txBody>
+      </p:sp>
+      <p:pic>
+        <p:nvPicPr>
+          <p:cNvPr id="4" name="Picture 3" descr="A picture containing text, electronics&#10;&#10;Description automatically generated">
+            <a:extLst>
+              <a:ext uri="{FF2B5EF4-FFF2-40B4-BE49-F238E27FC236}">
+                <a16:creationId xmlns:a16="http://schemas.microsoft.com/office/drawing/2014/main" id="{F4DF05F4-821D-042F-4C70-26885963D7A7}"/>
+              </a:ext>
+            </a:extLst>
+          </p:cNvPr>
+          <p:cNvPicPr>
+            <a:picLocks noChangeAspect="1"/>
+          </p:cNvPicPr>
+          <p:nvPr/>
+        </p:nvPicPr>
+        <p:blipFill rotWithShape="1">
+          <a:blip r:embed="rId3"/>
+          <a:srcRect r="2365"/>
+          <a:stretch/>
+        </p:blipFill>
+        <p:spPr>
+          <a:xfrm>
+            <a:off x="9021451" y="0"/>
+            <a:ext cx="3170549" cy="3026979"/>
+          </a:xfrm>
+          <a:prstGeom prst="rect">
+            <a:avLst/>
+          </a:prstGeom>
+        </p:spPr>
+      </p:pic>
+    </p:spTree>
+    <p:extLst>
+      <p:ext uri="{BB962C8B-B14F-4D97-AF65-F5344CB8AC3E}">
+        <p14:creationId xmlns:p14="http://schemas.microsoft.com/office/powerpoint/2010/main" val="1768033783"/>
+      </p:ext>
+    </p:extLst>
+  </p:cSld>
+  <p:clrMapOvr>
+    <a:masterClrMapping/>
+  </p:clrMapOvr>
+</p:sld>
+</file>
+
+<file path=ppt/slides/slide25.xml><?xml version="1.0" encoding="utf-8"?>
+<p:sld xmlns:a="http://schemas.openxmlformats.org/drawingml/2006/main" xmlns:r="http://schemas.openxmlformats.org/officeDocument/2006/relationships" xmlns:p="http://schemas.openxmlformats.org/presentationml/2006/main">
+  <p:cSld>
+    <p:spTree>
+      <p:nvGrpSpPr>
+        <p:cNvPr id="1" name=""/>
+        <p:cNvGrpSpPr/>
+        <p:nvPr/>
+      </p:nvGrpSpPr>
+      <p:grpSpPr>
+        <a:xfrm>
+          <a:off x="0" y="0"/>
+          <a:ext cx="0" cy="0"/>
+          <a:chOff x="0" y="0"/>
+          <a:chExt cx="0" cy="0"/>
+        </a:xfrm>
+      </p:grpSpPr>
+      <p:sp>
+        <p:nvSpPr>
+          <p:cNvPr id="2" name="Title 1">
+            <a:extLst>
+              <a:ext uri="{FF2B5EF4-FFF2-40B4-BE49-F238E27FC236}">
+                <a16:creationId xmlns:a16="http://schemas.microsoft.com/office/drawing/2014/main" id="{37FF8D3B-D6C2-7C94-C08F-1BC8C54F9BAF}"/>
+              </a:ext>
+            </a:extLst>
+          </p:cNvPr>
+          <p:cNvSpPr>
+            <a:spLocks noGrp="1"/>
+          </p:cNvSpPr>
+          <p:nvPr>
+            <p:ph type="ctrTitle"/>
+          </p:nvPr>
+        </p:nvSpPr>
+        <p:spPr/>
+        <p:txBody>
+          <a:bodyPr>
+            <a:normAutofit/>
+          </a:bodyPr>
+          <a:lstStyle/>
+          <a:p>
+            <a:r>
+              <a:rPr lang="en-US" dirty="0"/>
+              <a:t>Climate-Related Financial Disclosures</a:t>
+            </a:r>
+          </a:p>
+        </p:txBody>
+      </p:sp>
+      <p:sp>
+        <p:nvSpPr>
+          <p:cNvPr id="3" name="Subtitle 2">
+            <a:extLst>
+              <a:ext uri="{FF2B5EF4-FFF2-40B4-BE49-F238E27FC236}">
+                <a16:creationId xmlns:a16="http://schemas.microsoft.com/office/drawing/2014/main" id="{39B2E270-BE53-C01C-1FC8-CFB240D1B7A2}"/>
+              </a:ext>
+            </a:extLst>
+          </p:cNvPr>
+          <p:cNvSpPr>
+            <a:spLocks noGrp="1"/>
+          </p:cNvSpPr>
+          <p:nvPr>
+            <p:ph type="subTitle" idx="1"/>
+          </p:nvPr>
+        </p:nvSpPr>
+        <p:spPr/>
+        <p:txBody>
+          <a:bodyPr>
+            <a:normAutofit lnSpcReduction="10000"/>
+          </a:bodyPr>
+          <a:lstStyle/>
+          <a:p>
+            <a:endParaRPr lang="en-US" dirty="0"/>
+          </a:p>
+          <a:p>
+            <a:r>
+              <a:rPr lang="en-US" dirty="0"/>
+              <a:t>Key Elements of Climate-Related Financial Disclosure</a:t>
+            </a:r>
+          </a:p>
+          <a:p>
+            <a:endParaRPr lang="en-US" dirty="0"/>
+          </a:p>
+          <a:p>
+            <a:r>
+              <a:rPr lang="en-US" dirty="0"/>
+              <a:t>Dec 2022</a:t>
+            </a:r>
+          </a:p>
+        </p:txBody>
+      </p:sp>
+    </p:spTree>
+    <p:extLst>
+      <p:ext uri="{BB962C8B-B14F-4D97-AF65-F5344CB8AC3E}">
+        <p14:creationId xmlns:p14="http://schemas.microsoft.com/office/powerpoint/2010/main" val="178151772"/>
+      </p:ext>
+    </p:extLst>
+  </p:cSld>
+  <p:clrMapOvr>
+    <a:masterClrMapping/>
+  </p:clrMapOvr>
+</p:sld>
+</file>
+
+<file path=ppt/slides/slide26.xml><?xml version="1.0" encoding="utf-8"?>
+<p:sld xmlns:a="http://schemas.openxmlformats.org/drawingml/2006/main" xmlns:r="http://schemas.openxmlformats.org/officeDocument/2006/relationships" xmlns:p="http://schemas.openxmlformats.org/presentationml/2006/main">
+  <p:cSld>
+    <p:spTree>
+      <p:nvGrpSpPr>
+        <p:cNvPr id="1" name=""/>
+        <p:cNvGrpSpPr/>
+        <p:nvPr/>
+      </p:nvGrpSpPr>
+      <p:grpSpPr>
+        <a:xfrm>
+          <a:off x="0" y="0"/>
+          <a:ext cx="0" cy="0"/>
+          <a:chOff x="0" y="0"/>
+          <a:chExt cx="0" cy="0"/>
+        </a:xfrm>
+      </p:grpSpPr>
+      <p:sp>
+        <p:nvSpPr>
+          <p:cNvPr id="2" name="Title 1">
+            <a:extLst>
+              <a:ext uri="{FF2B5EF4-FFF2-40B4-BE49-F238E27FC236}">
+                <a16:creationId xmlns:a16="http://schemas.microsoft.com/office/drawing/2014/main" id="{9BE75482-8AF5-3A23-003E-A2F11B1BA6E9}"/>
+              </a:ext>
+            </a:extLst>
+          </p:cNvPr>
+          <p:cNvSpPr>
+            <a:spLocks noGrp="1"/>
+          </p:cNvSpPr>
+          <p:nvPr>
+            <p:ph type="title"/>
+          </p:nvPr>
+        </p:nvSpPr>
+        <p:spPr>
+          <a:xfrm>
+            <a:off x="176049" y="165430"/>
+            <a:ext cx="11805744" cy="515608"/>
+          </a:xfrm>
+        </p:spPr>
+        <p:txBody>
+          <a:bodyPr>
+            <a:normAutofit fontScale="90000"/>
+          </a:bodyPr>
+          <a:lstStyle/>
+          <a:p>
+            <a:r>
+              <a:rPr lang="en-US" dirty="0"/>
+              <a:t>A</a:t>
+            </a:r>
+          </a:p>
+        </p:txBody>
+      </p:sp>
+      <p:sp>
+        <p:nvSpPr>
+          <p:cNvPr id="3" name="Content Placeholder 2">
+            <a:extLst>
+              <a:ext uri="{FF2B5EF4-FFF2-40B4-BE49-F238E27FC236}">
+                <a16:creationId xmlns:a16="http://schemas.microsoft.com/office/drawing/2014/main" id="{7A1FB08F-4171-23BE-F0AD-302986777063}"/>
+              </a:ext>
+            </a:extLst>
+          </p:cNvPr>
+          <p:cNvSpPr>
+            <a:spLocks noGrp="1"/>
+          </p:cNvSpPr>
+          <p:nvPr>
+            <p:ph idx="1"/>
+          </p:nvPr>
+        </p:nvSpPr>
+        <p:spPr>
+          <a:xfrm>
+            <a:off x="176048" y="764080"/>
+            <a:ext cx="11805743" cy="5928490"/>
+          </a:xfrm>
+        </p:spPr>
+        <p:txBody>
+          <a:bodyPr/>
+          <a:lstStyle/>
+          <a:p>
+            <a:r>
+              <a:rPr lang="en-US" dirty="0"/>
+              <a:t>A</a:t>
+            </a:r>
+          </a:p>
+        </p:txBody>
+      </p:sp>
+    </p:spTree>
+    <p:extLst>
+      <p:ext uri="{BB962C8B-B14F-4D97-AF65-F5344CB8AC3E}">
+        <p14:creationId xmlns:p14="http://schemas.microsoft.com/office/powerpoint/2010/main" val="3953346423"/>
+      </p:ext>
+    </p:extLst>
+  </p:cSld>
+  <p:clrMapOvr>
+    <a:masterClrMapping/>
+  </p:clrMapOvr>
+</p:sld>
+</file>
+
+<file path=ppt/slides/slide27.xml><?xml version="1.0" encoding="utf-8"?>
+<p:sld xmlns:a="http://schemas.openxmlformats.org/drawingml/2006/main" xmlns:r="http://schemas.openxmlformats.org/officeDocument/2006/relationships" xmlns:p="http://schemas.openxmlformats.org/presentationml/2006/main">
+  <p:cSld>
+    <p:spTree>
+      <p:nvGrpSpPr>
+        <p:cNvPr id="1" name=""/>
+        <p:cNvGrpSpPr/>
+        <p:nvPr/>
+      </p:nvGrpSpPr>
+      <p:grpSpPr>
+        <a:xfrm>
+          <a:off x="0" y="0"/>
+          <a:ext cx="0" cy="0"/>
+          <a:chOff x="0" y="0"/>
+          <a:chExt cx="0" cy="0"/>
+        </a:xfrm>
+      </p:grpSpPr>
+      <p:sp>
+        <p:nvSpPr>
+          <p:cNvPr id="2" name="Title 1">
+            <a:extLst>
+              <a:ext uri="{FF2B5EF4-FFF2-40B4-BE49-F238E27FC236}">
+                <a16:creationId xmlns:a16="http://schemas.microsoft.com/office/drawing/2014/main" id="{9BE75482-8AF5-3A23-003E-A2F11B1BA6E9}"/>
+              </a:ext>
+            </a:extLst>
+          </p:cNvPr>
+          <p:cNvSpPr>
+            <a:spLocks noGrp="1"/>
+          </p:cNvSpPr>
+          <p:nvPr>
+            <p:ph type="title"/>
+          </p:nvPr>
+        </p:nvSpPr>
+        <p:spPr>
+          <a:xfrm>
+            <a:off x="176049" y="165430"/>
+            <a:ext cx="11805744" cy="515608"/>
+          </a:xfrm>
+        </p:spPr>
+        <p:txBody>
+          <a:bodyPr>
+            <a:normAutofit fontScale="90000"/>
+          </a:bodyPr>
+          <a:lstStyle/>
+          <a:p>
+            <a:r>
+              <a:rPr lang="en-US" dirty="0"/>
+              <a:t>A</a:t>
+            </a:r>
+          </a:p>
+        </p:txBody>
+      </p:sp>
+      <p:sp>
+        <p:nvSpPr>
+          <p:cNvPr id="3" name="Content Placeholder 2">
+            <a:extLst>
+              <a:ext uri="{FF2B5EF4-FFF2-40B4-BE49-F238E27FC236}">
+                <a16:creationId xmlns:a16="http://schemas.microsoft.com/office/drawing/2014/main" id="{7A1FB08F-4171-23BE-F0AD-302986777063}"/>
+              </a:ext>
+            </a:extLst>
+          </p:cNvPr>
+          <p:cNvSpPr>
+            <a:spLocks noGrp="1"/>
+          </p:cNvSpPr>
+          <p:nvPr>
+            <p:ph idx="1"/>
+          </p:nvPr>
+        </p:nvSpPr>
+        <p:spPr>
+          <a:xfrm>
+            <a:off x="176048" y="764080"/>
+            <a:ext cx="11805743" cy="5928490"/>
+          </a:xfrm>
+        </p:spPr>
+        <p:txBody>
+          <a:bodyPr/>
+          <a:lstStyle/>
+          <a:p>
+            <a:r>
+              <a:rPr lang="en-US" dirty="0"/>
+              <a:t>A</a:t>
+            </a:r>
+          </a:p>
+        </p:txBody>
+      </p:sp>
+    </p:spTree>
+    <p:extLst>
+      <p:ext uri="{BB962C8B-B14F-4D97-AF65-F5344CB8AC3E}">
+        <p14:creationId xmlns:p14="http://schemas.microsoft.com/office/powerpoint/2010/main" val="3050174657"/>
+      </p:ext>
+    </p:extLst>
+  </p:cSld>
+  <p:clrMapOvr>
+    <a:masterClrMapping/>
+  </p:clrMapOvr>
+</p:sld>
+</file>
+
+<file path=ppt/slides/slide28.xml><?xml version="1.0" encoding="utf-8"?>
+<p:sld xmlns:a="http://schemas.openxmlformats.org/drawingml/2006/main" xmlns:r="http://schemas.openxmlformats.org/officeDocument/2006/relationships" xmlns:p="http://schemas.openxmlformats.org/presentationml/2006/main">
+  <p:cSld>
+    <p:spTree>
+      <p:nvGrpSpPr>
+        <p:cNvPr id="1" name=""/>
+        <p:cNvGrpSpPr/>
+        <p:nvPr/>
+      </p:nvGrpSpPr>
+      <p:grpSpPr>
+        <a:xfrm>
+          <a:off x="0" y="0"/>
+          <a:ext cx="0" cy="0"/>
+          <a:chOff x="0" y="0"/>
+          <a:chExt cx="0" cy="0"/>
+        </a:xfrm>
+      </p:grpSpPr>
+      <p:sp>
+        <p:nvSpPr>
+          <p:cNvPr id="2" name="Title 1">
+            <a:extLst>
+              <a:ext uri="{FF2B5EF4-FFF2-40B4-BE49-F238E27FC236}">
+                <a16:creationId xmlns:a16="http://schemas.microsoft.com/office/drawing/2014/main" id="{9BE75482-8AF5-3A23-003E-A2F11B1BA6E9}"/>
+              </a:ext>
+            </a:extLst>
+          </p:cNvPr>
+          <p:cNvSpPr>
+            <a:spLocks noGrp="1"/>
+          </p:cNvSpPr>
+          <p:nvPr>
+            <p:ph type="title"/>
+          </p:nvPr>
+        </p:nvSpPr>
+        <p:spPr>
+          <a:xfrm>
+            <a:off x="176049" y="165430"/>
+            <a:ext cx="11805744" cy="515608"/>
+          </a:xfrm>
+        </p:spPr>
+        <p:txBody>
+          <a:bodyPr>
+            <a:normAutofit fontScale="90000"/>
+          </a:bodyPr>
+          <a:lstStyle/>
+          <a:p>
+            <a:r>
+              <a:rPr lang="en-US" dirty="0"/>
+              <a:t>A</a:t>
+            </a:r>
+          </a:p>
+        </p:txBody>
+      </p:sp>
+      <p:sp>
+        <p:nvSpPr>
+          <p:cNvPr id="3" name="Content Placeholder 2">
+            <a:extLst>
+              <a:ext uri="{FF2B5EF4-FFF2-40B4-BE49-F238E27FC236}">
+                <a16:creationId xmlns:a16="http://schemas.microsoft.com/office/drawing/2014/main" id="{7A1FB08F-4171-23BE-F0AD-302986777063}"/>
+              </a:ext>
+            </a:extLst>
+          </p:cNvPr>
+          <p:cNvSpPr>
+            <a:spLocks noGrp="1"/>
+          </p:cNvSpPr>
+          <p:nvPr>
+            <p:ph idx="1"/>
+          </p:nvPr>
+        </p:nvSpPr>
+        <p:spPr>
+          <a:xfrm>
+            <a:off x="176048" y="764080"/>
+            <a:ext cx="11805743" cy="5928490"/>
+          </a:xfrm>
+        </p:spPr>
+        <p:txBody>
+          <a:bodyPr/>
+          <a:lstStyle/>
+          <a:p>
+            <a:r>
+              <a:rPr lang="en-US" dirty="0"/>
+              <a:t>A</a:t>
+            </a:r>
+          </a:p>
+        </p:txBody>
+      </p:sp>
+    </p:spTree>
+    <p:extLst>
+      <p:ext uri="{BB962C8B-B14F-4D97-AF65-F5344CB8AC3E}">
+        <p14:creationId xmlns:p14="http://schemas.microsoft.com/office/powerpoint/2010/main" val="3413800633"/>
+      </p:ext>
+    </p:extLst>
+  </p:cSld>
+  <p:clrMapOvr>
+    <a:masterClrMapping/>
+  </p:clrMapOvr>
+</p:sld>
+</file>
+
+<file path=ppt/slides/slide29.xml><?xml version="1.0" encoding="utf-8"?>
 <p:sld xmlns:a="http://schemas.openxmlformats.org/drawingml/2006/main" xmlns:r="http://schemas.openxmlformats.org/officeDocument/2006/relationships" xmlns:p="http://schemas.openxmlformats.org/presentationml/2006/main">
   <p:cSld>
     <p:spTree>

--- a/2022_tcfd-knowledge-hub/202212_tcfd-knowledge-hub.pptx
+++ b/2022_tcfd-knowledge-hub/202212_tcfd-knowledge-hub.pptx
@@ -32,8 +32,23 @@
     <p:sldId id="284" r:id="rId26"/>
     <p:sldId id="273" r:id="rId27"/>
     <p:sldId id="279" r:id="rId28"/>
-    <p:sldId id="274" r:id="rId29"/>
-    <p:sldId id="275" r:id="rId30"/>
+    <p:sldId id="287" r:id="rId29"/>
+    <p:sldId id="274" r:id="rId30"/>
+    <p:sldId id="285" r:id="rId31"/>
+    <p:sldId id="286" r:id="rId32"/>
+    <p:sldId id="275" r:id="rId33"/>
+    <p:sldId id="288" r:id="rId34"/>
+    <p:sldId id="289" r:id="rId35"/>
+    <p:sldId id="291" r:id="rId36"/>
+    <p:sldId id="292" r:id="rId37"/>
+    <p:sldId id="294" r:id="rId38"/>
+    <p:sldId id="296" r:id="rId39"/>
+    <p:sldId id="295" r:id="rId40"/>
+    <p:sldId id="293" r:id="rId41"/>
+    <p:sldId id="290" r:id="rId42"/>
+    <p:sldId id="297" r:id="rId43"/>
+    <p:sldId id="298" r:id="rId44"/>
+    <p:sldId id="299" r:id="rId45"/>
   </p:sldIdLst>
   <p:sldSz cx="12192000" cy="6858000"/>
   <p:notesSz cx="6858000" cy="9144000"/>
@@ -184,8 +199,27 @@
             <p14:sldId id="284"/>
             <p14:sldId id="273"/>
             <p14:sldId id="279"/>
+            <p14:sldId id="287"/>
             <p14:sldId id="274"/>
+            <p14:sldId id="285"/>
+            <p14:sldId id="286"/>
             <p14:sldId id="275"/>
+            <p14:sldId id="288"/>
+            <p14:sldId id="289"/>
+            <p14:sldId id="291"/>
+            <p14:sldId id="292"/>
+            <p14:sldId id="294"/>
+          </p14:sldIdLst>
+        </p14:section>
+        <p14:section name="Interconnected and Integrated Reporting" id="{0651F0A2-E14E-EA4A-B465-B8A63FE71539}">
+          <p14:sldIdLst>
+            <p14:sldId id="296"/>
+            <p14:sldId id="295"/>
+            <p14:sldId id="293"/>
+            <p14:sldId id="290"/>
+            <p14:sldId id="297"/>
+            <p14:sldId id="298"/>
+            <p14:sldId id="299"/>
           </p14:sldIdLst>
         </p14:section>
       </p14:sectionLst>
@@ -346,7 +380,7 @@
           <a:p>
             <a:fld id="{2C0E8315-071A-144B-A16C-6CACD5DB9D81}" type="datetimeFigureOut">
               <a:rPr lang="en-US" smtClean="0"/>
-              <a:t>11/30/22</a:t>
+              <a:t>12/1/22</a:t>
             </a:fld>
             <a:endParaRPr lang="en-US"/>
           </a:p>
@@ -546,7 +580,7 @@
           <a:p>
             <a:fld id="{2C0E8315-071A-144B-A16C-6CACD5DB9D81}" type="datetimeFigureOut">
               <a:rPr lang="en-US" smtClean="0"/>
-              <a:t>11/30/22</a:t>
+              <a:t>12/1/22</a:t>
             </a:fld>
             <a:endParaRPr lang="en-US"/>
           </a:p>
@@ -756,7 +790,7 @@
           <a:p>
             <a:fld id="{2C0E8315-071A-144B-A16C-6CACD5DB9D81}" type="datetimeFigureOut">
               <a:rPr lang="en-US" smtClean="0"/>
-              <a:t>11/30/22</a:t>
+              <a:t>12/1/22</a:t>
             </a:fld>
             <a:endParaRPr lang="en-US"/>
           </a:p>
@@ -956,7 +990,7 @@
           <a:p>
             <a:fld id="{2C0E8315-071A-144B-A16C-6CACD5DB9D81}" type="datetimeFigureOut">
               <a:rPr lang="en-US" smtClean="0"/>
-              <a:t>11/30/22</a:t>
+              <a:t>12/1/22</a:t>
             </a:fld>
             <a:endParaRPr lang="en-US"/>
           </a:p>
@@ -1232,7 +1266,7 @@
           <a:p>
             <a:fld id="{2C0E8315-071A-144B-A16C-6CACD5DB9D81}" type="datetimeFigureOut">
               <a:rPr lang="en-US" smtClean="0"/>
-              <a:t>11/30/22</a:t>
+              <a:t>12/1/22</a:t>
             </a:fld>
             <a:endParaRPr lang="en-US"/>
           </a:p>
@@ -1500,7 +1534,7 @@
           <a:p>
             <a:fld id="{2C0E8315-071A-144B-A16C-6CACD5DB9D81}" type="datetimeFigureOut">
               <a:rPr lang="en-US" smtClean="0"/>
-              <a:t>11/30/22</a:t>
+              <a:t>12/1/22</a:t>
             </a:fld>
             <a:endParaRPr lang="en-US"/>
           </a:p>
@@ -1915,7 +1949,7 @@
           <a:p>
             <a:fld id="{2C0E8315-071A-144B-A16C-6CACD5DB9D81}" type="datetimeFigureOut">
               <a:rPr lang="en-US" smtClean="0"/>
-              <a:t>11/30/22</a:t>
+              <a:t>12/1/22</a:t>
             </a:fld>
             <a:endParaRPr lang="en-US"/>
           </a:p>
@@ -2057,7 +2091,7 @@
           <a:p>
             <a:fld id="{2C0E8315-071A-144B-A16C-6CACD5DB9D81}" type="datetimeFigureOut">
               <a:rPr lang="en-US" smtClean="0"/>
-              <a:t>11/30/22</a:t>
+              <a:t>12/1/22</a:t>
             </a:fld>
             <a:endParaRPr lang="en-US"/>
           </a:p>
@@ -2170,7 +2204,7 @@
           <a:p>
             <a:fld id="{2C0E8315-071A-144B-A16C-6CACD5DB9D81}" type="datetimeFigureOut">
               <a:rPr lang="en-US" smtClean="0"/>
-              <a:t>11/30/22</a:t>
+              <a:t>12/1/22</a:t>
             </a:fld>
             <a:endParaRPr lang="en-US"/>
           </a:p>
@@ -2483,7 +2517,7 @@
           <a:p>
             <a:fld id="{2C0E8315-071A-144B-A16C-6CACD5DB9D81}" type="datetimeFigureOut">
               <a:rPr lang="en-US" smtClean="0"/>
-              <a:t>11/30/22</a:t>
+              <a:t>12/1/22</a:t>
             </a:fld>
             <a:endParaRPr lang="en-US"/>
           </a:p>
@@ -2772,7 +2806,7 @@
           <a:p>
             <a:fld id="{2C0E8315-071A-144B-A16C-6CACD5DB9D81}" type="datetimeFigureOut">
               <a:rPr lang="en-US" smtClean="0"/>
-              <a:t>11/30/22</a:t>
+              <a:t>12/1/22</a:t>
             </a:fld>
             <a:endParaRPr lang="en-US"/>
           </a:p>
@@ -3015,7 +3049,7 @@
           <a:p>
             <a:fld id="{2C0E8315-071A-144B-A16C-6CACD5DB9D81}" type="datetimeFigureOut">
               <a:rPr lang="en-US" smtClean="0"/>
-              <a:t>11/30/22</a:t>
+              <a:t>12/1/22</a:t>
             </a:fld>
             <a:endParaRPr lang="en-US"/>
           </a:p>
@@ -7426,7 +7460,7 @@
           <a:p>
             <a:r>
               <a:rPr lang="en-US" dirty="0"/>
-              <a:t>A</a:t>
+              <a:t>Governance Disclosures</a:t>
             </a:r>
           </a:p>
         </p:txBody>
@@ -7458,9 +7492,64 @@
           <a:lstStyle/>
           <a:p>
             <a:r>
-              <a:rPr lang="en-US" dirty="0"/>
-              <a:t>A</a:t>
-            </a:r>
+              <a:rPr lang="en-US" dirty="0">
+                <a:solidFill>
+                  <a:schemeClr val="accent1"/>
+                </a:solidFill>
+              </a:rPr>
+              <a:t>Board Oversight </a:t>
+            </a:r>
+            <a:r>
+              <a:rPr lang="en-US" dirty="0"/>
+              <a:t>&amp; </a:t>
+            </a:r>
+            <a:r>
+              <a:rPr lang="en-US" dirty="0">
+                <a:solidFill>
+                  <a:schemeClr val="accent1"/>
+                </a:solidFill>
+              </a:rPr>
+              <a:t>Management Responsibility</a:t>
+            </a:r>
+          </a:p>
+          <a:p>
+            <a:r>
+              <a:rPr lang="en-US" dirty="0"/>
+              <a:t>Companies should consider the connections, </a:t>
+            </a:r>
+            <a:r>
+              <a:rPr lang="en-US" dirty="0">
+                <a:solidFill>
+                  <a:schemeClr val="accent1"/>
+                </a:solidFill>
+              </a:rPr>
+              <a:t>information flows </a:t>
+            </a:r>
+            <a:r>
+              <a:rPr lang="en-US" dirty="0"/>
+              <a:t>and oversight mechanisms that exist between the board, management and climate-related issues.</a:t>
+            </a:r>
+          </a:p>
+          <a:p>
+            <a:r>
+              <a:rPr lang="en-US" dirty="0"/>
+              <a:t>Companies may also consider how board members and managements are </a:t>
+            </a:r>
+            <a:r>
+              <a:rPr lang="en-US" dirty="0">
+                <a:solidFill>
+                  <a:schemeClr val="accent1"/>
+                </a:solidFill>
+              </a:rPr>
+              <a:t>incentivized</a:t>
+            </a:r>
+            <a:r>
+              <a:rPr lang="en-US" dirty="0"/>
+              <a:t> to promote long-term prosperity and resilience, with clear indicators and criteria used to assess performance.</a:t>
+            </a:r>
+          </a:p>
+          <a:p>
+            <a:endParaRPr lang="en-US" dirty="0"/>
           </a:p>
         </p:txBody>
       </p:sp>
@@ -7524,7 +7613,7 @@
           <a:p>
             <a:r>
               <a:rPr lang="en-US" dirty="0"/>
-              <a:t>A</a:t>
+              <a:t>Strategy Disclosures</a:t>
             </a:r>
           </a:p>
         </p:txBody>
@@ -7557,8 +7646,125 @@
           <a:p>
             <a:r>
               <a:rPr lang="en-US" dirty="0"/>
-              <a:t>A</a:t>
-            </a:r>
+              <a:t>Explain how </a:t>
+            </a:r>
+            <a:r>
+              <a:rPr lang="en-US" dirty="0">
+                <a:solidFill>
+                  <a:schemeClr val="accent1"/>
+                </a:solidFill>
+              </a:rPr>
+              <a:t>business dependencies </a:t>
+            </a:r>
+            <a:r>
+              <a:rPr lang="en-US" dirty="0"/>
+              <a:t>affect the development of corporate strategies to the risks and opportunities posed by climate change.</a:t>
+            </a:r>
+          </a:p>
+          <a:p>
+            <a:pPr lvl="1"/>
+            <a:r>
+              <a:rPr lang="en-US" dirty="0">
+                <a:solidFill>
+                  <a:schemeClr val="accent1"/>
+                </a:solidFill>
+              </a:rPr>
+              <a:t>Natural Capital </a:t>
+            </a:r>
+            <a:r>
+              <a:rPr lang="en-US" dirty="0"/>
+              <a:t>is another term for the stock of renewable and non-renewable resources that combine to yield a flow of benefits to people.</a:t>
+            </a:r>
+          </a:p>
+          <a:p>
+            <a:pPr lvl="1"/>
+            <a:r>
+              <a:rPr lang="en-US" dirty="0">
+                <a:solidFill>
+                  <a:schemeClr val="accent1"/>
+                </a:solidFill>
+              </a:rPr>
+              <a:t>Social Capital</a:t>
+            </a:r>
+            <a:r>
+              <a:rPr lang="en-US" dirty="0"/>
+              <a:t>: The networks of relationships among people who live and work in a particular society, enabling that society to function effectively.</a:t>
+            </a:r>
+          </a:p>
+          <a:p>
+            <a:pPr lvl="1"/>
+            <a:r>
+              <a:rPr lang="en-US" dirty="0">
+                <a:solidFill>
+                  <a:schemeClr val="accent1"/>
+                </a:solidFill>
+              </a:rPr>
+              <a:t>Human Capital</a:t>
+            </a:r>
+            <a:r>
+              <a:rPr lang="en-US" dirty="0"/>
+              <a:t>: The knowledge, skills, competencies and attributes embodies in individuals that facilitate the creation of personal, social and economic well-being.</a:t>
+            </a:r>
+          </a:p>
+          <a:p>
+            <a:r>
+              <a:rPr lang="en-US" dirty="0">
+                <a:solidFill>
+                  <a:schemeClr val="accent1"/>
+                </a:solidFill>
+              </a:rPr>
+              <a:t>Physical Risks </a:t>
+            </a:r>
+            <a:r>
+              <a:rPr lang="en-US" dirty="0"/>
+              <a:t>&amp; </a:t>
+            </a:r>
+            <a:r>
+              <a:rPr lang="en-US" dirty="0">
+                <a:solidFill>
+                  <a:schemeClr val="accent1"/>
+                </a:solidFill>
+              </a:rPr>
+              <a:t>Transition Risks</a:t>
+            </a:r>
+          </a:p>
+          <a:p>
+            <a:r>
+              <a:rPr lang="en-US" dirty="0"/>
+              <a:t>Forward-looking disclosure</a:t>
+            </a:r>
+          </a:p>
+          <a:p>
+            <a:pPr lvl="1"/>
+            <a:r>
+              <a:rPr lang="en-US" dirty="0"/>
+              <a:t>How the dependencies underpin a company’s ability to create value in the </a:t>
+            </a:r>
+            <a:r>
+              <a:rPr lang="en-US" dirty="0">
+                <a:solidFill>
+                  <a:schemeClr val="accent1"/>
+                </a:solidFill>
+              </a:rPr>
+              <a:t>short-, medium- and long-term</a:t>
+            </a:r>
+            <a:r>
+              <a:rPr lang="en-US" dirty="0"/>
+              <a:t>.</a:t>
+            </a:r>
+          </a:p>
+          <a:p>
+            <a:pPr lvl="1"/>
+            <a:r>
+              <a:rPr lang="en-US" dirty="0"/>
+              <a:t>Scenario Analysis</a:t>
+            </a:r>
+          </a:p>
+          <a:p>
+            <a:endParaRPr lang="en-US" dirty="0"/>
+          </a:p>
+          <a:p>
+            <a:endParaRPr lang="en-US" dirty="0"/>
           </a:p>
         </p:txBody>
       </p:sp>
@@ -7622,48 +7828,45 @@
           <a:p>
             <a:r>
               <a:rPr lang="en-US" dirty="0"/>
-              <a:t>A</a:t>
-            </a:r>
-          </a:p>
-        </p:txBody>
-      </p:sp>
-      <p:sp>
-        <p:nvSpPr>
-          <p:cNvPr id="3" name="Content Placeholder 2">
-            <a:extLst>
-              <a:ext uri="{FF2B5EF4-FFF2-40B4-BE49-F238E27FC236}">
-                <a16:creationId xmlns:a16="http://schemas.microsoft.com/office/drawing/2014/main" id="{7A1FB08F-4171-23BE-F0AD-302986777063}"/>
-              </a:ext>
-            </a:extLst>
-          </p:cNvPr>
-          <p:cNvSpPr>
-            <a:spLocks noGrp="1"/>
-          </p:cNvSpPr>
-          <p:nvPr>
-            <p:ph idx="1"/>
-          </p:nvPr>
-        </p:nvSpPr>
+              <a:t>Strategy Disclosures – Risks and Opportunities</a:t>
+            </a:r>
+          </a:p>
+        </p:txBody>
+      </p:sp>
+      <p:pic>
+        <p:nvPicPr>
+          <p:cNvPr id="7" name="Picture 6" descr="Graphical user interface, text, application&#10;&#10;Description automatically generated">
+            <a:extLst>
+              <a:ext uri="{FF2B5EF4-FFF2-40B4-BE49-F238E27FC236}">
+                <a16:creationId xmlns:a16="http://schemas.microsoft.com/office/drawing/2014/main" id="{45C85CC8-6B17-827F-B43F-11E57A349ED2}"/>
+              </a:ext>
+            </a:extLst>
+          </p:cNvPr>
+          <p:cNvPicPr>
+            <a:picLocks noChangeAspect="1"/>
+          </p:cNvPicPr>
+          <p:nvPr/>
+        </p:nvPicPr>
+        <p:blipFill>
+          <a:blip r:embed="rId2"/>
+          <a:stretch>
+            <a:fillRect/>
+          </a:stretch>
+        </p:blipFill>
         <p:spPr>
           <a:xfrm>
-            <a:off x="176048" y="764080"/>
-            <a:ext cx="11805743" cy="5928490"/>
+            <a:off x="2192721" y="803656"/>
+            <a:ext cx="7772400" cy="5250688"/>
           </a:xfrm>
+          <a:prstGeom prst="rect">
+            <a:avLst/>
+          </a:prstGeom>
         </p:spPr>
-        <p:txBody>
-          <a:bodyPr/>
-          <a:lstStyle/>
-          <a:p>
-            <a:r>
-              <a:rPr lang="en-US" dirty="0"/>
-              <a:t>A</a:t>
-            </a:r>
-          </a:p>
-        </p:txBody>
-      </p:sp>
+      </p:pic>
     </p:spTree>
     <p:extLst>
       <p:ext uri="{BB962C8B-B14F-4D97-AF65-F5344CB8AC3E}">
-        <p14:creationId xmlns:p14="http://schemas.microsoft.com/office/powerpoint/2010/main" val="3413800633"/>
+        <p14:creationId xmlns:p14="http://schemas.microsoft.com/office/powerpoint/2010/main" val="578118742"/>
       </p:ext>
     </p:extLst>
   </p:cSld>
@@ -7720,7 +7923,7 @@
           <a:p>
             <a:r>
               <a:rPr lang="en-US" dirty="0"/>
-              <a:t>A</a:t>
+              <a:t>Strategy Disclosures – Scenario Analysis</a:t>
             </a:r>
           </a:p>
         </p:txBody>
@@ -7744,7 +7947,7 @@
         <p:spPr>
           <a:xfrm>
             <a:off x="176048" y="764080"/>
-            <a:ext cx="11805743" cy="5928490"/>
+            <a:ext cx="11805743" cy="1779423"/>
           </a:xfrm>
         </p:spPr>
         <p:txBody>
@@ -7753,15 +7956,59 @@
           <a:p>
             <a:r>
               <a:rPr lang="en-US" dirty="0"/>
-              <a:t>A</a:t>
-            </a:r>
-          </a:p>
-        </p:txBody>
-      </p:sp>
+              <a:t>Exploring a wide variety of futures and adapting accordingly will allow for the most effective and efficient strategies and further build investor confidence.</a:t>
+            </a:r>
+          </a:p>
+          <a:p>
+            <a:pPr lvl="1"/>
+            <a:r>
+              <a:rPr lang="en-US" dirty="0"/>
+              <a:t>The TCFD suggests that companies make use of at least a 2°C scenario</a:t>
+            </a:r>
+          </a:p>
+          <a:p>
+            <a:pPr lvl="1"/>
+            <a:r>
+              <a:rPr lang="en-US" dirty="0"/>
+              <a:t>Describe the scenarios used, the assumptions (e.g. rate of growth), and timelines</a:t>
+            </a:r>
+          </a:p>
+        </p:txBody>
+      </p:sp>
+      <p:pic>
+        <p:nvPicPr>
+          <p:cNvPr id="5" name="Picture 4" descr="Diagram&#10;&#10;Description automatically generated">
+            <a:extLst>
+              <a:ext uri="{FF2B5EF4-FFF2-40B4-BE49-F238E27FC236}">
+                <a16:creationId xmlns:a16="http://schemas.microsoft.com/office/drawing/2014/main" id="{B54FAEAE-584D-B7FC-94A0-1849FF051A5D}"/>
+              </a:ext>
+            </a:extLst>
+          </p:cNvPr>
+          <p:cNvPicPr>
+            <a:picLocks noChangeAspect="1"/>
+          </p:cNvPicPr>
+          <p:nvPr/>
+        </p:nvPicPr>
+        <p:blipFill>
+          <a:blip r:embed="rId2"/>
+          <a:stretch>
+            <a:fillRect/>
+          </a:stretch>
+        </p:blipFill>
+        <p:spPr>
+          <a:xfrm>
+            <a:off x="2827727" y="2543503"/>
+            <a:ext cx="6502384" cy="3978166"/>
+          </a:xfrm>
+          <a:prstGeom prst="rect">
+            <a:avLst/>
+          </a:prstGeom>
+        </p:spPr>
+      </p:pic>
     </p:spTree>
     <p:extLst>
       <p:ext uri="{BB962C8B-B14F-4D97-AF65-F5344CB8AC3E}">
-        <p14:creationId xmlns:p14="http://schemas.microsoft.com/office/powerpoint/2010/main" val="3426846079"/>
+        <p14:creationId xmlns:p14="http://schemas.microsoft.com/office/powerpoint/2010/main" val="3413800633"/>
       </p:ext>
     </p:extLst>
   </p:cSld>
@@ -7984,6 +8231,1850 @@
 </p:sld>
 </file>
 
+<file path=ppt/slides/slide30.xml><?xml version="1.0" encoding="utf-8"?>
+<p:sld xmlns:a="http://schemas.openxmlformats.org/drawingml/2006/main" xmlns:r="http://schemas.openxmlformats.org/officeDocument/2006/relationships" xmlns:p="http://schemas.openxmlformats.org/presentationml/2006/main">
+  <p:cSld>
+    <p:spTree>
+      <p:nvGrpSpPr>
+        <p:cNvPr id="1" name=""/>
+        <p:cNvGrpSpPr/>
+        <p:nvPr/>
+      </p:nvGrpSpPr>
+      <p:grpSpPr>
+        <a:xfrm>
+          <a:off x="0" y="0"/>
+          <a:ext cx="0" cy="0"/>
+          <a:chOff x="0" y="0"/>
+          <a:chExt cx="0" cy="0"/>
+        </a:xfrm>
+      </p:grpSpPr>
+      <p:sp>
+        <p:nvSpPr>
+          <p:cNvPr id="2" name="Title 1">
+            <a:extLst>
+              <a:ext uri="{FF2B5EF4-FFF2-40B4-BE49-F238E27FC236}">
+                <a16:creationId xmlns:a16="http://schemas.microsoft.com/office/drawing/2014/main" id="{9BE75482-8AF5-3A23-003E-A2F11B1BA6E9}"/>
+              </a:ext>
+            </a:extLst>
+          </p:cNvPr>
+          <p:cNvSpPr>
+            <a:spLocks noGrp="1"/>
+          </p:cNvSpPr>
+          <p:nvPr>
+            <p:ph type="title"/>
+          </p:nvPr>
+        </p:nvSpPr>
+        <p:spPr>
+          <a:xfrm>
+            <a:off x="176049" y="165430"/>
+            <a:ext cx="11805744" cy="515608"/>
+          </a:xfrm>
+        </p:spPr>
+        <p:txBody>
+          <a:bodyPr>
+            <a:normAutofit fontScale="90000"/>
+          </a:bodyPr>
+          <a:lstStyle/>
+          <a:p>
+            <a:r>
+              <a:rPr lang="en-US" dirty="0"/>
+              <a:t>Risk Management Disclosures</a:t>
+            </a:r>
+          </a:p>
+        </p:txBody>
+      </p:sp>
+      <p:sp>
+        <p:nvSpPr>
+          <p:cNvPr id="3" name="Content Placeholder 2">
+            <a:extLst>
+              <a:ext uri="{FF2B5EF4-FFF2-40B4-BE49-F238E27FC236}">
+                <a16:creationId xmlns:a16="http://schemas.microsoft.com/office/drawing/2014/main" id="{7A1FB08F-4171-23BE-F0AD-302986777063}"/>
+              </a:ext>
+            </a:extLst>
+          </p:cNvPr>
+          <p:cNvSpPr>
+            <a:spLocks noGrp="1"/>
+          </p:cNvSpPr>
+          <p:nvPr>
+            <p:ph idx="1"/>
+          </p:nvPr>
+        </p:nvSpPr>
+        <p:spPr>
+          <a:xfrm>
+            <a:off x="176048" y="764080"/>
+            <a:ext cx="11805743" cy="2528185"/>
+          </a:xfrm>
+        </p:spPr>
+        <p:txBody>
+          <a:bodyPr>
+            <a:normAutofit fontScale="77500" lnSpcReduction="20000"/>
+          </a:bodyPr>
+          <a:lstStyle/>
+          <a:p>
+            <a:r>
+              <a:rPr lang="en-US" dirty="0">
+                <a:solidFill>
+                  <a:schemeClr val="accent1"/>
+                </a:solidFill>
+              </a:rPr>
+              <a:t>Complex characteristics </a:t>
+            </a:r>
+            <a:r>
+              <a:rPr lang="en-US" dirty="0"/>
+              <a:t>of climate-related risks</a:t>
+            </a:r>
+          </a:p>
+          <a:p>
+            <a:pPr lvl="1"/>
+            <a:r>
+              <a:rPr lang="en-US" dirty="0">
+                <a:solidFill>
+                  <a:schemeClr val="accent1"/>
+                </a:solidFill>
+              </a:rPr>
+              <a:t>Geography and business activities </a:t>
+            </a:r>
+            <a:r>
+              <a:rPr lang="en-US" dirty="0"/>
+              <a:t>– different scales of impact by local and regional conditions, as well as different business activities</a:t>
+            </a:r>
+          </a:p>
+          <a:p>
+            <a:pPr lvl="1"/>
+            <a:r>
+              <a:rPr lang="en-US" dirty="0"/>
+              <a:t>Longer time horizons</a:t>
+            </a:r>
+          </a:p>
+          <a:p>
+            <a:pPr lvl="1"/>
+            <a:r>
+              <a:rPr lang="en-US" dirty="0">
+                <a:solidFill>
+                  <a:schemeClr val="accent1"/>
+                </a:solidFill>
+              </a:rPr>
+              <a:t>New and uncertain</a:t>
+            </a:r>
+          </a:p>
+          <a:p>
+            <a:pPr lvl="1"/>
+            <a:r>
+              <a:rPr lang="en-US" dirty="0">
+                <a:solidFill>
+                  <a:schemeClr val="accent1"/>
+                </a:solidFill>
+              </a:rPr>
+              <a:t>Changing magnitude and non-linear dynamics </a:t>
+            </a:r>
+            <a:r>
+              <a:rPr lang="en-US" dirty="0"/>
+              <a:t>– important to understand the sensitivities, tipping points and knock-on effects</a:t>
+            </a:r>
+          </a:p>
+          <a:p>
+            <a:pPr lvl="1"/>
+            <a:r>
+              <a:rPr lang="en-US" dirty="0">
+                <a:solidFill>
+                  <a:schemeClr val="accent1"/>
+                </a:solidFill>
+              </a:rPr>
+              <a:t>Interconnected</a:t>
+            </a:r>
+            <a:r>
+              <a:rPr lang="en-US" dirty="0"/>
+              <a:t> with socioeconomic and financial systems</a:t>
+            </a:r>
+          </a:p>
+          <a:p>
+            <a:r>
+              <a:rPr lang="en-US" dirty="0"/>
+              <a:t>Climate-related risks are also risk multipliers and driver of other risks</a:t>
+            </a:r>
+          </a:p>
+          <a:p>
+            <a:pPr lvl="1"/>
+            <a:endParaRPr lang="en-US" dirty="0"/>
+          </a:p>
+          <a:p>
+            <a:pPr lvl="1"/>
+            <a:endParaRPr lang="en-US" dirty="0"/>
+          </a:p>
+          <a:p>
+            <a:endParaRPr lang="en-US" dirty="0"/>
+          </a:p>
+        </p:txBody>
+      </p:sp>
+      <p:pic>
+        <p:nvPicPr>
+          <p:cNvPr id="5" name="Picture 4" descr="Text, table&#10;&#10;Description automatically generated with medium confidence">
+            <a:extLst>
+              <a:ext uri="{FF2B5EF4-FFF2-40B4-BE49-F238E27FC236}">
+                <a16:creationId xmlns:a16="http://schemas.microsoft.com/office/drawing/2014/main" id="{4D5D5D34-37D8-68B6-F623-69ACF28687D3}"/>
+              </a:ext>
+            </a:extLst>
+          </p:cNvPr>
+          <p:cNvPicPr>
+            <a:picLocks noChangeAspect="1"/>
+          </p:cNvPicPr>
+          <p:nvPr/>
+        </p:nvPicPr>
+        <p:blipFill>
+          <a:blip r:embed="rId2"/>
+          <a:stretch>
+            <a:fillRect/>
+          </a:stretch>
+        </p:blipFill>
+        <p:spPr>
+          <a:xfrm>
+            <a:off x="2209800" y="3292265"/>
+            <a:ext cx="7772400" cy="3565735"/>
+          </a:xfrm>
+          <a:prstGeom prst="rect">
+            <a:avLst/>
+          </a:prstGeom>
+        </p:spPr>
+      </p:pic>
+    </p:spTree>
+    <p:extLst>
+      <p:ext uri="{BB962C8B-B14F-4D97-AF65-F5344CB8AC3E}">
+        <p14:creationId xmlns:p14="http://schemas.microsoft.com/office/powerpoint/2010/main" val="1204644760"/>
+      </p:ext>
+    </p:extLst>
+  </p:cSld>
+  <p:clrMapOvr>
+    <a:masterClrMapping/>
+  </p:clrMapOvr>
+</p:sld>
+</file>
+
+<file path=ppt/slides/slide31.xml><?xml version="1.0" encoding="utf-8"?>
+<p:sld xmlns:a="http://schemas.openxmlformats.org/drawingml/2006/main" xmlns:r="http://schemas.openxmlformats.org/officeDocument/2006/relationships" xmlns:p="http://schemas.openxmlformats.org/presentationml/2006/main">
+  <p:cSld>
+    <p:spTree>
+      <p:nvGrpSpPr>
+        <p:cNvPr id="1" name=""/>
+        <p:cNvGrpSpPr/>
+        <p:nvPr/>
+      </p:nvGrpSpPr>
+      <p:grpSpPr>
+        <a:xfrm>
+          <a:off x="0" y="0"/>
+          <a:ext cx="0" cy="0"/>
+          <a:chOff x="0" y="0"/>
+          <a:chExt cx="0" cy="0"/>
+        </a:xfrm>
+      </p:grpSpPr>
+      <p:sp>
+        <p:nvSpPr>
+          <p:cNvPr id="2" name="Title 1">
+            <a:extLst>
+              <a:ext uri="{FF2B5EF4-FFF2-40B4-BE49-F238E27FC236}">
+                <a16:creationId xmlns:a16="http://schemas.microsoft.com/office/drawing/2014/main" id="{9BE75482-8AF5-3A23-003E-A2F11B1BA6E9}"/>
+              </a:ext>
+            </a:extLst>
+          </p:cNvPr>
+          <p:cNvSpPr>
+            <a:spLocks noGrp="1"/>
+          </p:cNvSpPr>
+          <p:nvPr>
+            <p:ph type="title"/>
+          </p:nvPr>
+        </p:nvSpPr>
+        <p:spPr>
+          <a:xfrm>
+            <a:off x="176049" y="165430"/>
+            <a:ext cx="11805744" cy="515608"/>
+          </a:xfrm>
+        </p:spPr>
+        <p:txBody>
+          <a:bodyPr>
+            <a:normAutofit fontScale="90000"/>
+          </a:bodyPr>
+          <a:lstStyle/>
+          <a:p>
+            <a:r>
+              <a:rPr lang="en-US" dirty="0"/>
+              <a:t>Risk Management Disclosures</a:t>
+            </a:r>
+          </a:p>
+        </p:txBody>
+      </p:sp>
+      <p:sp>
+        <p:nvSpPr>
+          <p:cNvPr id="3" name="Content Placeholder 2">
+            <a:extLst>
+              <a:ext uri="{FF2B5EF4-FFF2-40B4-BE49-F238E27FC236}">
+                <a16:creationId xmlns:a16="http://schemas.microsoft.com/office/drawing/2014/main" id="{7A1FB08F-4171-23BE-F0AD-302986777063}"/>
+              </a:ext>
+            </a:extLst>
+          </p:cNvPr>
+          <p:cNvSpPr>
+            <a:spLocks noGrp="1"/>
+          </p:cNvSpPr>
+          <p:nvPr>
+            <p:ph idx="1"/>
+          </p:nvPr>
+        </p:nvSpPr>
+        <p:spPr>
+          <a:xfrm>
+            <a:off x="176048" y="764080"/>
+            <a:ext cx="11805743" cy="5928490"/>
+          </a:xfrm>
+        </p:spPr>
+        <p:txBody>
+          <a:bodyPr/>
+          <a:lstStyle/>
+          <a:p>
+            <a:r>
+              <a:rPr lang="en-US" dirty="0"/>
+              <a:t>Disclosure of climate-related financial risks should include</a:t>
+            </a:r>
+          </a:p>
+          <a:p>
+            <a:pPr lvl="1"/>
+            <a:r>
+              <a:rPr lang="en-US" dirty="0">
+                <a:solidFill>
+                  <a:schemeClr val="accent1"/>
+                </a:solidFill>
+              </a:rPr>
+              <a:t>Description</a:t>
+            </a:r>
+            <a:r>
+              <a:rPr lang="en-US" dirty="0"/>
+              <a:t> of the risk.</a:t>
+            </a:r>
+          </a:p>
+          <a:p>
+            <a:pPr lvl="1"/>
+            <a:r>
+              <a:rPr lang="en-US" dirty="0"/>
+              <a:t>Specific </a:t>
+            </a:r>
+            <a:r>
+              <a:rPr lang="en-US" dirty="0">
+                <a:solidFill>
+                  <a:schemeClr val="accent1"/>
+                </a:solidFill>
+              </a:rPr>
+              <a:t>characteristics</a:t>
+            </a:r>
+            <a:r>
+              <a:rPr lang="en-US" dirty="0"/>
+              <a:t> of the risk</a:t>
+            </a:r>
+          </a:p>
+          <a:p>
+            <a:pPr lvl="1"/>
+            <a:r>
+              <a:rPr lang="en-US" dirty="0"/>
+              <a:t>An </a:t>
+            </a:r>
+            <a:r>
+              <a:rPr lang="en-US" dirty="0">
+                <a:solidFill>
+                  <a:schemeClr val="accent1"/>
+                </a:solidFill>
+              </a:rPr>
+              <a:t>account</a:t>
+            </a:r>
+            <a:r>
+              <a:rPr lang="en-US" dirty="0"/>
+              <a:t> of where the risk may materialize (geographical location or business area).</a:t>
+            </a:r>
+          </a:p>
+          <a:p>
+            <a:pPr lvl="1"/>
+            <a:r>
+              <a:rPr lang="en-US" dirty="0"/>
+              <a:t>The </a:t>
+            </a:r>
+            <a:r>
+              <a:rPr lang="en-US" dirty="0">
+                <a:solidFill>
+                  <a:schemeClr val="accent1"/>
+                </a:solidFill>
+              </a:rPr>
+              <a:t>time horizons </a:t>
+            </a:r>
+            <a:r>
+              <a:rPr lang="en-US" dirty="0"/>
+              <a:t>that the risk can be expected to materialize and how they might develop over time.</a:t>
+            </a:r>
+          </a:p>
+          <a:p>
+            <a:pPr lvl="1"/>
+            <a:r>
+              <a:rPr lang="en-US" dirty="0"/>
+              <a:t>An explanation of its </a:t>
+            </a:r>
+            <a:r>
+              <a:rPr lang="en-US" dirty="0">
+                <a:solidFill>
+                  <a:schemeClr val="accent1"/>
+                </a:solidFill>
+              </a:rPr>
+              <a:t>relevance</a:t>
+            </a:r>
+            <a:r>
+              <a:rPr lang="en-US" dirty="0"/>
+              <a:t> to the company and its operations.</a:t>
+            </a:r>
+          </a:p>
+          <a:p>
+            <a:pPr lvl="1"/>
+            <a:r>
+              <a:rPr lang="en-US" dirty="0"/>
+              <a:t>An explanation of where climate-related risks </a:t>
+            </a:r>
+            <a:r>
+              <a:rPr lang="en-US" dirty="0">
+                <a:solidFill>
+                  <a:schemeClr val="accent1"/>
+                </a:solidFill>
+              </a:rPr>
+              <a:t>exacerbate</a:t>
+            </a:r>
+            <a:r>
+              <a:rPr lang="en-US" dirty="0"/>
+              <a:t> other business or environmental risks.</a:t>
+            </a:r>
+          </a:p>
+          <a:p>
+            <a:r>
+              <a:rPr lang="en-US" dirty="0">
+                <a:solidFill>
+                  <a:schemeClr val="accent1"/>
+                </a:solidFill>
+              </a:rPr>
+              <a:t>Key principles of integrating </a:t>
+            </a:r>
+            <a:r>
+              <a:rPr lang="en-US" dirty="0"/>
+              <a:t>climate change into existing risk processes</a:t>
+            </a:r>
+          </a:p>
+          <a:p>
+            <a:pPr lvl="1"/>
+            <a:r>
+              <a:rPr lang="en-US" dirty="0">
+                <a:solidFill>
+                  <a:schemeClr val="accent1"/>
+                </a:solidFill>
+              </a:rPr>
+              <a:t>Interconnections</a:t>
+            </a:r>
+            <a:r>
+              <a:rPr lang="en-US" dirty="0"/>
+              <a:t> – all relevant functions, departments, and experts</a:t>
+            </a:r>
+          </a:p>
+          <a:p>
+            <a:pPr lvl="1"/>
+            <a:r>
+              <a:rPr lang="en-US" dirty="0">
+                <a:solidFill>
+                  <a:schemeClr val="accent1"/>
+                </a:solidFill>
+              </a:rPr>
+              <a:t>Temporal</a:t>
+            </a:r>
+            <a:r>
+              <a:rPr lang="en-US" dirty="0"/>
+              <a:t> orientation – short, medium and long term</a:t>
+            </a:r>
+          </a:p>
+          <a:p>
+            <a:pPr lvl="1"/>
+            <a:r>
+              <a:rPr lang="en-US" dirty="0">
+                <a:solidFill>
+                  <a:schemeClr val="accent1"/>
+                </a:solidFill>
+              </a:rPr>
+              <a:t>Proportionality</a:t>
+            </a:r>
+            <a:r>
+              <a:rPr lang="en-US" dirty="0"/>
+              <a:t> in the context of other risks, materiality and implications for strategy</a:t>
+            </a:r>
+          </a:p>
+          <a:p>
+            <a:pPr lvl="1"/>
+            <a:r>
+              <a:rPr lang="en-US" dirty="0">
+                <a:solidFill>
+                  <a:schemeClr val="accent1"/>
+                </a:solidFill>
+              </a:rPr>
+              <a:t>Consistency</a:t>
+            </a:r>
+            <a:r>
+              <a:rPr lang="en-US" dirty="0"/>
+              <a:t> of methodology</a:t>
+            </a:r>
+          </a:p>
+        </p:txBody>
+      </p:sp>
+    </p:spTree>
+    <p:extLst>
+      <p:ext uri="{BB962C8B-B14F-4D97-AF65-F5344CB8AC3E}">
+        <p14:creationId xmlns:p14="http://schemas.microsoft.com/office/powerpoint/2010/main" val="3203413767"/>
+      </p:ext>
+    </p:extLst>
+  </p:cSld>
+  <p:clrMapOvr>
+    <a:masterClrMapping/>
+  </p:clrMapOvr>
+</p:sld>
+</file>
+
+<file path=ppt/slides/slide32.xml><?xml version="1.0" encoding="utf-8"?>
+<p:sld xmlns:a="http://schemas.openxmlformats.org/drawingml/2006/main" xmlns:r="http://schemas.openxmlformats.org/officeDocument/2006/relationships" xmlns:p="http://schemas.openxmlformats.org/presentationml/2006/main">
+  <p:cSld>
+    <p:spTree>
+      <p:nvGrpSpPr>
+        <p:cNvPr id="1" name=""/>
+        <p:cNvGrpSpPr/>
+        <p:nvPr/>
+      </p:nvGrpSpPr>
+      <p:grpSpPr>
+        <a:xfrm>
+          <a:off x="0" y="0"/>
+          <a:ext cx="0" cy="0"/>
+          <a:chOff x="0" y="0"/>
+          <a:chExt cx="0" cy="0"/>
+        </a:xfrm>
+      </p:grpSpPr>
+      <p:sp>
+        <p:nvSpPr>
+          <p:cNvPr id="2" name="Title 1">
+            <a:extLst>
+              <a:ext uri="{FF2B5EF4-FFF2-40B4-BE49-F238E27FC236}">
+                <a16:creationId xmlns:a16="http://schemas.microsoft.com/office/drawing/2014/main" id="{9BE75482-8AF5-3A23-003E-A2F11B1BA6E9}"/>
+              </a:ext>
+            </a:extLst>
+          </p:cNvPr>
+          <p:cNvSpPr>
+            <a:spLocks noGrp="1"/>
+          </p:cNvSpPr>
+          <p:nvPr>
+            <p:ph type="title"/>
+          </p:nvPr>
+        </p:nvSpPr>
+        <p:spPr>
+          <a:xfrm>
+            <a:off x="176049" y="165430"/>
+            <a:ext cx="11805744" cy="515608"/>
+          </a:xfrm>
+        </p:spPr>
+        <p:txBody>
+          <a:bodyPr>
+            <a:normAutofit fontScale="90000"/>
+          </a:bodyPr>
+          <a:lstStyle/>
+          <a:p>
+            <a:r>
+              <a:rPr lang="en-US" dirty="0"/>
+              <a:t>Metrics and Targets</a:t>
+            </a:r>
+          </a:p>
+        </p:txBody>
+      </p:sp>
+      <p:sp>
+        <p:nvSpPr>
+          <p:cNvPr id="3" name="Content Placeholder 2">
+            <a:extLst>
+              <a:ext uri="{FF2B5EF4-FFF2-40B4-BE49-F238E27FC236}">
+                <a16:creationId xmlns:a16="http://schemas.microsoft.com/office/drawing/2014/main" id="{7A1FB08F-4171-23BE-F0AD-302986777063}"/>
+              </a:ext>
+            </a:extLst>
+          </p:cNvPr>
+          <p:cNvSpPr>
+            <a:spLocks noGrp="1"/>
+          </p:cNvSpPr>
+          <p:nvPr>
+            <p:ph idx="1"/>
+          </p:nvPr>
+        </p:nvSpPr>
+        <p:spPr>
+          <a:xfrm>
+            <a:off x="176048" y="764080"/>
+            <a:ext cx="11805743" cy="5928490"/>
+          </a:xfrm>
+        </p:spPr>
+        <p:txBody>
+          <a:bodyPr>
+            <a:normAutofit fontScale="92500" lnSpcReduction="10000"/>
+          </a:bodyPr>
+          <a:lstStyle/>
+          <a:p>
+            <a:r>
+              <a:rPr lang="en-US" dirty="0"/>
+              <a:t>Metrics used should reflect the policies adopted by the company, and a </a:t>
+            </a:r>
+            <a:r>
+              <a:rPr lang="en-US" dirty="0">
+                <a:solidFill>
+                  <a:schemeClr val="accent1"/>
+                </a:solidFill>
+              </a:rPr>
+              <a:t>consistent, comparable, understandable and verifiable </a:t>
+            </a:r>
+            <a:r>
+              <a:rPr lang="en-US" dirty="0"/>
+              <a:t>manner.</a:t>
+            </a:r>
+          </a:p>
+          <a:p>
+            <a:r>
+              <a:rPr lang="en-US" dirty="0"/>
+              <a:t>Setting targets</a:t>
+            </a:r>
+          </a:p>
+          <a:p>
+            <a:pPr lvl="1"/>
+            <a:r>
+              <a:rPr lang="en-US" dirty="0">
+                <a:solidFill>
+                  <a:schemeClr val="accent1"/>
+                </a:solidFill>
+                <a:highlight>
+                  <a:srgbClr val="FFFF00"/>
+                </a:highlight>
+              </a:rPr>
+              <a:t>Science-Based Target Initiative (SBTi)</a:t>
+            </a:r>
+            <a:r>
+              <a:rPr lang="en-US" dirty="0"/>
+              <a:t>: science-based emissions reduction targets; </a:t>
+            </a:r>
+            <a:r>
+              <a:rPr lang="en-US" dirty="0">
+                <a:hlinkClick r:id="rId2"/>
+              </a:rPr>
+              <a:t>link</a:t>
+            </a:r>
+            <a:endParaRPr lang="en-US" dirty="0"/>
+          </a:p>
+          <a:p>
+            <a:pPr lvl="1"/>
+            <a:r>
+              <a:rPr lang="en-US" dirty="0"/>
+              <a:t>Align corporate targets to </a:t>
+            </a:r>
+            <a:r>
+              <a:rPr lang="en-US" dirty="0">
+                <a:solidFill>
+                  <a:schemeClr val="accent1"/>
+                </a:solidFill>
+              </a:rPr>
+              <a:t>international and national goals</a:t>
+            </a:r>
+          </a:p>
+          <a:p>
+            <a:r>
+              <a:rPr lang="en-US" dirty="0"/>
+              <a:t>Disclosure of target should include </a:t>
+            </a:r>
+            <a:r>
+              <a:rPr lang="en-US" dirty="0">
+                <a:solidFill>
+                  <a:schemeClr val="accent1"/>
+                </a:solidFill>
+              </a:rPr>
+              <a:t>types, indicators, baseline, timeline and connection</a:t>
+            </a:r>
+            <a:r>
+              <a:rPr lang="en-US" dirty="0"/>
+              <a:t> to overall strategy.</a:t>
+            </a:r>
+          </a:p>
+          <a:p>
+            <a:r>
+              <a:rPr lang="en-US" dirty="0">
+                <a:solidFill>
+                  <a:schemeClr val="accent1"/>
+                </a:solidFill>
+                <a:highlight>
+                  <a:srgbClr val="FFFF00"/>
+                </a:highlight>
+              </a:rPr>
+              <a:t>Greenhouse Gas (GHG) Protocol</a:t>
+            </a:r>
+          </a:p>
+          <a:p>
+            <a:pPr lvl="1"/>
+            <a:r>
+              <a:rPr lang="en-US" dirty="0">
+                <a:solidFill>
+                  <a:schemeClr val="accent1"/>
+                </a:solidFill>
+              </a:rPr>
+              <a:t>Scope 1</a:t>
+            </a:r>
+            <a:r>
+              <a:rPr lang="en-US" dirty="0"/>
+              <a:t>: direct emission</a:t>
+            </a:r>
+          </a:p>
+          <a:p>
+            <a:pPr lvl="1"/>
+            <a:r>
+              <a:rPr lang="en-US" dirty="0">
+                <a:solidFill>
+                  <a:schemeClr val="accent1"/>
+                </a:solidFill>
+              </a:rPr>
+              <a:t>Scope 2</a:t>
+            </a:r>
+            <a:r>
+              <a:rPr lang="en-US" dirty="0"/>
+              <a:t>: indirect emission, such as purchased electricity</a:t>
+            </a:r>
+          </a:p>
+          <a:p>
+            <a:pPr lvl="1"/>
+            <a:r>
+              <a:rPr lang="en-US" dirty="0">
+                <a:solidFill>
+                  <a:schemeClr val="accent1"/>
+                </a:solidFill>
+              </a:rPr>
+              <a:t>Scope 3</a:t>
+            </a:r>
+            <a:r>
+              <a:rPr lang="en-US" dirty="0"/>
+              <a:t>: upstream / downstream activities, such as</a:t>
+            </a:r>
+          </a:p>
+          <a:p>
+            <a:pPr lvl="2"/>
+            <a:r>
+              <a:rPr lang="en-US" dirty="0"/>
+              <a:t>The extraction and production of purchased materials and fuels.</a:t>
+            </a:r>
+          </a:p>
+          <a:p>
+            <a:pPr lvl="2"/>
+            <a:r>
+              <a:rPr lang="en-US" dirty="0"/>
+              <a:t>Transport-related activities - third party transport-related activities within its supply chain.</a:t>
+            </a:r>
+          </a:p>
+          <a:p>
+            <a:pPr lvl="2"/>
+            <a:r>
+              <a:rPr lang="en-US" dirty="0"/>
+              <a:t>Any electricity-related activities not included in scope 2.</a:t>
+            </a:r>
+          </a:p>
+          <a:p>
+            <a:pPr lvl="2"/>
+            <a:r>
+              <a:rPr lang="en-US" dirty="0"/>
+              <a:t>Leased assets, franchises, and outsourced activities</a:t>
+            </a:r>
+          </a:p>
+          <a:p>
+            <a:pPr lvl="2"/>
+            <a:r>
+              <a:rPr lang="en-US" dirty="0"/>
+              <a:t>Use of sold products and services by consumers.</a:t>
+            </a:r>
+          </a:p>
+          <a:p>
+            <a:pPr lvl="2"/>
+            <a:r>
+              <a:rPr lang="en-US" dirty="0"/>
+              <a:t>Waste disposal.</a:t>
+            </a:r>
+          </a:p>
+          <a:p>
+            <a:endParaRPr lang="en-US" dirty="0"/>
+          </a:p>
+        </p:txBody>
+      </p:sp>
+    </p:spTree>
+    <p:extLst>
+      <p:ext uri="{BB962C8B-B14F-4D97-AF65-F5344CB8AC3E}">
+        <p14:creationId xmlns:p14="http://schemas.microsoft.com/office/powerpoint/2010/main" val="3426846079"/>
+      </p:ext>
+    </p:extLst>
+  </p:cSld>
+  <p:clrMapOvr>
+    <a:masterClrMapping/>
+  </p:clrMapOvr>
+</p:sld>
+</file>
+
+<file path=ppt/slides/slide33.xml><?xml version="1.0" encoding="utf-8"?>
+<p:sld xmlns:a="http://schemas.openxmlformats.org/drawingml/2006/main" xmlns:r="http://schemas.openxmlformats.org/officeDocument/2006/relationships" xmlns:p="http://schemas.openxmlformats.org/presentationml/2006/main">
+  <p:cSld>
+    <p:spTree>
+      <p:nvGrpSpPr>
+        <p:cNvPr id="1" name=""/>
+        <p:cNvGrpSpPr/>
+        <p:nvPr/>
+      </p:nvGrpSpPr>
+      <p:grpSpPr>
+        <a:xfrm>
+          <a:off x="0" y="0"/>
+          <a:ext cx="0" cy="0"/>
+          <a:chOff x="0" y="0"/>
+          <a:chExt cx="0" cy="0"/>
+        </a:xfrm>
+      </p:grpSpPr>
+      <p:sp>
+        <p:nvSpPr>
+          <p:cNvPr id="2" name="Title 1">
+            <a:extLst>
+              <a:ext uri="{FF2B5EF4-FFF2-40B4-BE49-F238E27FC236}">
+                <a16:creationId xmlns:a16="http://schemas.microsoft.com/office/drawing/2014/main" id="{9BE75482-8AF5-3A23-003E-A2F11B1BA6E9}"/>
+              </a:ext>
+            </a:extLst>
+          </p:cNvPr>
+          <p:cNvSpPr>
+            <a:spLocks noGrp="1"/>
+          </p:cNvSpPr>
+          <p:nvPr>
+            <p:ph type="title"/>
+          </p:nvPr>
+        </p:nvSpPr>
+        <p:spPr>
+          <a:xfrm>
+            <a:off x="176049" y="165430"/>
+            <a:ext cx="11805744" cy="515608"/>
+          </a:xfrm>
+        </p:spPr>
+        <p:txBody>
+          <a:bodyPr>
+            <a:normAutofit fontScale="90000"/>
+          </a:bodyPr>
+          <a:lstStyle/>
+          <a:p>
+            <a:r>
+              <a:rPr lang="en-US" dirty="0"/>
+              <a:t>Metrics and Targets – GHG Protocol Scopes</a:t>
+            </a:r>
+          </a:p>
+        </p:txBody>
+      </p:sp>
+      <p:pic>
+        <p:nvPicPr>
+          <p:cNvPr id="7" name="Picture 6" descr="Diagram&#10;&#10;Description automatically generated">
+            <a:extLst>
+              <a:ext uri="{FF2B5EF4-FFF2-40B4-BE49-F238E27FC236}">
+                <a16:creationId xmlns:a16="http://schemas.microsoft.com/office/drawing/2014/main" id="{25F77A66-46E9-5EB3-4756-7D3D84CD4F6B}"/>
+              </a:ext>
+            </a:extLst>
+          </p:cNvPr>
+          <p:cNvPicPr>
+            <a:picLocks noChangeAspect="1"/>
+          </p:cNvPicPr>
+          <p:nvPr/>
+        </p:nvPicPr>
+        <p:blipFill>
+          <a:blip r:embed="rId2"/>
+          <a:stretch>
+            <a:fillRect/>
+          </a:stretch>
+        </p:blipFill>
+        <p:spPr>
+          <a:xfrm>
+            <a:off x="2192721" y="914400"/>
+            <a:ext cx="7772400" cy="5687848"/>
+          </a:xfrm>
+          <a:prstGeom prst="rect">
+            <a:avLst/>
+          </a:prstGeom>
+        </p:spPr>
+      </p:pic>
+    </p:spTree>
+    <p:extLst>
+      <p:ext uri="{BB962C8B-B14F-4D97-AF65-F5344CB8AC3E}">
+        <p14:creationId xmlns:p14="http://schemas.microsoft.com/office/powerpoint/2010/main" val="3617583884"/>
+      </p:ext>
+    </p:extLst>
+  </p:cSld>
+  <p:clrMapOvr>
+    <a:masterClrMapping/>
+  </p:clrMapOvr>
+</p:sld>
+</file>
+
+<file path=ppt/slides/slide34.xml><?xml version="1.0" encoding="utf-8"?>
+<p:sld xmlns:a="http://schemas.openxmlformats.org/drawingml/2006/main" xmlns:r="http://schemas.openxmlformats.org/officeDocument/2006/relationships" xmlns:p="http://schemas.openxmlformats.org/presentationml/2006/main">
+  <p:cSld>
+    <p:spTree>
+      <p:nvGrpSpPr>
+        <p:cNvPr id="1" name=""/>
+        <p:cNvGrpSpPr/>
+        <p:nvPr/>
+      </p:nvGrpSpPr>
+      <p:grpSpPr>
+        <a:xfrm>
+          <a:off x="0" y="0"/>
+          <a:ext cx="0" cy="0"/>
+          <a:chOff x="0" y="0"/>
+          <a:chExt cx="0" cy="0"/>
+        </a:xfrm>
+      </p:grpSpPr>
+      <p:sp>
+        <p:nvSpPr>
+          <p:cNvPr id="2" name="Title 1">
+            <a:extLst>
+              <a:ext uri="{FF2B5EF4-FFF2-40B4-BE49-F238E27FC236}">
+                <a16:creationId xmlns:a16="http://schemas.microsoft.com/office/drawing/2014/main" id="{9BE75482-8AF5-3A23-003E-A2F11B1BA6E9}"/>
+              </a:ext>
+            </a:extLst>
+          </p:cNvPr>
+          <p:cNvSpPr>
+            <a:spLocks noGrp="1"/>
+          </p:cNvSpPr>
+          <p:nvPr>
+            <p:ph type="title"/>
+          </p:nvPr>
+        </p:nvSpPr>
+        <p:spPr>
+          <a:xfrm>
+            <a:off x="176049" y="165430"/>
+            <a:ext cx="11805744" cy="515608"/>
+          </a:xfrm>
+        </p:spPr>
+        <p:txBody>
+          <a:bodyPr>
+            <a:normAutofit fontScale="90000"/>
+          </a:bodyPr>
+          <a:lstStyle/>
+          <a:p>
+            <a:r>
+              <a:rPr lang="en-US" dirty="0"/>
+              <a:t>Metrics and Targets – Carbon Footprint</a:t>
+            </a:r>
+          </a:p>
+        </p:txBody>
+      </p:sp>
+      <p:sp>
+        <p:nvSpPr>
+          <p:cNvPr id="3" name="Content Placeholder 2">
+            <a:extLst>
+              <a:ext uri="{FF2B5EF4-FFF2-40B4-BE49-F238E27FC236}">
+                <a16:creationId xmlns:a16="http://schemas.microsoft.com/office/drawing/2014/main" id="{7A1FB08F-4171-23BE-F0AD-302986777063}"/>
+              </a:ext>
+            </a:extLst>
+          </p:cNvPr>
+          <p:cNvSpPr>
+            <a:spLocks noGrp="1"/>
+          </p:cNvSpPr>
+          <p:nvPr>
+            <p:ph idx="1"/>
+          </p:nvPr>
+        </p:nvSpPr>
+        <p:spPr>
+          <a:xfrm>
+            <a:off x="176048" y="764080"/>
+            <a:ext cx="11805743" cy="515608"/>
+          </a:xfrm>
+        </p:spPr>
+        <p:txBody>
+          <a:bodyPr/>
+          <a:lstStyle/>
+          <a:p>
+            <a:r>
+              <a:rPr lang="en-US" dirty="0"/>
+              <a:t>Example – Landsec Securities Group PLC</a:t>
+            </a:r>
+          </a:p>
+        </p:txBody>
+      </p:sp>
+      <p:pic>
+        <p:nvPicPr>
+          <p:cNvPr id="5" name="Picture 4" descr="Table&#10;&#10;Description automatically generated">
+            <a:extLst>
+              <a:ext uri="{FF2B5EF4-FFF2-40B4-BE49-F238E27FC236}">
+                <a16:creationId xmlns:a16="http://schemas.microsoft.com/office/drawing/2014/main" id="{D5491B2F-4C3F-4662-C7C4-26BEB3FEE4CC}"/>
+              </a:ext>
+            </a:extLst>
+          </p:cNvPr>
+          <p:cNvPicPr>
+            <a:picLocks noChangeAspect="1"/>
+          </p:cNvPicPr>
+          <p:nvPr/>
+        </p:nvPicPr>
+        <p:blipFill>
+          <a:blip r:embed="rId2"/>
+          <a:stretch>
+            <a:fillRect/>
+          </a:stretch>
+        </p:blipFill>
+        <p:spPr>
+          <a:xfrm>
+            <a:off x="806896" y="1362730"/>
+            <a:ext cx="10578208" cy="5299788"/>
+          </a:xfrm>
+          <a:prstGeom prst="rect">
+            <a:avLst/>
+          </a:prstGeom>
+        </p:spPr>
+      </p:pic>
+    </p:spTree>
+    <p:extLst>
+      <p:ext uri="{BB962C8B-B14F-4D97-AF65-F5344CB8AC3E}">
+        <p14:creationId xmlns:p14="http://schemas.microsoft.com/office/powerpoint/2010/main" val="116363241"/>
+      </p:ext>
+    </p:extLst>
+  </p:cSld>
+  <p:clrMapOvr>
+    <a:masterClrMapping/>
+  </p:clrMapOvr>
+</p:sld>
+</file>
+
+<file path=ppt/slides/slide35.xml><?xml version="1.0" encoding="utf-8"?>
+<p:sld xmlns:a="http://schemas.openxmlformats.org/drawingml/2006/main" xmlns:r="http://schemas.openxmlformats.org/officeDocument/2006/relationships" xmlns:p="http://schemas.openxmlformats.org/presentationml/2006/main">
+  <p:cSld>
+    <p:spTree>
+      <p:nvGrpSpPr>
+        <p:cNvPr id="1" name=""/>
+        <p:cNvGrpSpPr/>
+        <p:nvPr/>
+      </p:nvGrpSpPr>
+      <p:grpSpPr>
+        <a:xfrm>
+          <a:off x="0" y="0"/>
+          <a:ext cx="0" cy="0"/>
+          <a:chOff x="0" y="0"/>
+          <a:chExt cx="0" cy="0"/>
+        </a:xfrm>
+      </p:grpSpPr>
+      <p:sp>
+        <p:nvSpPr>
+          <p:cNvPr id="2" name="Title 1">
+            <a:extLst>
+              <a:ext uri="{FF2B5EF4-FFF2-40B4-BE49-F238E27FC236}">
+                <a16:creationId xmlns:a16="http://schemas.microsoft.com/office/drawing/2014/main" id="{9BE75482-8AF5-3A23-003E-A2F11B1BA6E9}"/>
+              </a:ext>
+            </a:extLst>
+          </p:cNvPr>
+          <p:cNvSpPr>
+            <a:spLocks noGrp="1"/>
+          </p:cNvSpPr>
+          <p:nvPr>
+            <p:ph type="title"/>
+          </p:nvPr>
+        </p:nvSpPr>
+        <p:spPr>
+          <a:xfrm>
+            <a:off x="176049" y="165430"/>
+            <a:ext cx="11805744" cy="515608"/>
+          </a:xfrm>
+        </p:spPr>
+        <p:txBody>
+          <a:bodyPr>
+            <a:normAutofit fontScale="90000"/>
+          </a:bodyPr>
+          <a:lstStyle/>
+          <a:p>
+            <a:r>
+              <a:rPr lang="en-US" dirty="0"/>
+              <a:t>Metrics and Targets – Portfolio Exposure</a:t>
+            </a:r>
+          </a:p>
+        </p:txBody>
+      </p:sp>
+      <p:sp>
+        <p:nvSpPr>
+          <p:cNvPr id="3" name="Content Placeholder 2">
+            <a:extLst>
+              <a:ext uri="{FF2B5EF4-FFF2-40B4-BE49-F238E27FC236}">
+                <a16:creationId xmlns:a16="http://schemas.microsoft.com/office/drawing/2014/main" id="{7A1FB08F-4171-23BE-F0AD-302986777063}"/>
+              </a:ext>
+            </a:extLst>
+          </p:cNvPr>
+          <p:cNvSpPr>
+            <a:spLocks noGrp="1"/>
+          </p:cNvSpPr>
+          <p:nvPr>
+            <p:ph idx="1"/>
+          </p:nvPr>
+        </p:nvSpPr>
+        <p:spPr>
+          <a:xfrm>
+            <a:off x="176048" y="764080"/>
+            <a:ext cx="11805743" cy="865023"/>
+          </a:xfrm>
+        </p:spPr>
+        <p:txBody>
+          <a:bodyPr/>
+          <a:lstStyle/>
+          <a:p>
+            <a:r>
+              <a:rPr lang="en-US" dirty="0"/>
+              <a:t>Asset owners and managers should disclose their </a:t>
+            </a:r>
+            <a:r>
+              <a:rPr lang="en-US" dirty="0">
+                <a:solidFill>
+                  <a:schemeClr val="accent1"/>
+                </a:solidFill>
+              </a:rPr>
+              <a:t>portfolio exposure </a:t>
+            </a:r>
+            <a:r>
+              <a:rPr lang="en-US" dirty="0"/>
+              <a:t>to carbon-intensive companies.</a:t>
+            </a:r>
+          </a:p>
+        </p:txBody>
+      </p:sp>
+      <p:pic>
+        <p:nvPicPr>
+          <p:cNvPr id="5" name="Picture 4" descr="Text&#10;&#10;Description automatically generated">
+            <a:extLst>
+              <a:ext uri="{FF2B5EF4-FFF2-40B4-BE49-F238E27FC236}">
+                <a16:creationId xmlns:a16="http://schemas.microsoft.com/office/drawing/2014/main" id="{3D269931-1ACC-4DD6-78FF-DDF90E634CDA}"/>
+              </a:ext>
+            </a:extLst>
+          </p:cNvPr>
+          <p:cNvPicPr>
+            <a:picLocks noChangeAspect="1"/>
+          </p:cNvPicPr>
+          <p:nvPr/>
+        </p:nvPicPr>
+        <p:blipFill rotWithShape="1">
+          <a:blip r:embed="rId2"/>
+          <a:srcRect b="6118"/>
+          <a:stretch/>
+        </p:blipFill>
+        <p:spPr>
+          <a:xfrm>
+            <a:off x="2079260" y="1616336"/>
+            <a:ext cx="7772400" cy="5241664"/>
+          </a:xfrm>
+          <a:prstGeom prst="rect">
+            <a:avLst/>
+          </a:prstGeom>
+        </p:spPr>
+      </p:pic>
+    </p:spTree>
+    <p:extLst>
+      <p:ext uri="{BB962C8B-B14F-4D97-AF65-F5344CB8AC3E}">
+        <p14:creationId xmlns:p14="http://schemas.microsoft.com/office/powerpoint/2010/main" val="865802525"/>
+      </p:ext>
+    </p:extLst>
+  </p:cSld>
+  <p:clrMapOvr>
+    <a:masterClrMapping/>
+  </p:clrMapOvr>
+</p:sld>
+</file>
+
+<file path=ppt/slides/slide36.xml><?xml version="1.0" encoding="utf-8"?>
+<p:sld xmlns:a="http://schemas.openxmlformats.org/drawingml/2006/main" xmlns:r="http://schemas.openxmlformats.org/officeDocument/2006/relationships" xmlns:p="http://schemas.openxmlformats.org/presentationml/2006/main">
+  <p:cSld>
+    <p:spTree>
+      <p:nvGrpSpPr>
+        <p:cNvPr id="1" name=""/>
+        <p:cNvGrpSpPr/>
+        <p:nvPr/>
+      </p:nvGrpSpPr>
+      <p:grpSpPr>
+        <a:xfrm>
+          <a:off x="0" y="0"/>
+          <a:ext cx="0" cy="0"/>
+          <a:chOff x="0" y="0"/>
+          <a:chExt cx="0" cy="0"/>
+        </a:xfrm>
+      </p:grpSpPr>
+      <p:sp>
+        <p:nvSpPr>
+          <p:cNvPr id="2" name="Title 1">
+            <a:extLst>
+              <a:ext uri="{FF2B5EF4-FFF2-40B4-BE49-F238E27FC236}">
+                <a16:creationId xmlns:a16="http://schemas.microsoft.com/office/drawing/2014/main" id="{9BE75482-8AF5-3A23-003E-A2F11B1BA6E9}"/>
+              </a:ext>
+            </a:extLst>
+          </p:cNvPr>
+          <p:cNvSpPr>
+            <a:spLocks noGrp="1"/>
+          </p:cNvSpPr>
+          <p:nvPr>
+            <p:ph type="title"/>
+          </p:nvPr>
+        </p:nvSpPr>
+        <p:spPr>
+          <a:xfrm>
+            <a:off x="176049" y="165430"/>
+            <a:ext cx="11805744" cy="515608"/>
+          </a:xfrm>
+        </p:spPr>
+        <p:txBody>
+          <a:bodyPr>
+            <a:normAutofit fontScale="90000"/>
+          </a:bodyPr>
+          <a:lstStyle/>
+          <a:p>
+            <a:r>
+              <a:rPr lang="en-US" dirty="0"/>
+              <a:t>Metrics and Targets – Environmental Metrics</a:t>
+            </a:r>
+          </a:p>
+        </p:txBody>
+      </p:sp>
+      <p:sp>
+        <p:nvSpPr>
+          <p:cNvPr id="3" name="Content Placeholder 2">
+            <a:extLst>
+              <a:ext uri="{FF2B5EF4-FFF2-40B4-BE49-F238E27FC236}">
+                <a16:creationId xmlns:a16="http://schemas.microsoft.com/office/drawing/2014/main" id="{7A1FB08F-4171-23BE-F0AD-302986777063}"/>
+              </a:ext>
+            </a:extLst>
+          </p:cNvPr>
+          <p:cNvSpPr>
+            <a:spLocks noGrp="1"/>
+          </p:cNvSpPr>
+          <p:nvPr>
+            <p:ph idx="1"/>
+          </p:nvPr>
+        </p:nvSpPr>
+        <p:spPr>
+          <a:xfrm>
+            <a:off x="176048" y="764080"/>
+            <a:ext cx="11805743" cy="917575"/>
+          </a:xfrm>
+        </p:spPr>
+        <p:txBody>
+          <a:bodyPr/>
+          <a:lstStyle/>
+          <a:p>
+            <a:r>
+              <a:rPr lang="en-US" dirty="0"/>
+              <a:t>Beyond GHG emissions, companies should also disclose metrics on </a:t>
+            </a:r>
+            <a:r>
+              <a:rPr lang="en-US" dirty="0">
+                <a:solidFill>
+                  <a:schemeClr val="accent1"/>
+                </a:solidFill>
+              </a:rPr>
+              <a:t>wider environmental issues</a:t>
+            </a:r>
+            <a:r>
+              <a:rPr lang="en-US" dirty="0"/>
+              <a:t>, such as:</a:t>
+            </a:r>
+          </a:p>
+        </p:txBody>
+      </p:sp>
+      <p:pic>
+        <p:nvPicPr>
+          <p:cNvPr id="5" name="Picture 4" descr="Graphical user interface, text&#10;&#10;Description automatically generated">
+            <a:extLst>
+              <a:ext uri="{FF2B5EF4-FFF2-40B4-BE49-F238E27FC236}">
+                <a16:creationId xmlns:a16="http://schemas.microsoft.com/office/drawing/2014/main" id="{515FC645-2447-E9B7-32D1-267A5DF9B7C5}"/>
+              </a:ext>
+            </a:extLst>
+          </p:cNvPr>
+          <p:cNvPicPr>
+            <a:picLocks noChangeAspect="1"/>
+          </p:cNvPicPr>
+          <p:nvPr/>
+        </p:nvPicPr>
+        <p:blipFill>
+          <a:blip r:embed="rId2"/>
+          <a:stretch>
+            <a:fillRect/>
+          </a:stretch>
+        </p:blipFill>
+        <p:spPr>
+          <a:xfrm>
+            <a:off x="2256219" y="1941020"/>
+            <a:ext cx="7645400" cy="4152900"/>
+          </a:xfrm>
+          <a:prstGeom prst="rect">
+            <a:avLst/>
+          </a:prstGeom>
+        </p:spPr>
+      </p:pic>
+    </p:spTree>
+    <p:extLst>
+      <p:ext uri="{BB962C8B-B14F-4D97-AF65-F5344CB8AC3E}">
+        <p14:creationId xmlns:p14="http://schemas.microsoft.com/office/powerpoint/2010/main" val="1548042541"/>
+      </p:ext>
+    </p:extLst>
+  </p:cSld>
+  <p:clrMapOvr>
+    <a:masterClrMapping/>
+  </p:clrMapOvr>
+</p:sld>
+</file>
+
+<file path=ppt/slides/slide37.xml><?xml version="1.0" encoding="utf-8"?>
+<p:sld xmlns:a="http://schemas.openxmlformats.org/drawingml/2006/main" xmlns:r="http://schemas.openxmlformats.org/officeDocument/2006/relationships" xmlns:p="http://schemas.openxmlformats.org/presentationml/2006/main">
+  <p:cSld>
+    <p:spTree>
+      <p:nvGrpSpPr>
+        <p:cNvPr id="1" name=""/>
+        <p:cNvGrpSpPr/>
+        <p:nvPr/>
+      </p:nvGrpSpPr>
+      <p:grpSpPr>
+        <a:xfrm>
+          <a:off x="0" y="0"/>
+          <a:ext cx="0" cy="0"/>
+          <a:chOff x="0" y="0"/>
+          <a:chExt cx="0" cy="0"/>
+        </a:xfrm>
+      </p:grpSpPr>
+      <p:sp>
+        <p:nvSpPr>
+          <p:cNvPr id="2" name="Title 1">
+            <a:extLst>
+              <a:ext uri="{FF2B5EF4-FFF2-40B4-BE49-F238E27FC236}">
+                <a16:creationId xmlns:a16="http://schemas.microsoft.com/office/drawing/2014/main" id="{9BE75482-8AF5-3A23-003E-A2F11B1BA6E9}"/>
+              </a:ext>
+            </a:extLst>
+          </p:cNvPr>
+          <p:cNvSpPr>
+            <a:spLocks noGrp="1"/>
+          </p:cNvSpPr>
+          <p:nvPr>
+            <p:ph type="title"/>
+          </p:nvPr>
+        </p:nvSpPr>
+        <p:spPr>
+          <a:xfrm>
+            <a:off x="176049" y="165430"/>
+            <a:ext cx="11805744" cy="515608"/>
+          </a:xfrm>
+        </p:spPr>
+        <p:txBody>
+          <a:bodyPr>
+            <a:normAutofit fontScale="90000"/>
+          </a:bodyPr>
+          <a:lstStyle/>
+          <a:p>
+            <a:r>
+              <a:rPr lang="en-US" dirty="0"/>
+              <a:t>Metrics and Targets – Forward-looking</a:t>
+            </a:r>
+          </a:p>
+        </p:txBody>
+      </p:sp>
+      <p:sp>
+        <p:nvSpPr>
+          <p:cNvPr id="3" name="Content Placeholder 2">
+            <a:extLst>
+              <a:ext uri="{FF2B5EF4-FFF2-40B4-BE49-F238E27FC236}">
+                <a16:creationId xmlns:a16="http://schemas.microsoft.com/office/drawing/2014/main" id="{7A1FB08F-4171-23BE-F0AD-302986777063}"/>
+              </a:ext>
+            </a:extLst>
+          </p:cNvPr>
+          <p:cNvSpPr>
+            <a:spLocks noGrp="1"/>
+          </p:cNvSpPr>
+          <p:nvPr>
+            <p:ph idx="1"/>
+          </p:nvPr>
+        </p:nvSpPr>
+        <p:spPr>
+          <a:xfrm>
+            <a:off x="176048" y="764080"/>
+            <a:ext cx="11805743" cy="5928490"/>
+          </a:xfrm>
+        </p:spPr>
+        <p:txBody>
+          <a:bodyPr/>
+          <a:lstStyle/>
+          <a:p>
+            <a:r>
+              <a:rPr lang="en-US" dirty="0"/>
+              <a:t>Forward-looking metrics can help understand future risks, but there are some </a:t>
+            </a:r>
+            <a:r>
+              <a:rPr lang="en-US" dirty="0">
+                <a:solidFill>
+                  <a:schemeClr val="accent1"/>
+                </a:solidFill>
+              </a:rPr>
+              <a:t>challenges</a:t>
+            </a:r>
+            <a:r>
+              <a:rPr lang="en-US" dirty="0"/>
+              <a:t>:</a:t>
+            </a:r>
+          </a:p>
+          <a:p>
+            <a:pPr lvl="1"/>
+            <a:r>
+              <a:rPr lang="en-US" dirty="0"/>
+              <a:t>Lack transparency and comparability</a:t>
+            </a:r>
+          </a:p>
+          <a:p>
+            <a:pPr lvl="1"/>
+            <a:r>
+              <a:rPr lang="en-US" dirty="0"/>
+              <a:t>Reliance on assumptions and future uncertainty</a:t>
+            </a:r>
+          </a:p>
+          <a:p>
+            <a:pPr lvl="1"/>
+            <a:r>
+              <a:rPr lang="en-US" dirty="0"/>
+              <a:t>Complexity of calculation</a:t>
+            </a:r>
+          </a:p>
+          <a:p>
+            <a:pPr lvl="1"/>
+            <a:r>
+              <a:rPr lang="en-US" dirty="0"/>
+              <a:t>Suitability for public disclosure – may be useful in internal decisions but inappropriate for external disclosure</a:t>
+            </a:r>
+          </a:p>
+          <a:p>
+            <a:pPr lvl="1"/>
+            <a:r>
+              <a:rPr lang="en-US" dirty="0"/>
+              <a:t>Lack of reliable emissions data</a:t>
+            </a:r>
+          </a:p>
+          <a:p>
+            <a:r>
+              <a:rPr lang="en-US" dirty="0">
+                <a:solidFill>
+                  <a:schemeClr val="accent1"/>
+                </a:solidFill>
+                <a:highlight>
+                  <a:srgbClr val="FFFF00"/>
+                </a:highlight>
+              </a:rPr>
+              <a:t>Climate Value at Risk (</a:t>
+            </a:r>
+            <a:r>
+              <a:rPr lang="en-US" dirty="0" err="1">
+                <a:solidFill>
+                  <a:schemeClr val="accent1"/>
+                </a:solidFill>
+                <a:highlight>
+                  <a:srgbClr val="FFFF00"/>
+                </a:highlight>
+              </a:rPr>
+              <a:t>VaR</a:t>
+            </a:r>
+            <a:r>
+              <a:rPr lang="en-US" dirty="0">
+                <a:solidFill>
+                  <a:schemeClr val="accent1"/>
+                </a:solidFill>
+                <a:highlight>
+                  <a:srgbClr val="FFFF00"/>
+                </a:highlight>
+              </a:rPr>
+              <a:t>)</a:t>
+            </a:r>
+            <a:r>
+              <a:rPr lang="en-US" dirty="0">
+                <a:solidFill>
+                  <a:schemeClr val="accent1"/>
+                </a:solidFill>
+              </a:rPr>
+              <a:t>:</a:t>
+            </a:r>
+            <a:r>
+              <a:rPr lang="en-US" dirty="0"/>
+              <a:t> future loss to a portfolio attributed to climate-related risks, within a given time horizon and at a particular probability</a:t>
+            </a:r>
+          </a:p>
+          <a:p>
+            <a:r>
+              <a:rPr lang="en-US" dirty="0">
+                <a:solidFill>
+                  <a:schemeClr val="accent1"/>
+                </a:solidFill>
+                <a:highlight>
+                  <a:srgbClr val="FFFF00"/>
+                </a:highlight>
+              </a:rPr>
+              <a:t>Implied Temperature Rise (ITR)</a:t>
+            </a:r>
+            <a:r>
+              <a:rPr lang="en-US" dirty="0"/>
+              <a:t>: Estimating the global temperature rise associated with the GHG emissions of a single company</a:t>
+            </a:r>
+          </a:p>
+          <a:p>
+            <a:r>
+              <a:rPr lang="en-US" dirty="0">
+                <a:highlight>
+                  <a:srgbClr val="FFFF00"/>
+                </a:highlight>
+              </a:rPr>
+              <a:t>TCFD’s consultation paper on Forward-Looking Financial Sector Metrics</a:t>
+            </a:r>
+            <a:r>
+              <a:rPr lang="en-US" dirty="0"/>
+              <a:t>: </a:t>
+            </a:r>
+            <a:r>
+              <a:rPr lang="en-US" dirty="0">
+                <a:hlinkClick r:id="rId2"/>
+              </a:rPr>
+              <a:t>link</a:t>
+            </a:r>
+            <a:endParaRPr lang="en-US" dirty="0"/>
+          </a:p>
+        </p:txBody>
+      </p:sp>
+    </p:spTree>
+    <p:extLst>
+      <p:ext uri="{BB962C8B-B14F-4D97-AF65-F5344CB8AC3E}">
+        <p14:creationId xmlns:p14="http://schemas.microsoft.com/office/powerpoint/2010/main" val="2935207060"/>
+      </p:ext>
+    </p:extLst>
+  </p:cSld>
+  <p:clrMapOvr>
+    <a:masterClrMapping/>
+  </p:clrMapOvr>
+</p:sld>
+</file>
+
+<file path=ppt/slides/slide38.xml><?xml version="1.0" encoding="utf-8"?>
+<p:sld xmlns:a="http://schemas.openxmlformats.org/drawingml/2006/main" xmlns:r="http://schemas.openxmlformats.org/officeDocument/2006/relationships" xmlns:p="http://schemas.openxmlformats.org/presentationml/2006/main">
+  <p:cSld>
+    <p:spTree>
+      <p:nvGrpSpPr>
+        <p:cNvPr id="1" name=""/>
+        <p:cNvGrpSpPr/>
+        <p:nvPr/>
+      </p:nvGrpSpPr>
+      <p:grpSpPr>
+        <a:xfrm>
+          <a:off x="0" y="0"/>
+          <a:ext cx="0" cy="0"/>
+          <a:chOff x="0" y="0"/>
+          <a:chExt cx="0" cy="0"/>
+        </a:xfrm>
+      </p:grpSpPr>
+      <p:sp>
+        <p:nvSpPr>
+          <p:cNvPr id="2" name="Title 1">
+            <a:extLst>
+              <a:ext uri="{FF2B5EF4-FFF2-40B4-BE49-F238E27FC236}">
+                <a16:creationId xmlns:a16="http://schemas.microsoft.com/office/drawing/2014/main" id="{37FF8D3B-D6C2-7C94-C08F-1BC8C54F9BAF}"/>
+              </a:ext>
+            </a:extLst>
+          </p:cNvPr>
+          <p:cNvSpPr>
+            <a:spLocks noGrp="1"/>
+          </p:cNvSpPr>
+          <p:nvPr>
+            <p:ph type="ctrTitle"/>
+          </p:nvPr>
+        </p:nvSpPr>
+        <p:spPr/>
+        <p:txBody>
+          <a:bodyPr>
+            <a:normAutofit/>
+          </a:bodyPr>
+          <a:lstStyle/>
+          <a:p>
+            <a:r>
+              <a:rPr lang="en-US" dirty="0"/>
+              <a:t>Climate-Related Financial Disclosures</a:t>
+            </a:r>
+          </a:p>
+        </p:txBody>
+      </p:sp>
+      <p:sp>
+        <p:nvSpPr>
+          <p:cNvPr id="3" name="Subtitle 2">
+            <a:extLst>
+              <a:ext uri="{FF2B5EF4-FFF2-40B4-BE49-F238E27FC236}">
+                <a16:creationId xmlns:a16="http://schemas.microsoft.com/office/drawing/2014/main" id="{39B2E270-BE53-C01C-1FC8-CFB240D1B7A2}"/>
+              </a:ext>
+            </a:extLst>
+          </p:cNvPr>
+          <p:cNvSpPr>
+            <a:spLocks noGrp="1"/>
+          </p:cNvSpPr>
+          <p:nvPr>
+            <p:ph type="subTitle" idx="1"/>
+          </p:nvPr>
+        </p:nvSpPr>
+        <p:spPr/>
+        <p:txBody>
+          <a:bodyPr>
+            <a:normAutofit lnSpcReduction="10000"/>
+          </a:bodyPr>
+          <a:lstStyle/>
+          <a:p>
+            <a:endParaRPr lang="en-US" dirty="0"/>
+          </a:p>
+          <a:p>
+            <a:r>
+              <a:rPr lang="en-US" dirty="0"/>
+              <a:t>Interconnected and Integrated Reporting</a:t>
+            </a:r>
+          </a:p>
+          <a:p>
+            <a:endParaRPr lang="en-US" dirty="0"/>
+          </a:p>
+          <a:p>
+            <a:r>
+              <a:rPr lang="en-US" dirty="0"/>
+              <a:t>Dec 2022</a:t>
+            </a:r>
+          </a:p>
+        </p:txBody>
+      </p:sp>
+    </p:spTree>
+    <p:extLst>
+      <p:ext uri="{BB962C8B-B14F-4D97-AF65-F5344CB8AC3E}">
+        <p14:creationId xmlns:p14="http://schemas.microsoft.com/office/powerpoint/2010/main" val="2424808007"/>
+      </p:ext>
+    </p:extLst>
+  </p:cSld>
+  <p:clrMapOvr>
+    <a:masterClrMapping/>
+  </p:clrMapOvr>
+</p:sld>
+</file>
+
+<file path=ppt/slides/slide39.xml><?xml version="1.0" encoding="utf-8"?>
+<p:sld xmlns:a="http://schemas.openxmlformats.org/drawingml/2006/main" xmlns:r="http://schemas.openxmlformats.org/officeDocument/2006/relationships" xmlns:p="http://schemas.openxmlformats.org/presentationml/2006/main">
+  <p:cSld>
+    <p:spTree>
+      <p:nvGrpSpPr>
+        <p:cNvPr id="1" name=""/>
+        <p:cNvGrpSpPr/>
+        <p:nvPr/>
+      </p:nvGrpSpPr>
+      <p:grpSpPr>
+        <a:xfrm>
+          <a:off x="0" y="0"/>
+          <a:ext cx="0" cy="0"/>
+          <a:chOff x="0" y="0"/>
+          <a:chExt cx="0" cy="0"/>
+        </a:xfrm>
+      </p:grpSpPr>
+      <p:sp>
+        <p:nvSpPr>
+          <p:cNvPr id="2" name="Title 1">
+            <a:extLst>
+              <a:ext uri="{FF2B5EF4-FFF2-40B4-BE49-F238E27FC236}">
+                <a16:creationId xmlns:a16="http://schemas.microsoft.com/office/drawing/2014/main" id="{9BE75482-8AF5-3A23-003E-A2F11B1BA6E9}"/>
+              </a:ext>
+            </a:extLst>
+          </p:cNvPr>
+          <p:cNvSpPr>
+            <a:spLocks noGrp="1"/>
+          </p:cNvSpPr>
+          <p:nvPr>
+            <p:ph type="title"/>
+          </p:nvPr>
+        </p:nvSpPr>
+        <p:spPr>
+          <a:xfrm>
+            <a:off x="176049" y="165430"/>
+            <a:ext cx="11805744" cy="515608"/>
+          </a:xfrm>
+        </p:spPr>
+        <p:txBody>
+          <a:bodyPr>
+            <a:normAutofit fontScale="90000"/>
+          </a:bodyPr>
+          <a:lstStyle/>
+          <a:p>
+            <a:r>
+              <a:rPr lang="en-US" dirty="0"/>
+              <a:t>Interconnected Disclosure</a:t>
+            </a:r>
+          </a:p>
+        </p:txBody>
+      </p:sp>
+      <p:sp>
+        <p:nvSpPr>
+          <p:cNvPr id="3" name="Content Placeholder 2">
+            <a:extLst>
+              <a:ext uri="{FF2B5EF4-FFF2-40B4-BE49-F238E27FC236}">
+                <a16:creationId xmlns:a16="http://schemas.microsoft.com/office/drawing/2014/main" id="{7A1FB08F-4171-23BE-F0AD-302986777063}"/>
+              </a:ext>
+            </a:extLst>
+          </p:cNvPr>
+          <p:cNvSpPr>
+            <a:spLocks noGrp="1"/>
+          </p:cNvSpPr>
+          <p:nvPr>
+            <p:ph idx="1"/>
+          </p:nvPr>
+        </p:nvSpPr>
+        <p:spPr>
+          <a:xfrm>
+            <a:off x="176048" y="764080"/>
+            <a:ext cx="11805743" cy="5928490"/>
+          </a:xfrm>
+        </p:spPr>
+        <p:txBody>
+          <a:bodyPr/>
+          <a:lstStyle/>
+          <a:p>
+            <a:r>
+              <a:rPr lang="en-US" dirty="0"/>
+              <a:t>The disclosure elements should be interconnected</a:t>
+            </a:r>
+          </a:p>
+          <a:p>
+            <a:pPr lvl="1"/>
+            <a:r>
+              <a:rPr lang="en-US" dirty="0"/>
+              <a:t>To provide a holistic picture of the factors and relationships that </a:t>
+            </a:r>
+            <a:br>
+              <a:rPr lang="en-US" dirty="0"/>
+            </a:br>
+            <a:r>
+              <a:rPr lang="en-US" dirty="0"/>
+              <a:t>affect the company’s ability to create value and manage climate-</a:t>
+            </a:r>
+            <a:br>
+              <a:rPr lang="en-US" dirty="0"/>
+            </a:br>
+            <a:r>
+              <a:rPr lang="en-US" dirty="0"/>
+              <a:t>related issues</a:t>
+            </a:r>
+          </a:p>
+          <a:p>
+            <a:r>
+              <a:rPr lang="en-US" dirty="0">
+                <a:solidFill>
+                  <a:schemeClr val="accent1"/>
+                </a:solidFill>
+                <a:highlight>
+                  <a:srgbClr val="FFFF00"/>
+                </a:highlight>
+              </a:rPr>
+              <a:t>Assessing Low Carbon Transition (ACT)</a:t>
+            </a:r>
+            <a:r>
+              <a:rPr lang="en-US" dirty="0">
+                <a:solidFill>
+                  <a:schemeClr val="accent1"/>
+                </a:solidFill>
+              </a:rPr>
+              <a:t>:</a:t>
+            </a:r>
+            <a:r>
+              <a:rPr lang="en-US" dirty="0"/>
+              <a:t> </a:t>
+            </a:r>
+            <a:r>
+              <a:rPr lang="en-US" dirty="0">
+                <a:hlinkClick r:id="rId2"/>
+              </a:rPr>
+              <a:t>link</a:t>
+            </a:r>
+            <a:endParaRPr lang="en-US" dirty="0"/>
+          </a:p>
+          <a:p>
+            <a:pPr lvl="1"/>
+            <a:r>
+              <a:rPr lang="en-US" dirty="0"/>
+              <a:t>ACT assess companies’ plan and performance to ensure they are </a:t>
+            </a:r>
+            <a:br>
+              <a:rPr lang="en-US" dirty="0"/>
+            </a:br>
+            <a:r>
+              <a:rPr lang="en-US" dirty="0"/>
+              <a:t>on a well-below 2°C compatible pathway and aligned to a low carbon transition</a:t>
+            </a:r>
+          </a:p>
+          <a:p>
+            <a:pPr lvl="1"/>
+            <a:r>
+              <a:rPr lang="en-US" dirty="0"/>
+              <a:t>ACT ratings</a:t>
+            </a:r>
+          </a:p>
+        </p:txBody>
+      </p:sp>
+      <p:pic>
+        <p:nvPicPr>
+          <p:cNvPr id="4" name="Picture 3" descr="A picture containing text, electronics&#10;&#10;Description automatically generated">
+            <a:extLst>
+              <a:ext uri="{FF2B5EF4-FFF2-40B4-BE49-F238E27FC236}">
+                <a16:creationId xmlns:a16="http://schemas.microsoft.com/office/drawing/2014/main" id="{31E168A9-D6D3-A0E0-C894-456B12EC4059}"/>
+              </a:ext>
+            </a:extLst>
+          </p:cNvPr>
+          <p:cNvPicPr>
+            <a:picLocks noChangeAspect="1"/>
+          </p:cNvPicPr>
+          <p:nvPr/>
+        </p:nvPicPr>
+        <p:blipFill rotWithShape="1">
+          <a:blip r:embed="rId3"/>
+          <a:srcRect r="2365"/>
+          <a:stretch/>
+        </p:blipFill>
+        <p:spPr>
+          <a:xfrm>
+            <a:off x="9021451" y="0"/>
+            <a:ext cx="3170549" cy="3026979"/>
+          </a:xfrm>
+          <a:prstGeom prst="rect">
+            <a:avLst/>
+          </a:prstGeom>
+        </p:spPr>
+      </p:pic>
+      <p:pic>
+        <p:nvPicPr>
+          <p:cNvPr id="6" name="Picture 5" descr="Diagram, text&#10;&#10;Description automatically generated">
+            <a:extLst>
+              <a:ext uri="{FF2B5EF4-FFF2-40B4-BE49-F238E27FC236}">
+                <a16:creationId xmlns:a16="http://schemas.microsoft.com/office/drawing/2014/main" id="{25A6C20C-B008-AD3D-D447-05498D770944}"/>
+              </a:ext>
+            </a:extLst>
+          </p:cNvPr>
+          <p:cNvPicPr>
+            <a:picLocks noChangeAspect="1"/>
+          </p:cNvPicPr>
+          <p:nvPr/>
+        </p:nvPicPr>
+        <p:blipFill>
+          <a:blip r:embed="rId4"/>
+          <a:stretch>
+            <a:fillRect/>
+          </a:stretch>
+        </p:blipFill>
+        <p:spPr>
+          <a:xfrm>
+            <a:off x="1934308" y="4158444"/>
+            <a:ext cx="7772400" cy="1805245"/>
+          </a:xfrm>
+          <a:prstGeom prst="rect">
+            <a:avLst/>
+          </a:prstGeom>
+        </p:spPr>
+      </p:pic>
+    </p:spTree>
+    <p:extLst>
+      <p:ext uri="{BB962C8B-B14F-4D97-AF65-F5344CB8AC3E}">
+        <p14:creationId xmlns:p14="http://schemas.microsoft.com/office/powerpoint/2010/main" val="3556305057"/>
+      </p:ext>
+    </p:extLst>
+  </p:cSld>
+  <p:clrMapOvr>
+    <a:masterClrMapping/>
+  </p:clrMapOvr>
+</p:sld>
+</file>
+
 <file path=ppt/slides/slide4.xml><?xml version="1.0" encoding="utf-8"?>
 <p:sld xmlns:a="http://schemas.openxmlformats.org/drawingml/2006/main" xmlns:r="http://schemas.openxmlformats.org/officeDocument/2006/relationships" xmlns:p="http://schemas.openxmlformats.org/presentationml/2006/main">
   <p:cSld>
@@ -8130,6 +10221,827 @@
     <p:extLst>
       <p:ext uri="{BB962C8B-B14F-4D97-AF65-F5344CB8AC3E}">
         <p14:creationId xmlns:p14="http://schemas.microsoft.com/office/powerpoint/2010/main" val="1480612617"/>
+      </p:ext>
+    </p:extLst>
+  </p:cSld>
+  <p:clrMapOvr>
+    <a:masterClrMapping/>
+  </p:clrMapOvr>
+</p:sld>
+</file>
+
+<file path=ppt/slides/slide40.xml><?xml version="1.0" encoding="utf-8"?>
+<p:sld xmlns:a="http://schemas.openxmlformats.org/drawingml/2006/main" xmlns:r="http://schemas.openxmlformats.org/officeDocument/2006/relationships" xmlns:p="http://schemas.openxmlformats.org/presentationml/2006/main">
+  <p:cSld>
+    <p:spTree>
+      <p:nvGrpSpPr>
+        <p:cNvPr id="1" name=""/>
+        <p:cNvGrpSpPr/>
+        <p:nvPr/>
+      </p:nvGrpSpPr>
+      <p:grpSpPr>
+        <a:xfrm>
+          <a:off x="0" y="0"/>
+          <a:ext cx="0" cy="0"/>
+          <a:chOff x="0" y="0"/>
+          <a:chExt cx="0" cy="0"/>
+        </a:xfrm>
+      </p:grpSpPr>
+      <p:sp>
+        <p:nvSpPr>
+          <p:cNvPr id="2" name="Title 1">
+            <a:extLst>
+              <a:ext uri="{FF2B5EF4-FFF2-40B4-BE49-F238E27FC236}">
+                <a16:creationId xmlns:a16="http://schemas.microsoft.com/office/drawing/2014/main" id="{9BE75482-8AF5-3A23-003E-A2F11B1BA6E9}"/>
+              </a:ext>
+            </a:extLst>
+          </p:cNvPr>
+          <p:cNvSpPr>
+            <a:spLocks noGrp="1"/>
+          </p:cNvSpPr>
+          <p:nvPr>
+            <p:ph type="title"/>
+          </p:nvPr>
+        </p:nvSpPr>
+        <p:spPr>
+          <a:xfrm>
+            <a:off x="176049" y="165430"/>
+            <a:ext cx="11805744" cy="515608"/>
+          </a:xfrm>
+        </p:spPr>
+        <p:txBody>
+          <a:bodyPr>
+            <a:normAutofit fontScale="90000"/>
+          </a:bodyPr>
+          <a:lstStyle/>
+          <a:p>
+            <a:r>
+              <a:rPr lang="en-US" dirty="0"/>
+              <a:t>Integrated Thinking and Reporting</a:t>
+            </a:r>
+          </a:p>
+        </p:txBody>
+      </p:sp>
+      <p:sp>
+        <p:nvSpPr>
+          <p:cNvPr id="3" name="Content Placeholder 2">
+            <a:extLst>
+              <a:ext uri="{FF2B5EF4-FFF2-40B4-BE49-F238E27FC236}">
+                <a16:creationId xmlns:a16="http://schemas.microsoft.com/office/drawing/2014/main" id="{7A1FB08F-4171-23BE-F0AD-302986777063}"/>
+              </a:ext>
+            </a:extLst>
+          </p:cNvPr>
+          <p:cNvSpPr>
+            <a:spLocks noGrp="1"/>
+          </p:cNvSpPr>
+          <p:nvPr>
+            <p:ph idx="1"/>
+          </p:nvPr>
+        </p:nvSpPr>
+        <p:spPr>
+          <a:xfrm>
+            <a:off x="176048" y="764080"/>
+            <a:ext cx="11805743" cy="5928490"/>
+          </a:xfrm>
+        </p:spPr>
+        <p:txBody>
+          <a:bodyPr/>
+          <a:lstStyle/>
+          <a:p>
+            <a:r>
+              <a:rPr lang="en-US" dirty="0">
+                <a:solidFill>
+                  <a:schemeClr val="accent1"/>
+                </a:solidFill>
+              </a:rPr>
+              <a:t>Integrated Thinking </a:t>
+            </a:r>
+            <a:r>
+              <a:rPr lang="en-US" dirty="0"/>
+              <a:t>encourages companies to draw out connections and relationships across</a:t>
+            </a:r>
+          </a:p>
+          <a:p>
+            <a:pPr lvl="1"/>
+            <a:r>
+              <a:rPr lang="en-US" dirty="0"/>
+              <a:t>business areas (e.g., finance and sustainability)</a:t>
+            </a:r>
+          </a:p>
+          <a:p>
+            <a:pPr lvl="1"/>
+            <a:r>
+              <a:rPr lang="en-US" dirty="0"/>
+              <a:t>subject matters (e.g., product development and stakeholder relationships)</a:t>
+            </a:r>
+          </a:p>
+          <a:p>
+            <a:pPr lvl="1"/>
+            <a:r>
+              <a:rPr lang="en-US" dirty="0"/>
+              <a:t>geographies (e.g., sites of resource extraction and product sale)</a:t>
+            </a:r>
+          </a:p>
+          <a:p>
+            <a:pPr lvl="1"/>
+            <a:r>
+              <a:rPr lang="en-US" dirty="0"/>
+              <a:t>timescales (e.g., historical performance and long-term targets)</a:t>
+            </a:r>
+          </a:p>
+          <a:p>
+            <a:r>
+              <a:rPr lang="en-US" dirty="0">
+                <a:solidFill>
+                  <a:schemeClr val="accent1"/>
+                </a:solidFill>
+              </a:rPr>
+              <a:t>Integrated Reporting </a:t>
+            </a:r>
+            <a:r>
+              <a:rPr lang="en-US" dirty="0"/>
+              <a:t>encourage companies to</a:t>
+            </a:r>
+          </a:p>
+          <a:p>
+            <a:pPr lvl="1"/>
+            <a:r>
+              <a:rPr lang="en-US" dirty="0"/>
+              <a:t>present a holistic understanding of business operations</a:t>
+            </a:r>
+          </a:p>
+          <a:p>
+            <a:pPr lvl="1"/>
+            <a:r>
+              <a:rPr lang="en-US" dirty="0"/>
+              <a:t>to understand and account for their value creation in the short, medium and long-term</a:t>
+            </a:r>
+          </a:p>
+          <a:p>
+            <a:endParaRPr lang="en-US" dirty="0"/>
+          </a:p>
+        </p:txBody>
+      </p:sp>
+    </p:spTree>
+    <p:extLst>
+      <p:ext uri="{BB962C8B-B14F-4D97-AF65-F5344CB8AC3E}">
+        <p14:creationId xmlns:p14="http://schemas.microsoft.com/office/powerpoint/2010/main" val="740901600"/>
+      </p:ext>
+    </p:extLst>
+  </p:cSld>
+  <p:clrMapOvr>
+    <a:masterClrMapping/>
+  </p:clrMapOvr>
+</p:sld>
+</file>
+
+<file path=ppt/slides/slide41.xml><?xml version="1.0" encoding="utf-8"?>
+<p:sld xmlns:a="http://schemas.openxmlformats.org/drawingml/2006/main" xmlns:r="http://schemas.openxmlformats.org/officeDocument/2006/relationships" xmlns:p="http://schemas.openxmlformats.org/presentationml/2006/main">
+  <p:cSld>
+    <p:spTree>
+      <p:nvGrpSpPr>
+        <p:cNvPr id="1" name=""/>
+        <p:cNvGrpSpPr/>
+        <p:nvPr/>
+      </p:nvGrpSpPr>
+      <p:grpSpPr>
+        <a:xfrm>
+          <a:off x="0" y="0"/>
+          <a:ext cx="0" cy="0"/>
+          <a:chOff x="0" y="0"/>
+          <a:chExt cx="0" cy="0"/>
+        </a:xfrm>
+      </p:grpSpPr>
+      <p:sp>
+        <p:nvSpPr>
+          <p:cNvPr id="2" name="Title 1">
+            <a:extLst>
+              <a:ext uri="{FF2B5EF4-FFF2-40B4-BE49-F238E27FC236}">
+                <a16:creationId xmlns:a16="http://schemas.microsoft.com/office/drawing/2014/main" id="{9BE75482-8AF5-3A23-003E-A2F11B1BA6E9}"/>
+              </a:ext>
+            </a:extLst>
+          </p:cNvPr>
+          <p:cNvSpPr>
+            <a:spLocks noGrp="1"/>
+          </p:cNvSpPr>
+          <p:nvPr>
+            <p:ph type="title"/>
+          </p:nvPr>
+        </p:nvSpPr>
+        <p:spPr>
+          <a:xfrm>
+            <a:off x="176049" y="165430"/>
+            <a:ext cx="11805744" cy="515608"/>
+          </a:xfrm>
+        </p:spPr>
+        <p:txBody>
+          <a:bodyPr>
+            <a:normAutofit fontScale="90000"/>
+          </a:bodyPr>
+          <a:lstStyle/>
+          <a:p>
+            <a:r>
+              <a:rPr lang="en-US" dirty="0"/>
+              <a:t>Dynamic Materiality</a:t>
+            </a:r>
+          </a:p>
+        </p:txBody>
+      </p:sp>
+      <p:sp>
+        <p:nvSpPr>
+          <p:cNvPr id="3" name="Content Placeholder 2">
+            <a:extLst>
+              <a:ext uri="{FF2B5EF4-FFF2-40B4-BE49-F238E27FC236}">
+                <a16:creationId xmlns:a16="http://schemas.microsoft.com/office/drawing/2014/main" id="{7A1FB08F-4171-23BE-F0AD-302986777063}"/>
+              </a:ext>
+            </a:extLst>
+          </p:cNvPr>
+          <p:cNvSpPr>
+            <a:spLocks noGrp="1"/>
+          </p:cNvSpPr>
+          <p:nvPr>
+            <p:ph idx="1"/>
+          </p:nvPr>
+        </p:nvSpPr>
+        <p:spPr>
+          <a:xfrm>
+            <a:off x="176048" y="764080"/>
+            <a:ext cx="11805743" cy="5928490"/>
+          </a:xfrm>
+        </p:spPr>
+        <p:txBody>
+          <a:bodyPr/>
+          <a:lstStyle/>
+          <a:p>
+            <a:r>
+              <a:rPr lang="en-US" dirty="0"/>
+              <a:t>Different reports have different </a:t>
+            </a:r>
+            <a:r>
+              <a:rPr lang="en-US" dirty="0">
+                <a:solidFill>
+                  <a:schemeClr val="accent1"/>
+                </a:solidFill>
+              </a:rPr>
+              <a:t>materiality lenses</a:t>
+            </a:r>
+          </a:p>
+          <a:p>
+            <a:pPr lvl="1"/>
+            <a:r>
+              <a:rPr lang="en-US" dirty="0"/>
+              <a:t>Sustainability reports: impact-focused</a:t>
+            </a:r>
+          </a:p>
+          <a:p>
+            <a:pPr lvl="1"/>
+            <a:r>
+              <a:rPr lang="en-US" dirty="0"/>
+              <a:t>Mainstream reports: financial materiality to determine what sustainability issues to disclose</a:t>
+            </a:r>
+          </a:p>
+          <a:p>
+            <a:r>
+              <a:rPr lang="en-US" dirty="0"/>
+              <a:t>Materiality can be </a:t>
+            </a:r>
+            <a:r>
+              <a:rPr lang="en-US" dirty="0">
+                <a:solidFill>
+                  <a:schemeClr val="accent1"/>
+                </a:solidFill>
+              </a:rPr>
+              <a:t>dynamic</a:t>
+            </a:r>
+            <a:r>
+              <a:rPr lang="en-US" dirty="0"/>
+              <a:t>, because it took developing knowledge for climate to be understood as posing material financial risks and opportunities.</a:t>
+            </a:r>
+          </a:p>
+          <a:p>
+            <a:pPr lvl="1"/>
+            <a:r>
+              <a:rPr lang="en-US" dirty="0"/>
+              <a:t>As a result, companies need to keep abreast of potential changes regularly.</a:t>
+            </a:r>
+          </a:p>
+          <a:p>
+            <a:pPr lvl="1"/>
+            <a:endParaRPr lang="en-US" dirty="0"/>
+          </a:p>
+        </p:txBody>
+      </p:sp>
+    </p:spTree>
+    <p:extLst>
+      <p:ext uri="{BB962C8B-B14F-4D97-AF65-F5344CB8AC3E}">
+        <p14:creationId xmlns:p14="http://schemas.microsoft.com/office/powerpoint/2010/main" val="2842575971"/>
+      </p:ext>
+    </p:extLst>
+  </p:cSld>
+  <p:clrMapOvr>
+    <a:masterClrMapping/>
+  </p:clrMapOvr>
+</p:sld>
+</file>
+
+<file path=ppt/slides/slide42.xml><?xml version="1.0" encoding="utf-8"?>
+<p:sld xmlns:a="http://schemas.openxmlformats.org/drawingml/2006/main" xmlns:r="http://schemas.openxmlformats.org/officeDocument/2006/relationships" xmlns:p="http://schemas.openxmlformats.org/presentationml/2006/main">
+  <p:cSld>
+    <p:spTree>
+      <p:nvGrpSpPr>
+        <p:cNvPr id="1" name=""/>
+        <p:cNvGrpSpPr/>
+        <p:nvPr/>
+      </p:nvGrpSpPr>
+      <p:grpSpPr>
+        <a:xfrm>
+          <a:off x="0" y="0"/>
+          <a:ext cx="0" cy="0"/>
+          <a:chOff x="0" y="0"/>
+          <a:chExt cx="0" cy="0"/>
+        </a:xfrm>
+      </p:grpSpPr>
+      <p:sp>
+        <p:nvSpPr>
+          <p:cNvPr id="2" name="Title 1">
+            <a:extLst>
+              <a:ext uri="{FF2B5EF4-FFF2-40B4-BE49-F238E27FC236}">
+                <a16:creationId xmlns:a16="http://schemas.microsoft.com/office/drawing/2014/main" id="{9BE75482-8AF5-3A23-003E-A2F11B1BA6E9}"/>
+              </a:ext>
+            </a:extLst>
+          </p:cNvPr>
+          <p:cNvSpPr>
+            <a:spLocks noGrp="1"/>
+          </p:cNvSpPr>
+          <p:nvPr>
+            <p:ph type="title"/>
+          </p:nvPr>
+        </p:nvSpPr>
+        <p:spPr>
+          <a:xfrm>
+            <a:off x="176049" y="165430"/>
+            <a:ext cx="11805744" cy="515608"/>
+          </a:xfrm>
+        </p:spPr>
+        <p:txBody>
+          <a:bodyPr>
+            <a:noAutofit/>
+          </a:bodyPr>
+          <a:lstStyle/>
+          <a:p>
+            <a:r>
+              <a:rPr lang="en-US" sz="3200" dirty="0"/>
+              <a:t>System Thinking – Connect Climate and Wider Sustainability Issues</a:t>
+            </a:r>
+          </a:p>
+        </p:txBody>
+      </p:sp>
+      <p:sp>
+        <p:nvSpPr>
+          <p:cNvPr id="3" name="Content Placeholder 2">
+            <a:extLst>
+              <a:ext uri="{FF2B5EF4-FFF2-40B4-BE49-F238E27FC236}">
+                <a16:creationId xmlns:a16="http://schemas.microsoft.com/office/drawing/2014/main" id="{7A1FB08F-4171-23BE-F0AD-302986777063}"/>
+              </a:ext>
+            </a:extLst>
+          </p:cNvPr>
+          <p:cNvSpPr>
+            <a:spLocks noGrp="1"/>
+          </p:cNvSpPr>
+          <p:nvPr>
+            <p:ph idx="1"/>
+          </p:nvPr>
+        </p:nvSpPr>
+        <p:spPr>
+          <a:xfrm>
+            <a:off x="176048" y="764080"/>
+            <a:ext cx="11805743" cy="5928490"/>
+          </a:xfrm>
+        </p:spPr>
+        <p:txBody>
+          <a:bodyPr/>
+          <a:lstStyle/>
+          <a:p>
+            <a:r>
+              <a:rPr lang="en-US" dirty="0">
+                <a:solidFill>
+                  <a:schemeClr val="accent1"/>
+                </a:solidFill>
+              </a:rPr>
+              <a:t>System Thinking </a:t>
+            </a:r>
+            <a:r>
+              <a:rPr lang="en-US" dirty="0"/>
+              <a:t>offers companies a means of embedding climate system with </a:t>
+            </a:r>
+            <a:r>
+              <a:rPr lang="en-US" dirty="0">
+                <a:solidFill>
+                  <a:schemeClr val="accent1"/>
+                </a:solidFill>
+              </a:rPr>
+              <a:t>other environmental and human systems</a:t>
+            </a:r>
+            <a:r>
+              <a:rPr lang="en-US" dirty="0"/>
+              <a:t>.</a:t>
+            </a:r>
+          </a:p>
+          <a:p>
+            <a:r>
+              <a:rPr lang="en-US" dirty="0"/>
+              <a:t>System Thinking goes beyond environmental systems and geographic boundaries.</a:t>
+            </a:r>
+          </a:p>
+          <a:p>
+            <a:r>
+              <a:rPr lang="en-US" dirty="0"/>
+              <a:t>Findings from system thinking and subsequent actions should be integrated with the existing reporting practices.</a:t>
+            </a:r>
+          </a:p>
+          <a:p>
+            <a:endParaRPr lang="en-US" dirty="0"/>
+          </a:p>
+        </p:txBody>
+      </p:sp>
+    </p:spTree>
+    <p:extLst>
+      <p:ext uri="{BB962C8B-B14F-4D97-AF65-F5344CB8AC3E}">
+        <p14:creationId xmlns:p14="http://schemas.microsoft.com/office/powerpoint/2010/main" val="694810515"/>
+      </p:ext>
+    </p:extLst>
+  </p:cSld>
+  <p:clrMapOvr>
+    <a:masterClrMapping/>
+  </p:clrMapOvr>
+</p:sld>
+</file>
+
+<file path=ppt/slides/slide43.xml><?xml version="1.0" encoding="utf-8"?>
+<p:sld xmlns:a="http://schemas.openxmlformats.org/drawingml/2006/main" xmlns:r="http://schemas.openxmlformats.org/officeDocument/2006/relationships" xmlns:p="http://schemas.openxmlformats.org/presentationml/2006/main">
+  <p:cSld>
+    <p:spTree>
+      <p:nvGrpSpPr>
+        <p:cNvPr id="1" name=""/>
+        <p:cNvGrpSpPr/>
+        <p:nvPr/>
+      </p:nvGrpSpPr>
+      <p:grpSpPr>
+        <a:xfrm>
+          <a:off x="0" y="0"/>
+          <a:ext cx="0" cy="0"/>
+          <a:chOff x="0" y="0"/>
+          <a:chExt cx="0" cy="0"/>
+        </a:xfrm>
+      </p:grpSpPr>
+      <p:sp>
+        <p:nvSpPr>
+          <p:cNvPr id="2" name="Title 1">
+            <a:extLst>
+              <a:ext uri="{FF2B5EF4-FFF2-40B4-BE49-F238E27FC236}">
+                <a16:creationId xmlns:a16="http://schemas.microsoft.com/office/drawing/2014/main" id="{9BE75482-8AF5-3A23-003E-A2F11B1BA6E9}"/>
+              </a:ext>
+            </a:extLst>
+          </p:cNvPr>
+          <p:cNvSpPr>
+            <a:spLocks noGrp="1"/>
+          </p:cNvSpPr>
+          <p:nvPr>
+            <p:ph type="title"/>
+          </p:nvPr>
+        </p:nvSpPr>
+        <p:spPr>
+          <a:xfrm>
+            <a:off x="176049" y="165430"/>
+            <a:ext cx="11805744" cy="515608"/>
+          </a:xfrm>
+        </p:spPr>
+        <p:txBody>
+          <a:bodyPr>
+            <a:normAutofit fontScale="90000"/>
+          </a:bodyPr>
+          <a:lstStyle/>
+          <a:p>
+            <a:r>
+              <a:rPr lang="en-US" dirty="0"/>
+              <a:t>Role of Accountant</a:t>
+            </a:r>
+          </a:p>
+        </p:txBody>
+      </p:sp>
+      <p:sp>
+        <p:nvSpPr>
+          <p:cNvPr id="3" name="Content Placeholder 2">
+            <a:extLst>
+              <a:ext uri="{FF2B5EF4-FFF2-40B4-BE49-F238E27FC236}">
+                <a16:creationId xmlns:a16="http://schemas.microsoft.com/office/drawing/2014/main" id="{7A1FB08F-4171-23BE-F0AD-302986777063}"/>
+              </a:ext>
+            </a:extLst>
+          </p:cNvPr>
+          <p:cNvSpPr>
+            <a:spLocks noGrp="1"/>
+          </p:cNvSpPr>
+          <p:nvPr>
+            <p:ph idx="1"/>
+          </p:nvPr>
+        </p:nvSpPr>
+        <p:spPr>
+          <a:xfrm>
+            <a:off x="176048" y="764080"/>
+            <a:ext cx="11805743" cy="5928490"/>
+          </a:xfrm>
+        </p:spPr>
+        <p:txBody>
+          <a:bodyPr/>
+          <a:lstStyle/>
+          <a:p>
+            <a:r>
+              <a:rPr lang="en-US" dirty="0"/>
+              <a:t>Accountancy profession is well positioned to provide the skills needed to identify, measure, manage and disclose climate-related financial information.</a:t>
+            </a:r>
+          </a:p>
+          <a:p>
+            <a:pPr lvl="1"/>
+            <a:r>
+              <a:rPr lang="en-US" dirty="0"/>
+              <a:t>IFRS – climate-related and other emerging risks</a:t>
+            </a:r>
+          </a:p>
+          <a:p>
+            <a:pPr lvl="1"/>
+            <a:r>
+              <a:rPr lang="en-US" dirty="0"/>
+              <a:t>CDSB &amp; IASB: guidance on how to integrate climate-related matters into financial reporting</a:t>
+            </a:r>
+          </a:p>
+          <a:p>
+            <a:pPr lvl="1"/>
+            <a:endParaRPr lang="en-US" dirty="0"/>
+          </a:p>
+          <a:p>
+            <a:r>
+              <a:rPr lang="en-US" dirty="0"/>
+              <a:t>Presently, most of the climate-related information in included in the </a:t>
+            </a:r>
+            <a:r>
+              <a:rPr lang="en-US" dirty="0">
+                <a:solidFill>
+                  <a:schemeClr val="accent1"/>
+                </a:solidFill>
+              </a:rPr>
+              <a:t>narrative sections</a:t>
+            </a:r>
+            <a:r>
+              <a:rPr lang="en-US" dirty="0"/>
+              <a:t> of the annual report.</a:t>
+            </a:r>
+          </a:p>
+          <a:p>
+            <a:pPr lvl="1"/>
+            <a:r>
+              <a:rPr lang="en-US" dirty="0"/>
+              <a:t>Companies are expected to start considering how to quantify and report the financial implications of climate change in financial statements.</a:t>
+            </a:r>
+          </a:p>
+          <a:p>
+            <a:endParaRPr lang="en-US" dirty="0"/>
+          </a:p>
+        </p:txBody>
+      </p:sp>
+    </p:spTree>
+    <p:extLst>
+      <p:ext uri="{BB962C8B-B14F-4D97-AF65-F5344CB8AC3E}">
+        <p14:creationId xmlns:p14="http://schemas.microsoft.com/office/powerpoint/2010/main" val="1233052233"/>
+      </p:ext>
+    </p:extLst>
+  </p:cSld>
+  <p:clrMapOvr>
+    <a:masterClrMapping/>
+  </p:clrMapOvr>
+</p:sld>
+</file>
+
+<file path=ppt/slides/slide44.xml><?xml version="1.0" encoding="utf-8"?>
+<p:sld xmlns:a="http://schemas.openxmlformats.org/drawingml/2006/main" xmlns:r="http://schemas.openxmlformats.org/officeDocument/2006/relationships" xmlns:p="http://schemas.openxmlformats.org/presentationml/2006/main">
+  <p:cSld>
+    <p:spTree>
+      <p:nvGrpSpPr>
+        <p:cNvPr id="1" name=""/>
+        <p:cNvGrpSpPr/>
+        <p:nvPr/>
+      </p:nvGrpSpPr>
+      <p:grpSpPr>
+        <a:xfrm>
+          <a:off x="0" y="0"/>
+          <a:ext cx="0" cy="0"/>
+          <a:chOff x="0" y="0"/>
+          <a:chExt cx="0" cy="0"/>
+        </a:xfrm>
+      </p:grpSpPr>
+      <p:sp>
+        <p:nvSpPr>
+          <p:cNvPr id="2" name="Title 1">
+            <a:extLst>
+              <a:ext uri="{FF2B5EF4-FFF2-40B4-BE49-F238E27FC236}">
+                <a16:creationId xmlns:a16="http://schemas.microsoft.com/office/drawing/2014/main" id="{9BE75482-8AF5-3A23-003E-A2F11B1BA6E9}"/>
+              </a:ext>
+            </a:extLst>
+          </p:cNvPr>
+          <p:cNvSpPr>
+            <a:spLocks noGrp="1"/>
+          </p:cNvSpPr>
+          <p:nvPr>
+            <p:ph type="title"/>
+          </p:nvPr>
+        </p:nvSpPr>
+        <p:spPr>
+          <a:xfrm>
+            <a:off x="176049" y="165430"/>
+            <a:ext cx="11805744" cy="515608"/>
+          </a:xfrm>
+        </p:spPr>
+        <p:txBody>
+          <a:bodyPr>
+            <a:normAutofit fontScale="90000"/>
+          </a:bodyPr>
+          <a:lstStyle/>
+          <a:p>
+            <a:r>
+              <a:rPr lang="en-US" dirty="0"/>
+              <a:t>International Voluntary Reporting Standards</a:t>
+            </a:r>
+          </a:p>
+        </p:txBody>
+      </p:sp>
+      <p:sp>
+        <p:nvSpPr>
+          <p:cNvPr id="3" name="Content Placeholder 2">
+            <a:extLst>
+              <a:ext uri="{FF2B5EF4-FFF2-40B4-BE49-F238E27FC236}">
+                <a16:creationId xmlns:a16="http://schemas.microsoft.com/office/drawing/2014/main" id="{7A1FB08F-4171-23BE-F0AD-302986777063}"/>
+              </a:ext>
+            </a:extLst>
+          </p:cNvPr>
+          <p:cNvSpPr>
+            <a:spLocks noGrp="1"/>
+          </p:cNvSpPr>
+          <p:nvPr>
+            <p:ph idx="1"/>
+          </p:nvPr>
+        </p:nvSpPr>
+        <p:spPr>
+          <a:xfrm>
+            <a:off x="176048" y="764080"/>
+            <a:ext cx="11805743" cy="5928490"/>
+          </a:xfrm>
+        </p:spPr>
+        <p:txBody>
+          <a:bodyPr/>
+          <a:lstStyle/>
+          <a:p>
+            <a:r>
+              <a:rPr lang="en-US" dirty="0"/>
+              <a:t>Most commonly used international voluntary reporting standards</a:t>
+            </a:r>
+          </a:p>
+          <a:p>
+            <a:pPr lvl="1"/>
+            <a:r>
+              <a:rPr lang="en-US" dirty="0"/>
+              <a:t>Carbon Disclosure Project (</a:t>
+            </a:r>
+            <a:r>
+              <a:rPr lang="en-US" dirty="0">
+                <a:solidFill>
+                  <a:schemeClr val="accent1"/>
+                </a:solidFill>
+              </a:rPr>
+              <a:t>CDP</a:t>
+            </a:r>
+            <a:r>
+              <a:rPr lang="en-US" dirty="0"/>
+              <a:t>): a platform for companies to </a:t>
+            </a:r>
+            <a:r>
+              <a:rPr lang="en-US" dirty="0">
+                <a:solidFill>
+                  <a:schemeClr val="accent1"/>
+                </a:solidFill>
+              </a:rPr>
+              <a:t>report</a:t>
+            </a:r>
+            <a:r>
+              <a:rPr lang="en-US" dirty="0"/>
+              <a:t> their impact on climate, water and forest</a:t>
+            </a:r>
+          </a:p>
+          <a:p>
+            <a:pPr lvl="1"/>
+            <a:r>
+              <a:rPr lang="en-US" dirty="0"/>
+              <a:t>Climate Disclosure Standards Board (</a:t>
+            </a:r>
+            <a:r>
+              <a:rPr lang="en-US" dirty="0">
+                <a:solidFill>
+                  <a:schemeClr val="accent1"/>
+                </a:solidFill>
+              </a:rPr>
+              <a:t>CDSB</a:t>
+            </a:r>
+            <a:r>
+              <a:rPr lang="en-US" dirty="0"/>
+              <a:t>): help organizations to report environmental information in </a:t>
+            </a:r>
+            <a:r>
+              <a:rPr lang="en-US" dirty="0">
+                <a:solidFill>
+                  <a:schemeClr val="accent1"/>
+                </a:solidFill>
+              </a:rPr>
+              <a:t>mainstream reports</a:t>
+            </a:r>
+          </a:p>
+          <a:p>
+            <a:pPr lvl="1"/>
+            <a:r>
+              <a:rPr lang="en-US" dirty="0"/>
+              <a:t>Global Reporting Initiative (</a:t>
+            </a:r>
+            <a:r>
+              <a:rPr lang="en-US" dirty="0">
+                <a:solidFill>
+                  <a:schemeClr val="accent1"/>
+                </a:solidFill>
+              </a:rPr>
+              <a:t>GRI</a:t>
+            </a:r>
+            <a:r>
+              <a:rPr lang="en-US" dirty="0"/>
+              <a:t>): Envision to </a:t>
+            </a:r>
+            <a:r>
+              <a:rPr lang="en-US" dirty="0">
+                <a:solidFill>
+                  <a:schemeClr val="accent1"/>
+                </a:solidFill>
+              </a:rPr>
+              <a:t>enable all organizations </a:t>
+            </a:r>
+            <a:r>
+              <a:rPr lang="en-US" dirty="0"/>
+              <a:t>to report their ESG impact.</a:t>
+            </a:r>
+          </a:p>
+          <a:p>
+            <a:pPr lvl="1"/>
+            <a:r>
+              <a:rPr lang="en-US" dirty="0"/>
+              <a:t>Value Reporting Foundation (IIRC + SASB)</a:t>
+            </a:r>
+          </a:p>
+          <a:p>
+            <a:pPr lvl="2"/>
+            <a:r>
+              <a:rPr lang="en-US" dirty="0">
+                <a:solidFill>
+                  <a:schemeClr val="accent1"/>
+                </a:solidFill>
+              </a:rPr>
+              <a:t>IIRC</a:t>
+            </a:r>
+            <a:r>
+              <a:rPr lang="en-US" dirty="0"/>
+              <a:t>: integrated reporting – help organization explain how they create value</a:t>
+            </a:r>
+          </a:p>
+          <a:p>
+            <a:pPr lvl="2"/>
+            <a:r>
+              <a:rPr lang="en-US" dirty="0">
+                <a:solidFill>
+                  <a:schemeClr val="accent1"/>
+                </a:solidFill>
+              </a:rPr>
+              <a:t>SASB</a:t>
+            </a:r>
+            <a:r>
+              <a:rPr lang="en-US" dirty="0"/>
+              <a:t>: help organization to explain material ESG information</a:t>
+            </a:r>
+          </a:p>
+          <a:p>
+            <a:r>
+              <a:rPr lang="en-US" dirty="0"/>
+              <a:t>Corporate Reporting Dialogue (CRD): envision to create alignment across reporting frameworks</a:t>
+            </a:r>
+          </a:p>
+        </p:txBody>
+      </p:sp>
+    </p:spTree>
+    <p:extLst>
+      <p:ext uri="{BB962C8B-B14F-4D97-AF65-F5344CB8AC3E}">
+        <p14:creationId xmlns:p14="http://schemas.microsoft.com/office/powerpoint/2010/main" val="984531886"/>
       </p:ext>
     </p:extLst>
   </p:cSld>
